--- a/Introduction to Machine Learning.pptx
+++ b/Introduction to Machine Learning.pptx
@@ -13,10 +13,10 @@
   <p:sldIdLst>
     <p:sldId id="256" r:id="rId2"/>
     <p:sldId id="323" r:id="rId3"/>
-    <p:sldId id="324" r:id="rId4"/>
-    <p:sldId id="319" r:id="rId5"/>
-    <p:sldId id="325" r:id="rId6"/>
-    <p:sldId id="321" r:id="rId7"/>
+    <p:sldId id="321" r:id="rId4"/>
+    <p:sldId id="324" r:id="rId5"/>
+    <p:sldId id="319" r:id="rId6"/>
+    <p:sldId id="325" r:id="rId7"/>
     <p:sldId id="322" r:id="rId8"/>
     <p:sldId id="326" r:id="rId9"/>
     <p:sldId id="327" r:id="rId10"/>
@@ -266,7 +266,7 @@
           <a:p>
             <a:fld id="{C6AC6211-610F-44E5-BF19-D3CDF6EDD281}" type="datetimeFigureOut">
               <a:rPr lang="de-DE" smtClean="0"/>
-              <a:t>11.09.2023</a:t>
+              <a:t>12.09.2023</a:t>
             </a:fld>
             <a:endParaRPr lang="de-DE"/>
           </a:p>
@@ -432,7 +432,7 @@
           <a:p>
             <a:fld id="{347435D3-23A6-45D3-8DFA-7317DC1E7A64}" type="datetimeFigureOut">
               <a:rPr lang="de-DE" smtClean="0"/>
-              <a:t>11.09.2023</a:t>
+              <a:t>12.09.2023</a:t>
             </a:fld>
             <a:endParaRPr lang="de-DE"/>
           </a:p>
@@ -12215,6 +12215,13 @@
   <p:clrMapOvr>
     <a:masterClrMapping/>
   </p:clrMapOvr>
+  <p:timing>
+    <p:tnLst>
+      <p:par>
+        <p:cTn id="1" dur="indefinite" restart="never" nodeType="tmRoot"/>
+      </p:par>
+    </p:tnLst>
+  </p:timing>
 </p:sld>
 </file>
 
@@ -13010,6 +13017,13 @@
   <p:clrMapOvr>
     <a:masterClrMapping/>
   </p:clrMapOvr>
+  <p:timing>
+    <p:tnLst>
+      <p:par>
+        <p:cTn id="1" dur="indefinite" restart="never" nodeType="tmRoot"/>
+      </p:par>
+    </p:tnLst>
+  </p:timing>
 </p:sld>
 </file>
 
@@ -13466,6 +13480,13 @@
   <p:clrMapOvr>
     <a:masterClrMapping/>
   </p:clrMapOvr>
+  <p:timing>
+    <p:tnLst>
+      <p:par>
+        <p:cTn id="1" dur="indefinite" restart="never" nodeType="tmRoot"/>
+      </p:par>
+    </p:tnLst>
+  </p:timing>
 </p:sld>
 </file>
 
@@ -13989,6 +14010,72 @@
           </a:xfrm>
         </p:spPr>
       </p:pic>
+      <p:sp>
+        <p:nvSpPr>
+          <p:cNvPr id="6" name="Textfeld 5"/>
+          <p:cNvSpPr txBox="1"/>
+          <p:nvPr/>
+        </p:nvSpPr>
+        <p:spPr>
+          <a:xfrm>
+            <a:off x="874713" y="5641945"/>
+            <a:ext cx="10580686" cy="400110"/>
+          </a:xfrm>
+          <a:prstGeom prst="rect">
+            <a:avLst/>
+          </a:prstGeom>
+          <a:noFill/>
+        </p:spPr>
+        <p:txBody>
+          <a:bodyPr wrap="square" rtlCol="0">
+            <a:spAutoFit/>
+          </a:bodyPr>
+          <a:lstStyle/>
+          <a:p>
+            <a:r>
+              <a:rPr lang="en-US" sz="1000" dirty="0"/>
+              <a:t>Yang, J., Shi, R., Wei, D. </a:t>
+            </a:r>
+            <a:r>
+              <a:rPr lang="en-US" sz="1000" i="1" dirty="0"/>
+              <a:t>et al.</a:t>
+            </a:r>
+            <a:r>
+              <a:rPr lang="en-US" sz="1000" dirty="0"/>
+              <a:t> </a:t>
+            </a:r>
+            <a:r>
+              <a:rPr lang="en-US" sz="1000" dirty="0" err="1"/>
+              <a:t>MedMNIST</a:t>
+            </a:r>
+            <a:r>
+              <a:rPr lang="en-US" sz="1000" dirty="0"/>
+              <a:t> v2 - A large-scale lightweight benchmark for 2D and 3D biomedical image classification. </a:t>
+            </a:r>
+            <a:r>
+              <a:rPr lang="en-US" sz="1000" i="1" dirty="0" err="1"/>
+              <a:t>Sci</a:t>
+            </a:r>
+            <a:r>
+              <a:rPr lang="en-US" sz="1000" i="1" dirty="0"/>
+              <a:t> Data</a:t>
+            </a:r>
+            <a:r>
+              <a:rPr lang="en-US" sz="1000" dirty="0"/>
+              <a:t> </a:t>
+            </a:r>
+            <a:r>
+              <a:rPr lang="en-US" sz="1000" b="1" dirty="0"/>
+              <a:t>10</a:t>
+            </a:r>
+            <a:r>
+              <a:rPr lang="en-US" sz="1000" dirty="0"/>
+              <a:t>, 41 (2023). https://doi.org/10.1038/s41597-022-01721-8</a:t>
+            </a:r>
+            <a:endParaRPr lang="de-DE" sz="1000" dirty="0"/>
+          </a:p>
+        </p:txBody>
+      </p:sp>
     </p:spTree>
     <p:extLst>
       <p:ext uri="{BB962C8B-B14F-4D97-AF65-F5344CB8AC3E}">
@@ -14388,6 +14475,13 @@
   <p:clrMapOvr>
     <a:masterClrMapping/>
   </p:clrMapOvr>
+  <p:timing>
+    <p:tnLst>
+      <p:par>
+        <p:cTn id="1" dur="indefinite" restart="never" nodeType="tmRoot"/>
+      </p:par>
+    </p:tnLst>
+  </p:timing>
 </p:sld>
 </file>
 
@@ -14821,6 +14915,13 @@
   <p:clrMapOvr>
     <a:masterClrMapping/>
   </p:clrMapOvr>
+  <p:timing>
+    <p:tnLst>
+      <p:par>
+        <p:cTn id="1" dur="indefinite" restart="never" nodeType="tmRoot"/>
+      </p:par>
+    </p:tnLst>
+  </p:timing>
 </p:sld>
 </file>
 
@@ -15401,6 +15502,13 @@
   <p:clrMapOvr>
     <a:masterClrMapping/>
   </p:clrMapOvr>
+  <p:timing>
+    <p:tnLst>
+      <p:par>
+        <p:cTn id="1" dur="indefinite" restart="never" nodeType="tmRoot"/>
+      </p:par>
+    </p:tnLst>
+  </p:timing>
 </p:sld>
 </file>
 
@@ -16020,6 +16128,13 @@
   <p:clrMapOvr>
     <a:masterClrMapping/>
   </p:clrMapOvr>
+  <p:timing>
+    <p:tnLst>
+      <p:par>
+        <p:cTn id="1" dur="indefinite" restart="never" nodeType="tmRoot"/>
+      </p:par>
+    </p:tnLst>
+  </p:timing>
 </p:sld>
 </file>
 
@@ -16564,6 +16679,13 @@
   <p:clrMapOvr>
     <a:masterClrMapping/>
   </p:clrMapOvr>
+  <p:timing>
+    <p:tnLst>
+      <p:par>
+        <p:cTn id="1" dur="indefinite" restart="never" nodeType="tmRoot"/>
+      </p:par>
+    </p:tnLst>
+  </p:timing>
 </p:sld>
 </file>
 
@@ -17127,6 +17249,13 @@
   <p:clrMapOvr>
     <a:masterClrMapping/>
   </p:clrMapOvr>
+  <p:timing>
+    <p:tnLst>
+      <p:par>
+        <p:cTn id="1" dur="indefinite" restart="never" nodeType="tmRoot"/>
+      </p:par>
+    </p:tnLst>
+  </p:timing>
 </p:sld>
 </file>
 
@@ -17492,6 +17621,13 @@
   <p:clrMapOvr>
     <a:masterClrMapping/>
   </p:clrMapOvr>
+  <p:timing>
+    <p:tnLst>
+      <p:par>
+        <p:cTn id="1" dur="indefinite" restart="never" nodeType="tmRoot"/>
+      </p:par>
+    </p:tnLst>
+  </p:timing>
 </p:sld>
 </file>
 
@@ -17946,14 +18082,6 @@
             </a:r>
             <a:r>
               <a:rPr lang="de-DE" dirty="0" err="1" smtClean="0"/>
-              <a:t>six</a:t>
-            </a:r>
-            <a:r>
-              <a:rPr lang="de-DE" dirty="0" smtClean="0"/>
-              <a:t> </a:t>
-            </a:r>
-            <a:r>
-              <a:rPr lang="de-DE" dirty="0" err="1" smtClean="0"/>
               <a:t>code</a:t>
             </a:r>
             <a:r>
@@ -17962,7 +18090,7 @@
             </a:r>
             <a:r>
               <a:rPr lang="de-DE" dirty="0" err="1" smtClean="0"/>
-              <a:t>cells</a:t>
+              <a:t>cell</a:t>
             </a:r>
             <a:r>
               <a:rPr lang="de-DE" dirty="0" smtClean="0"/>
@@ -18041,6 +18169,13 @@
   <p:clrMapOvr>
     <a:masterClrMapping/>
   </p:clrMapOvr>
+  <p:timing>
+    <p:tnLst>
+      <p:par>
+        <p:cTn id="1" dur="indefinite" restart="never" nodeType="tmRoot"/>
+      </p:par>
+    </p:tnLst>
+  </p:timing>
 </p:sld>
 </file>
 
@@ -18445,6 +18580,59 @@
           </a:xfrm>
         </p:spPr>
       </p:pic>
+      <p:sp>
+        <p:nvSpPr>
+          <p:cNvPr id="6" name="Textfeld 5"/>
+          <p:cNvSpPr txBox="1"/>
+          <p:nvPr/>
+        </p:nvSpPr>
+        <p:spPr>
+          <a:xfrm>
+            <a:off x="874713" y="5641945"/>
+            <a:ext cx="10580686" cy="246221"/>
+          </a:xfrm>
+          <a:prstGeom prst="rect">
+            <a:avLst/>
+          </a:prstGeom>
+          <a:noFill/>
+        </p:spPr>
+        <p:txBody>
+          <a:bodyPr wrap="square" rtlCol="0">
+            <a:spAutoFit/>
+          </a:bodyPr>
+          <a:lstStyle/>
+          <a:p>
+            <a:r>
+              <a:rPr lang="en-US" sz="1000" dirty="0" err="1"/>
+              <a:t>Ringnér</a:t>
+            </a:r>
+            <a:r>
+              <a:rPr lang="en-US" sz="1000" dirty="0"/>
+              <a:t>, M. What is principal component analysis?. </a:t>
+            </a:r>
+            <a:r>
+              <a:rPr lang="en-US" sz="1000" i="1" dirty="0"/>
+              <a:t>Nat </a:t>
+            </a:r>
+            <a:r>
+              <a:rPr lang="en-US" sz="1000" i="1" dirty="0" err="1"/>
+              <a:t>Biotechnol</a:t>
+            </a:r>
+            <a:r>
+              <a:rPr lang="en-US" sz="1000" dirty="0"/>
+              <a:t> </a:t>
+            </a:r>
+            <a:r>
+              <a:rPr lang="en-US" sz="1000" b="1" dirty="0"/>
+              <a:t>26</a:t>
+            </a:r>
+            <a:r>
+              <a:rPr lang="en-US" sz="1000" dirty="0"/>
+              <a:t>, 303–304 (2008). https://doi.org/10.1038/nbt0308-303</a:t>
+            </a:r>
+          </a:p>
+        </p:txBody>
+      </p:sp>
     </p:spTree>
     <p:extLst>
       <p:ext uri="{BB962C8B-B14F-4D97-AF65-F5344CB8AC3E}">
@@ -18455,6 +18643,13 @@
   <p:clrMapOvr>
     <a:masterClrMapping/>
   </p:clrMapOvr>
+  <p:timing>
+    <p:tnLst>
+      <p:par>
+        <p:cTn id="1" dur="indefinite" restart="never" nodeType="tmRoot"/>
+      </p:par>
+    </p:tnLst>
+  </p:timing>
 </p:sld>
 </file>
 
@@ -18924,6 +19119,59 @@
           </a:xfrm>
         </p:spPr>
       </p:pic>
+      <p:sp>
+        <p:nvSpPr>
+          <p:cNvPr id="6" name="Textfeld 5"/>
+          <p:cNvSpPr txBox="1"/>
+          <p:nvPr/>
+        </p:nvSpPr>
+        <p:spPr>
+          <a:xfrm>
+            <a:off x="874713" y="5641945"/>
+            <a:ext cx="10580686" cy="246221"/>
+          </a:xfrm>
+          <a:prstGeom prst="rect">
+            <a:avLst/>
+          </a:prstGeom>
+          <a:noFill/>
+        </p:spPr>
+        <p:txBody>
+          <a:bodyPr wrap="square" rtlCol="0">
+            <a:spAutoFit/>
+          </a:bodyPr>
+          <a:lstStyle/>
+          <a:p>
+            <a:r>
+              <a:rPr lang="en-US" sz="1000" dirty="0" err="1"/>
+              <a:t>Ringnér</a:t>
+            </a:r>
+            <a:r>
+              <a:rPr lang="en-US" sz="1000" dirty="0"/>
+              <a:t>, M. What is principal component analysis?. </a:t>
+            </a:r>
+            <a:r>
+              <a:rPr lang="en-US" sz="1000" i="1" dirty="0"/>
+              <a:t>Nat </a:t>
+            </a:r>
+            <a:r>
+              <a:rPr lang="en-US" sz="1000" i="1" dirty="0" err="1"/>
+              <a:t>Biotechnol</a:t>
+            </a:r>
+            <a:r>
+              <a:rPr lang="en-US" sz="1000" dirty="0"/>
+              <a:t> </a:t>
+            </a:r>
+            <a:r>
+              <a:rPr lang="en-US" sz="1000" b="1" dirty="0"/>
+              <a:t>26</a:t>
+            </a:r>
+            <a:r>
+              <a:rPr lang="en-US" sz="1000" dirty="0"/>
+              <a:t>, 303–304 (2008). https://doi.org/10.1038/nbt0308-303</a:t>
+            </a:r>
+          </a:p>
+        </p:txBody>
+      </p:sp>
     </p:spTree>
     <p:extLst>
       <p:ext uri="{BB962C8B-B14F-4D97-AF65-F5344CB8AC3E}">
@@ -18934,6 +19182,13 @@
   <p:clrMapOvr>
     <a:masterClrMapping/>
   </p:clrMapOvr>
+  <p:timing>
+    <p:tnLst>
+      <p:par>
+        <p:cTn id="1" dur="indefinite" restart="never" nodeType="tmRoot"/>
+      </p:par>
+    </p:tnLst>
+  </p:timing>
 </p:sld>
 </file>
 
@@ -19239,6 +19494,13 @@
   <p:clrMapOvr>
     <a:masterClrMapping/>
   </p:clrMapOvr>
+  <p:timing>
+    <p:tnLst>
+      <p:par>
+        <p:cTn id="1" dur="indefinite" restart="never" nodeType="tmRoot"/>
+      </p:par>
+    </p:tnLst>
+  </p:timing>
 </p:sld>
 </file>
 
@@ -19813,6 +20075,13 @@
   <p:clrMapOvr>
     <a:masterClrMapping/>
   </p:clrMapOvr>
+  <p:timing>
+    <p:tnLst>
+      <p:par>
+        <p:cTn id="1" dur="indefinite" restart="never" nodeType="tmRoot"/>
+      </p:par>
+    </p:tnLst>
+  </p:timing>
 </p:sld>
 </file>
 
@@ -19900,7 +20169,7 @@
         <p:spPr>
           <a:xfrm>
             <a:off x="5932263" y="1484314"/>
-            <a:ext cx="5528850" cy="4069088"/>
+            <a:ext cx="5528850" cy="4069087"/>
           </a:xfrm>
         </p:spPr>
       </p:pic>
@@ -20136,8 +20405,13 @@
             </a:r>
             <a:r>
               <a:rPr lang="de-DE" dirty="0"/>
-              <a:t>: 43.3%</a:t>
-            </a:r>
+              <a:t>: </a:t>
+            </a:r>
+            <a:r>
+              <a:rPr lang="de-DE" dirty="0" smtClean="0"/>
+              <a:t>43.6%</a:t>
+            </a:r>
+            <a:endParaRPr lang="de-DE" dirty="0"/>
           </a:p>
           <a:p>
             <a:pPr marL="285750" indent="-285750">
@@ -20273,6 +20547,48 @@
               <a:t>optimization</a:t>
             </a:r>
             <a:endParaRPr lang="de-DE" dirty="0"/>
+          </a:p>
+        </p:txBody>
+      </p:sp>
+      <p:sp>
+        <p:nvSpPr>
+          <p:cNvPr id="5" name="Textfeld 4"/>
+          <p:cNvSpPr txBox="1"/>
+          <p:nvPr/>
+        </p:nvSpPr>
+        <p:spPr>
+          <a:xfrm>
+            <a:off x="874713" y="5641945"/>
+            <a:ext cx="10580686" cy="246221"/>
+          </a:xfrm>
+          <a:prstGeom prst="rect">
+            <a:avLst/>
+          </a:prstGeom>
+          <a:noFill/>
+        </p:spPr>
+        <p:txBody>
+          <a:bodyPr wrap="square" rtlCol="0">
+            <a:spAutoFit/>
+          </a:bodyPr>
+          <a:lstStyle/>
+          <a:p>
+            <a:r>
+              <a:rPr lang="en-US" sz="1000" dirty="0">
+                <a:hlinkClick r:id="rId3"/>
+              </a:rPr>
+              <a:t>https://</a:t>
+            </a:r>
+            <a:r>
+              <a:rPr lang="en-US" sz="1000" dirty="0" smtClean="0">
+                <a:hlinkClick r:id="rId3"/>
+              </a:rPr>
+              <a:t>scikit-learn.org/stable/modules/generated/sklearn.linear_model.SGDClassifier.html</a:t>
+            </a:r>
+            <a:r>
+              <a:rPr lang="en-US" sz="1000" dirty="0" smtClean="0"/>
+              <a:t> </a:t>
+            </a:r>
+            <a:endParaRPr lang="en-US" sz="1000" dirty="0"/>
           </a:p>
         </p:txBody>
       </p:sp>
@@ -20286,6 +20602,13 @@
   <p:clrMapOvr>
     <a:masterClrMapping/>
   </p:clrMapOvr>
+  <p:timing>
+    <p:tnLst>
+      <p:par>
+        <p:cTn id="1" dur="indefinite" restart="never" nodeType="tmRoot"/>
+      </p:par>
+    </p:tnLst>
+  </p:timing>
 </p:sld>
 </file>
 
@@ -23906,7 +24229,7 @@
         <p:spPr>
           <a:xfrm>
             <a:off x="5932263" y="1484314"/>
-            <a:ext cx="5528850" cy="4069087"/>
+            <a:ext cx="5528849" cy="4069087"/>
           </a:xfrm>
         </p:spPr>
       </p:pic>
@@ -24395,11 +24718,19 @@
             </a:r>
             <a:r>
               <a:rPr lang="de-DE" dirty="0" smtClean="0"/>
-              <a:t>54.8% </a:t>
-            </a:r>
-            <a:r>
-              <a:rPr lang="de-DE" dirty="0"/>
-              <a:t>(vs. 43.3% of </a:t>
+              <a:t>52.1% </a:t>
+            </a:r>
+            <a:r>
+              <a:rPr lang="de-DE" dirty="0"/>
+              <a:t>(vs. </a:t>
+            </a:r>
+            <a:r>
+              <a:rPr lang="de-DE" dirty="0" smtClean="0"/>
+              <a:t>43.6% </a:t>
+            </a:r>
+            <a:r>
+              <a:rPr lang="de-DE" dirty="0"/>
+              <a:t>of </a:t>
             </a:r>
             <a:r>
               <a:rPr lang="de-DE" dirty="0" err="1"/>
@@ -25663,6 +25994,99 @@
           </a:p>
         </p:txBody>
       </p:sp>
+      <p:sp>
+        <p:nvSpPr>
+          <p:cNvPr id="4" name="Textfeld 3"/>
+          <p:cNvSpPr txBox="1"/>
+          <p:nvPr/>
+        </p:nvSpPr>
+        <p:spPr>
+          <a:xfrm>
+            <a:off x="874713" y="5641945"/>
+            <a:ext cx="10580686" cy="246221"/>
+          </a:xfrm>
+          <a:prstGeom prst="rect">
+            <a:avLst/>
+          </a:prstGeom>
+          <a:noFill/>
+        </p:spPr>
+        <p:txBody>
+          <a:bodyPr wrap="square" rtlCol="0">
+            <a:spAutoFit/>
+          </a:bodyPr>
+          <a:lstStyle/>
+          <a:p>
+            <a:r>
+              <a:rPr lang="de-DE" sz="1000" dirty="0" err="1"/>
+              <a:t>Gu</a:t>
+            </a:r>
+            <a:r>
+              <a:rPr lang="de-DE" sz="1000" dirty="0"/>
+              <a:t>, </a:t>
+            </a:r>
+            <a:r>
+              <a:rPr lang="de-DE" sz="1000" dirty="0" err="1"/>
+              <a:t>Jiuxiang</a:t>
+            </a:r>
+            <a:r>
+              <a:rPr lang="de-DE" sz="1000" dirty="0"/>
+              <a:t>, et al. "</a:t>
+            </a:r>
+            <a:r>
+              <a:rPr lang="de-DE" sz="1000" dirty="0" err="1"/>
+              <a:t>Recent</a:t>
+            </a:r>
+            <a:r>
+              <a:rPr lang="de-DE" sz="1000" dirty="0"/>
+              <a:t> </a:t>
+            </a:r>
+            <a:r>
+              <a:rPr lang="de-DE" sz="1000" dirty="0" err="1"/>
+              <a:t>advances</a:t>
+            </a:r>
+            <a:r>
+              <a:rPr lang="de-DE" sz="1000" dirty="0"/>
+              <a:t> in </a:t>
+            </a:r>
+            <a:r>
+              <a:rPr lang="de-DE" sz="1000" dirty="0" err="1"/>
+              <a:t>convolutional</a:t>
+            </a:r>
+            <a:r>
+              <a:rPr lang="de-DE" sz="1000" dirty="0"/>
+              <a:t> </a:t>
+            </a:r>
+            <a:r>
+              <a:rPr lang="de-DE" sz="1000" dirty="0" err="1"/>
+              <a:t>neural</a:t>
+            </a:r>
+            <a:r>
+              <a:rPr lang="de-DE" sz="1000" dirty="0"/>
+              <a:t> </a:t>
+            </a:r>
+            <a:r>
+              <a:rPr lang="de-DE" sz="1000" dirty="0" err="1"/>
+              <a:t>networks</a:t>
+            </a:r>
+            <a:r>
+              <a:rPr lang="de-DE" sz="1000" dirty="0"/>
+              <a:t>." </a:t>
+            </a:r>
+            <a:r>
+              <a:rPr lang="de-DE" sz="1000" i="1" dirty="0"/>
+              <a:t>Pattern </a:t>
+            </a:r>
+            <a:r>
+              <a:rPr lang="de-DE" sz="1000" i="1" dirty="0" err="1"/>
+              <a:t>recognition</a:t>
+            </a:r>
+            <a:r>
+              <a:rPr lang="de-DE" sz="1000" dirty="0"/>
+              <a:t> 77 (2018): 354-377.</a:t>
+            </a:r>
+          </a:p>
+        </p:txBody>
+      </p:sp>
     </p:spTree>
     <p:extLst>
       <p:ext uri="{BB962C8B-B14F-4D97-AF65-F5344CB8AC3E}">
@@ -25677,6 +26101,4069 @@
 </file>
 
 <file path=ppt/slides/slide3.xml><?xml version="1.0" encoding="utf-8"?>
+<p:sld xmlns:a="http://schemas.openxmlformats.org/drawingml/2006/main" xmlns:r="http://schemas.openxmlformats.org/officeDocument/2006/relationships" xmlns:p="http://schemas.openxmlformats.org/presentationml/2006/main">
+  <p:cSld>
+    <p:spTree>
+      <p:nvGrpSpPr>
+        <p:cNvPr id="1" name=""/>
+        <p:cNvGrpSpPr/>
+        <p:nvPr/>
+      </p:nvGrpSpPr>
+      <p:grpSpPr>
+        <a:xfrm>
+          <a:off x="0" y="0"/>
+          <a:ext cx="0" cy="0"/>
+          <a:chOff x="0" y="0"/>
+          <a:chExt cx="0" cy="0"/>
+        </a:xfrm>
+      </p:grpSpPr>
+      <p:sp>
+        <p:nvSpPr>
+          <p:cNvPr id="2" name="Titel 1"/>
+          <p:cNvSpPr>
+            <a:spLocks noGrp="1"/>
+          </p:cNvSpPr>
+          <p:nvPr>
+            <p:ph type="title"/>
+          </p:nvPr>
+        </p:nvSpPr>
+        <p:spPr/>
+        <p:txBody>
+          <a:bodyPr/>
+          <a:lstStyle/>
+          <a:p>
+            <a:r>
+              <a:rPr lang="de-DE" dirty="0" smtClean="0"/>
+              <a:t>A </a:t>
+            </a:r>
+            <a:r>
+              <a:rPr lang="de-DE" dirty="0" err="1" smtClean="0"/>
+              <a:t>very</a:t>
+            </a:r>
+            <a:r>
+              <a:rPr lang="de-DE" dirty="0" smtClean="0"/>
+              <a:t> </a:t>
+            </a:r>
+            <a:r>
+              <a:rPr lang="de-DE" dirty="0" err="1" smtClean="0"/>
+              <a:t>brief</a:t>
+            </a:r>
+            <a:r>
+              <a:rPr lang="de-DE" dirty="0" smtClean="0"/>
+              <a:t> </a:t>
+            </a:r>
+            <a:r>
+              <a:rPr lang="de-DE" dirty="0" err="1" smtClean="0"/>
+              <a:t>introduction</a:t>
+            </a:r>
+            <a:r>
+              <a:rPr lang="de-DE" dirty="0" smtClean="0"/>
+              <a:t> </a:t>
+            </a:r>
+            <a:r>
+              <a:rPr lang="de-DE" dirty="0" err="1" smtClean="0"/>
+              <a:t>to</a:t>
+            </a:r>
+            <a:r>
+              <a:rPr lang="de-DE" dirty="0" smtClean="0"/>
+              <a:t> Python</a:t>
+            </a:r>
+            <a:endParaRPr lang="de-DE" dirty="0"/>
+          </a:p>
+        </p:txBody>
+      </p:sp>
+      <p:sp>
+        <p:nvSpPr>
+          <p:cNvPr id="3" name="Inhaltsplatzhalter 2"/>
+          <p:cNvSpPr>
+            <a:spLocks noGrp="1"/>
+          </p:cNvSpPr>
+          <p:nvPr>
+            <p:ph sz="quarter" idx="10"/>
+          </p:nvPr>
+        </p:nvSpPr>
+        <p:spPr/>
+        <p:txBody>
+          <a:bodyPr/>
+          <a:lstStyle/>
+          <a:p>
+            <a:pPr marL="285750" indent="-285750">
+              <a:buFont typeface="Arial" panose="020B0604020202020204" pitchFamily="34" charset="0"/>
+              <a:buChar char="•"/>
+            </a:pPr>
+            <a:r>
+              <a:rPr lang="de-DE" dirty="0" smtClean="0"/>
+              <a:t>This </a:t>
+            </a:r>
+            <a:r>
+              <a:rPr lang="de-DE" dirty="0" err="1" smtClean="0"/>
+              <a:t>workshop</a:t>
+            </a:r>
+            <a:r>
+              <a:rPr lang="de-DE" dirty="0" smtClean="0"/>
+              <a:t> </a:t>
+            </a:r>
+            <a:r>
+              <a:rPr lang="de-DE" dirty="0" err="1" smtClean="0"/>
+              <a:t>requires</a:t>
+            </a:r>
+            <a:r>
+              <a:rPr lang="de-DE" dirty="0" smtClean="0"/>
+              <a:t> </a:t>
+            </a:r>
+            <a:r>
+              <a:rPr lang="de-DE" dirty="0" err="1" smtClean="0"/>
+              <a:t>some</a:t>
+            </a:r>
+            <a:r>
+              <a:rPr lang="de-DE" dirty="0" smtClean="0"/>
+              <a:t> </a:t>
+            </a:r>
+            <a:r>
+              <a:rPr lang="de-DE" dirty="0" err="1" smtClean="0"/>
+              <a:t>basic</a:t>
+            </a:r>
+            <a:r>
+              <a:rPr lang="de-DE" dirty="0" smtClean="0"/>
+              <a:t> </a:t>
+            </a:r>
+            <a:r>
+              <a:rPr lang="de-DE" dirty="0" err="1" smtClean="0"/>
+              <a:t>knowledge</a:t>
+            </a:r>
+            <a:r>
+              <a:rPr lang="de-DE" dirty="0" smtClean="0"/>
+              <a:t> </a:t>
+            </a:r>
+            <a:r>
+              <a:rPr lang="de-DE" dirty="0" err="1" smtClean="0"/>
+              <a:t>about</a:t>
+            </a:r>
+            <a:r>
+              <a:rPr lang="de-DE" dirty="0" smtClean="0"/>
+              <a:t> Python</a:t>
+            </a:r>
+          </a:p>
+          <a:p>
+            <a:pPr marL="285750" indent="-285750">
+              <a:buFont typeface="Arial" panose="020B0604020202020204" pitchFamily="34" charset="0"/>
+              <a:buChar char="•"/>
+            </a:pPr>
+            <a:r>
+              <a:rPr lang="de-DE" dirty="0" err="1" smtClean="0"/>
+              <a:t>It</a:t>
+            </a:r>
+            <a:r>
+              <a:rPr lang="de-DE" dirty="0" smtClean="0"/>
+              <a:t> </a:t>
+            </a:r>
+            <a:r>
+              <a:rPr lang="de-DE" dirty="0" err="1" smtClean="0"/>
+              <a:t>is</a:t>
+            </a:r>
+            <a:r>
+              <a:rPr lang="de-DE" dirty="0" smtClean="0"/>
+              <a:t> </a:t>
+            </a:r>
+            <a:r>
+              <a:rPr lang="de-DE" dirty="0" err="1" smtClean="0"/>
+              <a:t>particularly</a:t>
+            </a:r>
+            <a:r>
+              <a:rPr lang="de-DE" dirty="0" smtClean="0"/>
+              <a:t> </a:t>
+            </a:r>
+            <a:r>
+              <a:rPr lang="de-DE" dirty="0" err="1" smtClean="0"/>
+              <a:t>useful</a:t>
+            </a:r>
+            <a:r>
+              <a:rPr lang="de-DE" dirty="0" smtClean="0"/>
+              <a:t> </a:t>
+            </a:r>
+            <a:r>
+              <a:rPr lang="de-DE" dirty="0" err="1" smtClean="0"/>
+              <a:t>to</a:t>
+            </a:r>
+            <a:r>
+              <a:rPr lang="de-DE" dirty="0" smtClean="0"/>
+              <a:t> </a:t>
+            </a:r>
+            <a:r>
+              <a:rPr lang="de-DE" dirty="0" err="1" smtClean="0"/>
+              <a:t>know</a:t>
+            </a:r>
+            <a:endParaRPr lang="de-DE" dirty="0" smtClean="0"/>
+          </a:p>
+          <a:p>
+            <a:pPr marL="537750" lvl="2" indent="-285750">
+              <a:buFont typeface="Arial" panose="020B0604020202020204" pitchFamily="34" charset="0"/>
+              <a:buChar char="•"/>
+            </a:pPr>
+            <a:r>
+              <a:rPr lang="de-DE" dirty="0" err="1" smtClean="0"/>
+              <a:t>Mathematical</a:t>
+            </a:r>
+            <a:r>
+              <a:rPr lang="de-DE" dirty="0" smtClean="0"/>
+              <a:t> </a:t>
+            </a:r>
+            <a:r>
+              <a:rPr lang="de-DE" dirty="0" err="1" smtClean="0"/>
+              <a:t>operations</a:t>
+            </a:r>
+            <a:endParaRPr lang="de-DE" dirty="0" smtClean="0"/>
+          </a:p>
+          <a:p>
+            <a:pPr marL="537750" lvl="2" indent="-285750">
+              <a:buFont typeface="Arial" panose="020B0604020202020204" pitchFamily="34" charset="0"/>
+              <a:buChar char="•"/>
+            </a:pPr>
+            <a:r>
+              <a:rPr lang="de-DE" dirty="0" err="1" smtClean="0"/>
+              <a:t>How</a:t>
+            </a:r>
+            <a:r>
+              <a:rPr lang="de-DE" dirty="0" smtClean="0"/>
+              <a:t> </a:t>
+            </a:r>
+            <a:r>
+              <a:rPr lang="de-DE" dirty="0" err="1" smtClean="0"/>
+              <a:t>to</a:t>
+            </a:r>
+            <a:r>
+              <a:rPr lang="de-DE" dirty="0" smtClean="0"/>
+              <a:t> </a:t>
+            </a:r>
+            <a:r>
+              <a:rPr lang="de-DE" dirty="0" err="1" smtClean="0"/>
+              <a:t>load</a:t>
+            </a:r>
+            <a:r>
+              <a:rPr lang="de-DE" dirty="0" smtClean="0"/>
+              <a:t> </a:t>
+            </a:r>
+            <a:r>
+              <a:rPr lang="de-DE" dirty="0" err="1" smtClean="0"/>
+              <a:t>packages</a:t>
+            </a:r>
+            <a:r>
+              <a:rPr lang="de-DE" dirty="0" smtClean="0"/>
+              <a:t> and </a:t>
+            </a:r>
+            <a:r>
+              <a:rPr lang="de-DE" dirty="0" err="1" smtClean="0"/>
+              <a:t>instantiate</a:t>
+            </a:r>
+            <a:r>
+              <a:rPr lang="de-DE" dirty="0" smtClean="0"/>
+              <a:t> </a:t>
+            </a:r>
+            <a:r>
+              <a:rPr lang="de-DE" dirty="0" err="1" smtClean="0"/>
+              <a:t>objects</a:t>
+            </a:r>
+            <a:endParaRPr lang="de-DE" dirty="0" smtClean="0"/>
+          </a:p>
+          <a:p>
+            <a:pPr marL="285750" indent="-285750">
+              <a:buFont typeface="Arial" panose="020B0604020202020204" pitchFamily="34" charset="0"/>
+              <a:buChar char="•"/>
+            </a:pPr>
+            <a:endParaRPr lang="de-DE" dirty="0"/>
+          </a:p>
+          <a:p>
+            <a:pPr marL="285750" indent="-285750">
+              <a:buFont typeface="Arial" panose="020B0604020202020204" pitchFamily="34" charset="0"/>
+              <a:buChar char="•"/>
+            </a:pPr>
+            <a:r>
+              <a:rPr lang="de-DE" dirty="0" err="1" smtClean="0"/>
+              <a:t>Important</a:t>
+            </a:r>
+            <a:r>
+              <a:rPr lang="de-DE" dirty="0" smtClean="0"/>
+              <a:t> Python </a:t>
+            </a:r>
+            <a:r>
+              <a:rPr lang="de-DE" dirty="0" err="1" smtClean="0"/>
+              <a:t>packages</a:t>
+            </a:r>
+            <a:r>
+              <a:rPr lang="de-DE" dirty="0" smtClean="0"/>
+              <a:t>:</a:t>
+            </a:r>
+          </a:p>
+          <a:p>
+            <a:pPr marL="537750" lvl="2" indent="-285750">
+              <a:buFont typeface="Arial" panose="020B0604020202020204" pitchFamily="34" charset="0"/>
+              <a:buChar char="•"/>
+            </a:pPr>
+            <a:r>
+              <a:rPr lang="de-DE" dirty="0" err="1" smtClean="0"/>
+              <a:t>Numpy</a:t>
+            </a:r>
+            <a:r>
+              <a:rPr lang="de-DE" dirty="0" smtClean="0"/>
+              <a:t> </a:t>
+            </a:r>
+            <a:r>
+              <a:rPr lang="de-DE" dirty="0" err="1" smtClean="0"/>
+              <a:t>for</a:t>
+            </a:r>
+            <a:r>
+              <a:rPr lang="de-DE" dirty="0" smtClean="0"/>
+              <a:t> </a:t>
+            </a:r>
+            <a:r>
+              <a:rPr lang="de-DE" dirty="0" err="1" smtClean="0"/>
+              <a:t>efficient</a:t>
+            </a:r>
+            <a:r>
+              <a:rPr lang="de-DE" dirty="0" smtClean="0"/>
+              <a:t> </a:t>
+            </a:r>
+            <a:r>
+              <a:rPr lang="de-DE" dirty="0" err="1" smtClean="0"/>
+              <a:t>matrix</a:t>
+            </a:r>
+            <a:r>
+              <a:rPr lang="de-DE" dirty="0" smtClean="0"/>
+              <a:t> </a:t>
+            </a:r>
+            <a:r>
+              <a:rPr lang="de-DE" dirty="0" err="1" smtClean="0"/>
+              <a:t>handling</a:t>
+            </a:r>
+            <a:r>
+              <a:rPr lang="de-DE" dirty="0" smtClean="0"/>
+              <a:t> and linear </a:t>
+            </a:r>
+            <a:r>
+              <a:rPr lang="de-DE" dirty="0" err="1" smtClean="0"/>
+              <a:t>algebra</a:t>
+            </a:r>
+            <a:endParaRPr lang="de-DE" dirty="0" smtClean="0"/>
+          </a:p>
+          <a:p>
+            <a:pPr marL="537750" lvl="2" indent="-285750">
+              <a:buFont typeface="Arial" panose="020B0604020202020204" pitchFamily="34" charset="0"/>
+              <a:buChar char="•"/>
+            </a:pPr>
+            <a:r>
+              <a:rPr lang="de-DE" dirty="0" smtClean="0"/>
+              <a:t>Pandas </a:t>
+            </a:r>
+            <a:r>
+              <a:rPr lang="de-DE" dirty="0" err="1" smtClean="0"/>
+              <a:t>for</a:t>
+            </a:r>
+            <a:r>
+              <a:rPr lang="de-DE" dirty="0" smtClean="0"/>
+              <a:t> </a:t>
+            </a:r>
+            <a:r>
+              <a:rPr lang="de-DE" dirty="0" err="1" smtClean="0"/>
+              <a:t>efficient</a:t>
+            </a:r>
+            <a:r>
+              <a:rPr lang="de-DE" dirty="0" smtClean="0"/>
+              <a:t> </a:t>
+            </a:r>
+            <a:r>
+              <a:rPr lang="de-DE" dirty="0" err="1" smtClean="0"/>
+              <a:t>tabular</a:t>
+            </a:r>
+            <a:r>
+              <a:rPr lang="de-DE" dirty="0" smtClean="0"/>
+              <a:t> </a:t>
+            </a:r>
+            <a:r>
+              <a:rPr lang="de-DE" dirty="0" err="1" smtClean="0"/>
+              <a:t>dataset</a:t>
+            </a:r>
+            <a:r>
+              <a:rPr lang="de-DE" dirty="0" smtClean="0"/>
+              <a:t> </a:t>
+            </a:r>
+            <a:r>
+              <a:rPr lang="de-DE" dirty="0" err="1" smtClean="0"/>
+              <a:t>handling</a:t>
+            </a:r>
+            <a:endParaRPr lang="de-DE" dirty="0" smtClean="0"/>
+          </a:p>
+          <a:p>
+            <a:pPr marL="537750" lvl="2" indent="-285750">
+              <a:buFont typeface="Arial" panose="020B0604020202020204" pitchFamily="34" charset="0"/>
+              <a:buChar char="•"/>
+            </a:pPr>
+            <a:r>
+              <a:rPr lang="de-DE" dirty="0" err="1" smtClean="0"/>
+              <a:t>Scikit-learn</a:t>
+            </a:r>
+            <a:r>
+              <a:rPr lang="de-DE" dirty="0" smtClean="0"/>
+              <a:t> </a:t>
+            </a:r>
+            <a:r>
+              <a:rPr lang="de-DE" dirty="0" err="1" smtClean="0"/>
+              <a:t>for</a:t>
+            </a:r>
+            <a:r>
+              <a:rPr lang="de-DE" dirty="0" smtClean="0"/>
+              <a:t> </a:t>
+            </a:r>
+            <a:r>
+              <a:rPr lang="de-DE" dirty="0" err="1" smtClean="0"/>
+              <a:t>developing</a:t>
+            </a:r>
+            <a:r>
+              <a:rPr lang="de-DE" dirty="0" smtClean="0"/>
+              <a:t> simple </a:t>
+            </a:r>
+            <a:r>
+              <a:rPr lang="de-DE" dirty="0" err="1" smtClean="0"/>
+              <a:t>machine</a:t>
+            </a:r>
+            <a:r>
+              <a:rPr lang="de-DE" dirty="0" smtClean="0"/>
+              <a:t> </a:t>
+            </a:r>
+            <a:r>
+              <a:rPr lang="de-DE" dirty="0" err="1" smtClean="0"/>
+              <a:t>learning</a:t>
+            </a:r>
+            <a:r>
+              <a:rPr lang="de-DE" dirty="0" smtClean="0"/>
+              <a:t> </a:t>
+            </a:r>
+            <a:r>
+              <a:rPr lang="de-DE" dirty="0" err="1" smtClean="0"/>
+              <a:t>models</a:t>
+            </a:r>
+            <a:endParaRPr lang="de-DE" dirty="0" smtClean="0"/>
+          </a:p>
+          <a:p>
+            <a:pPr marL="537750" lvl="2" indent="-285750">
+              <a:buFont typeface="Arial" panose="020B0604020202020204" pitchFamily="34" charset="0"/>
+              <a:buChar char="•"/>
+            </a:pPr>
+            <a:r>
+              <a:rPr lang="de-DE" dirty="0" err="1" smtClean="0"/>
+              <a:t>PyTorch</a:t>
+            </a:r>
+            <a:r>
+              <a:rPr lang="de-DE" dirty="0" smtClean="0"/>
+              <a:t>/</a:t>
+            </a:r>
+            <a:r>
+              <a:rPr lang="de-DE" dirty="0" err="1" smtClean="0"/>
+              <a:t>Tensorflow</a:t>
+            </a:r>
+            <a:r>
+              <a:rPr lang="de-DE" dirty="0" smtClean="0"/>
+              <a:t> </a:t>
+            </a:r>
+            <a:r>
+              <a:rPr lang="de-DE" dirty="0" err="1" smtClean="0"/>
+              <a:t>for</a:t>
+            </a:r>
+            <a:r>
+              <a:rPr lang="de-DE" dirty="0" smtClean="0"/>
+              <a:t> </a:t>
+            </a:r>
+            <a:r>
+              <a:rPr lang="de-DE" dirty="0" err="1" smtClean="0"/>
+              <a:t>more</a:t>
+            </a:r>
+            <a:r>
+              <a:rPr lang="de-DE" dirty="0" smtClean="0"/>
+              <a:t> </a:t>
+            </a:r>
+            <a:r>
+              <a:rPr lang="de-DE" dirty="0" err="1" smtClean="0"/>
+              <a:t>complex</a:t>
+            </a:r>
+            <a:r>
+              <a:rPr lang="de-DE" dirty="0" smtClean="0"/>
+              <a:t> </a:t>
+            </a:r>
+            <a:r>
+              <a:rPr lang="de-DE" dirty="0" err="1" smtClean="0"/>
+              <a:t>machine</a:t>
+            </a:r>
+            <a:r>
+              <a:rPr lang="de-DE" dirty="0" smtClean="0"/>
+              <a:t> </a:t>
+            </a:r>
+            <a:r>
+              <a:rPr lang="de-DE" dirty="0" err="1" smtClean="0"/>
+              <a:t>learning</a:t>
+            </a:r>
+            <a:r>
+              <a:rPr lang="de-DE" dirty="0" smtClean="0"/>
+              <a:t> and </a:t>
+            </a:r>
+            <a:r>
+              <a:rPr lang="de-DE" dirty="0" err="1" smtClean="0"/>
+              <a:t>deep</a:t>
+            </a:r>
+            <a:r>
+              <a:rPr lang="de-DE" dirty="0" smtClean="0"/>
+              <a:t> </a:t>
+            </a:r>
+            <a:r>
+              <a:rPr lang="de-DE" dirty="0" err="1" smtClean="0"/>
+              <a:t>learning</a:t>
+            </a:r>
+            <a:r>
+              <a:rPr lang="de-DE" dirty="0" smtClean="0"/>
+              <a:t> </a:t>
+            </a:r>
+            <a:r>
+              <a:rPr lang="de-DE" dirty="0" err="1" smtClean="0"/>
+              <a:t>models</a:t>
+            </a:r>
+            <a:endParaRPr lang="de-DE" dirty="0" smtClean="0"/>
+          </a:p>
+          <a:p>
+            <a:pPr marL="537750" lvl="2" indent="-285750">
+              <a:buFont typeface="Arial" panose="020B0604020202020204" pitchFamily="34" charset="0"/>
+              <a:buChar char="•"/>
+            </a:pPr>
+            <a:r>
+              <a:rPr lang="de-DE" dirty="0" err="1" smtClean="0"/>
+              <a:t>Seaborn</a:t>
+            </a:r>
+            <a:r>
+              <a:rPr lang="de-DE" dirty="0" smtClean="0"/>
+              <a:t> </a:t>
+            </a:r>
+            <a:r>
+              <a:rPr lang="de-DE" dirty="0" err="1" smtClean="0"/>
+              <a:t>for</a:t>
+            </a:r>
+            <a:r>
+              <a:rPr lang="de-DE" dirty="0" smtClean="0"/>
+              <a:t> </a:t>
+            </a:r>
+            <a:r>
+              <a:rPr lang="de-DE" dirty="0" err="1" smtClean="0"/>
+              <a:t>statistical</a:t>
+            </a:r>
+            <a:r>
+              <a:rPr lang="de-DE" dirty="0" smtClean="0"/>
+              <a:t> </a:t>
+            </a:r>
+            <a:r>
+              <a:rPr lang="de-DE" dirty="0" err="1" smtClean="0"/>
+              <a:t>data</a:t>
+            </a:r>
+            <a:r>
+              <a:rPr lang="de-DE" dirty="0" smtClean="0"/>
+              <a:t> </a:t>
+            </a:r>
+            <a:r>
+              <a:rPr lang="de-DE" dirty="0" err="1" smtClean="0"/>
+              <a:t>visualization</a:t>
+            </a:r>
+            <a:endParaRPr lang="de-DE" dirty="0" smtClean="0"/>
+          </a:p>
+        </p:txBody>
+      </p:sp>
+    </p:spTree>
+    <p:extLst>
+      <p:ext uri="{BB962C8B-B14F-4D97-AF65-F5344CB8AC3E}">
+        <p14:creationId xmlns:p14="http://schemas.microsoft.com/office/powerpoint/2010/main" val="1440739897"/>
+      </p:ext>
+    </p:extLst>
+  </p:cSld>
+  <p:clrMapOvr>
+    <a:masterClrMapping/>
+  </p:clrMapOvr>
+  <p:timing>
+    <p:tnLst>
+      <p:par>
+        <p:cTn id="1" dur="indefinite" restart="never" nodeType="tmRoot"/>
+      </p:par>
+    </p:tnLst>
+  </p:timing>
+</p:sld>
+</file>
+
+<file path=ppt/slides/slide30.xml><?xml version="1.0" encoding="utf-8"?>
+<p:sld xmlns:a="http://schemas.openxmlformats.org/drawingml/2006/main" xmlns:r="http://schemas.openxmlformats.org/officeDocument/2006/relationships" xmlns:p="http://schemas.openxmlformats.org/presentationml/2006/main">
+  <p:cSld>
+    <p:spTree>
+      <p:nvGrpSpPr>
+        <p:cNvPr id="1" name=""/>
+        <p:cNvGrpSpPr/>
+        <p:nvPr/>
+      </p:nvGrpSpPr>
+      <p:grpSpPr>
+        <a:xfrm>
+          <a:off x="0" y="0"/>
+          <a:ext cx="0" cy="0"/>
+          <a:chOff x="0" y="0"/>
+          <a:chExt cx="0" cy="0"/>
+        </a:xfrm>
+      </p:grpSpPr>
+      <p:sp>
+        <p:nvSpPr>
+          <p:cNvPr id="8" name="Titel 7"/>
+          <p:cNvSpPr>
+            <a:spLocks noGrp="1"/>
+          </p:cNvSpPr>
+          <p:nvPr>
+            <p:ph type="title"/>
+          </p:nvPr>
+        </p:nvSpPr>
+        <p:spPr/>
+        <p:txBody>
+          <a:bodyPr/>
+          <a:lstStyle/>
+          <a:p>
+            <a:r>
+              <a:rPr lang="de-DE" dirty="0"/>
+              <a:t>Image </a:t>
+            </a:r>
+            <a:r>
+              <a:rPr lang="de-DE" dirty="0" err="1"/>
+              <a:t>classification</a:t>
+            </a:r>
+            <a:r>
+              <a:rPr lang="de-DE" dirty="0"/>
+              <a:t/>
+            </a:r>
+            <a:br>
+              <a:rPr lang="de-DE" dirty="0"/>
+            </a:br>
+            <a:r>
+              <a:rPr lang="de-DE" b="0" dirty="0" err="1"/>
+              <a:t>Convolutional</a:t>
+            </a:r>
+            <a:r>
+              <a:rPr lang="de-DE" b="0" dirty="0"/>
+              <a:t> Neural Network (CNN)</a:t>
+            </a:r>
+            <a:endParaRPr lang="de-DE" dirty="0"/>
+          </a:p>
+        </p:txBody>
+      </p:sp>
+      <p:sp>
+        <p:nvSpPr>
+          <p:cNvPr id="11" name="Inhaltsplatzhalter 10"/>
+          <p:cNvSpPr>
+            <a:spLocks noGrp="1"/>
+          </p:cNvSpPr>
+          <p:nvPr>
+            <p:ph sz="quarter" idx="10"/>
+          </p:nvPr>
+        </p:nvSpPr>
+        <p:spPr/>
+        <p:txBody>
+          <a:bodyPr/>
+          <a:lstStyle/>
+          <a:p>
+            <a:pPr marL="285750" indent="-285750">
+              <a:buFont typeface="Arial" panose="020B0604020202020204" pitchFamily="34" charset="0"/>
+              <a:buChar char="•"/>
+            </a:pPr>
+            <a:r>
+              <a:rPr lang="de-DE" dirty="0"/>
+              <a:t>The </a:t>
+            </a:r>
+            <a:r>
+              <a:rPr lang="de-DE" dirty="0" err="1"/>
+              <a:t>Convolutional</a:t>
+            </a:r>
+            <a:r>
+              <a:rPr lang="de-DE" dirty="0"/>
+              <a:t> Neural Network (CNN) </a:t>
+            </a:r>
+            <a:r>
+              <a:rPr lang="de-DE" dirty="0" err="1"/>
+              <a:t>is</a:t>
+            </a:r>
+            <a:r>
+              <a:rPr lang="de-DE" dirty="0"/>
+              <a:t> a </a:t>
+            </a:r>
+            <a:r>
+              <a:rPr lang="de-DE" dirty="0" err="1"/>
+              <a:t>special</a:t>
+            </a:r>
+            <a:r>
+              <a:rPr lang="de-DE" dirty="0"/>
+              <a:t> </a:t>
+            </a:r>
+            <a:r>
+              <a:rPr lang="de-DE" dirty="0" err="1"/>
+              <a:t>kind</a:t>
+            </a:r>
+            <a:r>
+              <a:rPr lang="de-DE" dirty="0"/>
+              <a:t> of </a:t>
+            </a:r>
+            <a:r>
+              <a:rPr lang="de-DE" dirty="0" err="1"/>
+              <a:t>feed</a:t>
+            </a:r>
+            <a:r>
+              <a:rPr lang="de-DE" dirty="0"/>
+              <a:t>-forward </a:t>
+            </a:r>
+            <a:r>
+              <a:rPr lang="de-DE" dirty="0" err="1"/>
+              <a:t>neural</a:t>
+            </a:r>
+            <a:r>
+              <a:rPr lang="de-DE" dirty="0"/>
+              <a:t> </a:t>
+            </a:r>
+            <a:r>
+              <a:rPr lang="de-DE" dirty="0" err="1"/>
+              <a:t>network</a:t>
+            </a:r>
+            <a:endParaRPr lang="de-DE" dirty="0"/>
+          </a:p>
+          <a:p>
+            <a:pPr marL="285750" indent="-285750">
+              <a:buFont typeface="Arial" panose="020B0604020202020204" pitchFamily="34" charset="0"/>
+              <a:buChar char="•"/>
+            </a:pPr>
+            <a:r>
+              <a:rPr lang="de-DE" dirty="0"/>
+              <a:t>Building </a:t>
+            </a:r>
+            <a:r>
+              <a:rPr lang="de-DE" dirty="0" err="1"/>
+              <a:t>blocks</a:t>
+            </a:r>
+            <a:r>
+              <a:rPr lang="de-DE" dirty="0"/>
+              <a:t>:</a:t>
+            </a:r>
+          </a:p>
+          <a:p>
+            <a:pPr marL="537750" lvl="2" indent="-285750">
+              <a:buFont typeface="Arial" panose="020B0604020202020204" pitchFamily="34" charset="0"/>
+              <a:buChar char="•"/>
+            </a:pPr>
+            <a:r>
+              <a:rPr lang="de-DE" dirty="0" err="1"/>
+              <a:t>Convolutional</a:t>
+            </a:r>
+            <a:r>
+              <a:rPr lang="de-DE" dirty="0"/>
+              <a:t> </a:t>
+            </a:r>
+            <a:r>
+              <a:rPr lang="de-DE" dirty="0" err="1"/>
+              <a:t>layers</a:t>
+            </a:r>
+            <a:r>
+              <a:rPr lang="de-DE" dirty="0"/>
+              <a:t>: </a:t>
+            </a:r>
+            <a:r>
+              <a:rPr lang="de-DE" dirty="0" err="1"/>
+              <a:t>convolve</a:t>
+            </a:r>
+            <a:r>
+              <a:rPr lang="de-DE" dirty="0"/>
+              <a:t> </a:t>
+            </a:r>
+            <a:r>
+              <a:rPr lang="de-DE" dirty="0" err="1"/>
+              <a:t>the</a:t>
+            </a:r>
+            <a:r>
+              <a:rPr lang="de-DE" dirty="0"/>
+              <a:t> </a:t>
+            </a:r>
+            <a:r>
+              <a:rPr lang="de-DE" dirty="0" err="1"/>
+              <a:t>input</a:t>
+            </a:r>
+            <a:r>
+              <a:rPr lang="de-DE" dirty="0"/>
+              <a:t> </a:t>
+            </a:r>
+            <a:r>
+              <a:rPr lang="de-DE" dirty="0" err="1"/>
+              <a:t>to</a:t>
+            </a:r>
+            <a:r>
+              <a:rPr lang="de-DE" dirty="0"/>
+              <a:t> </a:t>
+            </a:r>
+            <a:r>
+              <a:rPr lang="de-DE" dirty="0" err="1"/>
+              <a:t>feature</a:t>
+            </a:r>
+            <a:r>
+              <a:rPr lang="de-DE" dirty="0"/>
+              <a:t> </a:t>
+            </a:r>
+            <a:r>
+              <a:rPr lang="de-DE" dirty="0" err="1"/>
+              <a:t>maps</a:t>
+            </a:r>
+            <a:endParaRPr lang="de-DE" dirty="0"/>
+          </a:p>
+          <a:p>
+            <a:pPr marL="537750" lvl="2" indent="-285750">
+              <a:buFont typeface="Arial" panose="020B0604020202020204" pitchFamily="34" charset="0"/>
+              <a:buChar char="•"/>
+            </a:pPr>
+            <a:r>
+              <a:rPr lang="de-DE" dirty="0"/>
+              <a:t>Pooling </a:t>
+            </a:r>
+            <a:r>
+              <a:rPr lang="de-DE" dirty="0" err="1"/>
+              <a:t>layers</a:t>
+            </a:r>
+            <a:r>
+              <a:rPr lang="de-DE" dirty="0"/>
+              <a:t>: </a:t>
+            </a:r>
+            <a:r>
+              <a:rPr lang="de-DE" dirty="0" err="1"/>
+              <a:t>reduce</a:t>
+            </a:r>
+            <a:r>
+              <a:rPr lang="de-DE" dirty="0"/>
+              <a:t> </a:t>
+            </a:r>
+            <a:r>
+              <a:rPr lang="de-DE" dirty="0" err="1"/>
+              <a:t>the</a:t>
+            </a:r>
+            <a:r>
+              <a:rPr lang="de-DE" dirty="0"/>
+              <a:t> </a:t>
+            </a:r>
+            <a:r>
+              <a:rPr lang="de-DE" dirty="0" err="1"/>
+              <a:t>dimensionality</a:t>
+            </a:r>
+            <a:r>
+              <a:rPr lang="de-DE" dirty="0"/>
+              <a:t> </a:t>
+            </a:r>
+            <a:r>
+              <a:rPr lang="de-DE" dirty="0" err="1"/>
+              <a:t>by</a:t>
+            </a:r>
+            <a:r>
+              <a:rPr lang="de-DE" dirty="0"/>
+              <a:t> </a:t>
+            </a:r>
+            <a:r>
+              <a:rPr lang="de-DE" dirty="0" err="1"/>
+              <a:t>combining</a:t>
+            </a:r>
+            <a:r>
+              <a:rPr lang="de-DE" dirty="0"/>
+              <a:t> </a:t>
+            </a:r>
+            <a:r>
+              <a:rPr lang="de-DE" dirty="0" err="1"/>
+              <a:t>neighboured</a:t>
+            </a:r>
+            <a:r>
+              <a:rPr lang="de-DE" dirty="0"/>
+              <a:t> </a:t>
+            </a:r>
+            <a:r>
+              <a:rPr lang="de-DE" dirty="0" err="1"/>
+              <a:t>elements</a:t>
+            </a:r>
+            <a:r>
+              <a:rPr lang="de-DE" dirty="0"/>
+              <a:t> of </a:t>
+            </a:r>
+            <a:r>
+              <a:rPr lang="de-DE" dirty="0" err="1"/>
+              <a:t>the</a:t>
+            </a:r>
+            <a:r>
+              <a:rPr lang="de-DE" dirty="0"/>
+              <a:t> </a:t>
+            </a:r>
+            <a:r>
+              <a:rPr lang="de-DE" dirty="0" err="1"/>
+              <a:t>feature</a:t>
+            </a:r>
+            <a:r>
+              <a:rPr lang="de-DE" dirty="0"/>
+              <a:t> </a:t>
+            </a:r>
+            <a:r>
+              <a:rPr lang="de-DE" dirty="0" err="1"/>
+              <a:t>maps</a:t>
+            </a:r>
+            <a:endParaRPr lang="de-DE" dirty="0"/>
+          </a:p>
+          <a:p>
+            <a:pPr marL="537750" lvl="2" indent="-285750">
+              <a:buFont typeface="Arial" panose="020B0604020202020204" pitchFamily="34" charset="0"/>
+              <a:buChar char="•"/>
+            </a:pPr>
+            <a:r>
+              <a:rPr lang="de-DE" dirty="0" err="1"/>
+              <a:t>Fully</a:t>
+            </a:r>
+            <a:r>
+              <a:rPr lang="de-DE" dirty="0"/>
+              <a:t> </a:t>
+            </a:r>
+            <a:r>
+              <a:rPr lang="de-DE" dirty="0" err="1"/>
+              <a:t>connected</a:t>
+            </a:r>
+            <a:r>
+              <a:rPr lang="de-DE" dirty="0"/>
+              <a:t> </a:t>
+            </a:r>
+            <a:r>
+              <a:rPr lang="de-DE" dirty="0" err="1"/>
+              <a:t>layer</a:t>
+            </a:r>
+            <a:r>
+              <a:rPr lang="de-DE" dirty="0"/>
+              <a:t>: Traditional MLP </a:t>
+            </a:r>
+            <a:r>
+              <a:rPr lang="de-DE" dirty="0" err="1"/>
+              <a:t>that</a:t>
+            </a:r>
+            <a:r>
+              <a:rPr lang="de-DE" dirty="0"/>
+              <a:t> </a:t>
+            </a:r>
+            <a:r>
+              <a:rPr lang="de-DE" dirty="0" err="1"/>
+              <a:t>connects</a:t>
+            </a:r>
+            <a:r>
+              <a:rPr lang="de-DE" dirty="0"/>
+              <a:t> </a:t>
+            </a:r>
+            <a:r>
+              <a:rPr lang="de-DE" dirty="0" err="1"/>
+              <a:t>the</a:t>
+            </a:r>
+            <a:r>
+              <a:rPr lang="de-DE" dirty="0"/>
+              <a:t> final </a:t>
+            </a:r>
+            <a:r>
+              <a:rPr lang="de-DE" dirty="0" err="1"/>
+              <a:t>feature</a:t>
+            </a:r>
+            <a:r>
+              <a:rPr lang="de-DE" dirty="0"/>
+              <a:t> </a:t>
+            </a:r>
+            <a:r>
+              <a:rPr lang="de-DE" dirty="0" err="1"/>
+              <a:t>maps</a:t>
+            </a:r>
+            <a:r>
+              <a:rPr lang="de-DE" dirty="0"/>
+              <a:t> </a:t>
+            </a:r>
+            <a:r>
+              <a:rPr lang="de-DE" dirty="0" err="1"/>
+              <a:t>to</a:t>
+            </a:r>
+            <a:r>
+              <a:rPr lang="de-DE" dirty="0"/>
+              <a:t> </a:t>
+            </a:r>
+            <a:r>
+              <a:rPr lang="de-DE" dirty="0" err="1"/>
+              <a:t>the</a:t>
+            </a:r>
+            <a:r>
+              <a:rPr lang="de-DE" dirty="0"/>
+              <a:t> (</a:t>
+            </a:r>
+            <a:r>
+              <a:rPr lang="de-DE" dirty="0" err="1"/>
+              <a:t>classification</a:t>
+            </a:r>
+            <a:r>
+              <a:rPr lang="de-DE" dirty="0"/>
+              <a:t>) </a:t>
+            </a:r>
+            <a:r>
+              <a:rPr lang="de-DE" dirty="0" err="1" smtClean="0"/>
+              <a:t>outputs</a:t>
+            </a:r>
+            <a:endParaRPr lang="de-DE" dirty="0"/>
+          </a:p>
+          <a:p>
+            <a:pPr marL="285750" indent="-285750">
+              <a:buFont typeface="Arial" panose="020B0604020202020204" pitchFamily="34" charset="0"/>
+              <a:buChar char="•"/>
+            </a:pPr>
+            <a:r>
+              <a:rPr lang="de-DE" dirty="0" smtClean="0"/>
+              <a:t>Advantages:</a:t>
+            </a:r>
+          </a:p>
+          <a:p>
+            <a:pPr marL="537750" lvl="2" indent="-285750">
+              <a:buFont typeface="Arial" panose="020B0604020202020204" pitchFamily="34" charset="0"/>
+              <a:buChar char="•"/>
+            </a:pPr>
+            <a:r>
+              <a:rPr lang="de-DE" dirty="0" smtClean="0"/>
+              <a:t>The </a:t>
+            </a:r>
+            <a:r>
+              <a:rPr lang="de-DE" dirty="0" err="1" smtClean="0"/>
+              <a:t>size</a:t>
+            </a:r>
+            <a:r>
+              <a:rPr lang="de-DE" dirty="0" smtClean="0"/>
+              <a:t> of </a:t>
+            </a:r>
+            <a:r>
+              <a:rPr lang="de-DE" dirty="0" err="1" smtClean="0"/>
+              <a:t>the</a:t>
+            </a:r>
+            <a:r>
+              <a:rPr lang="de-DE" dirty="0" smtClean="0"/>
+              <a:t> </a:t>
+            </a:r>
+            <a:r>
+              <a:rPr lang="de-DE" dirty="0" err="1" smtClean="0"/>
+              <a:t>kernels</a:t>
+            </a:r>
+            <a:r>
+              <a:rPr lang="de-DE" dirty="0" smtClean="0"/>
+              <a:t> </a:t>
+            </a:r>
+            <a:r>
+              <a:rPr lang="de-DE" dirty="0" err="1" smtClean="0"/>
+              <a:t>are</a:t>
+            </a:r>
+            <a:r>
+              <a:rPr lang="de-DE" dirty="0" smtClean="0"/>
+              <a:t> invariant </a:t>
+            </a:r>
+            <a:r>
+              <a:rPr lang="de-DE" dirty="0" err="1" smtClean="0"/>
+              <a:t>to</a:t>
+            </a:r>
+            <a:r>
+              <a:rPr lang="de-DE" dirty="0" smtClean="0"/>
+              <a:t> </a:t>
+            </a:r>
+            <a:r>
+              <a:rPr lang="de-DE" dirty="0" err="1" smtClean="0"/>
+              <a:t>the</a:t>
+            </a:r>
+            <a:r>
+              <a:rPr lang="de-DE" dirty="0" smtClean="0"/>
+              <a:t> </a:t>
+            </a:r>
+            <a:r>
+              <a:rPr lang="de-DE" dirty="0" err="1" smtClean="0"/>
+              <a:t>image</a:t>
+            </a:r>
+            <a:r>
+              <a:rPr lang="de-DE" dirty="0" smtClean="0"/>
+              <a:t> </a:t>
+            </a:r>
+            <a:r>
+              <a:rPr lang="de-DE" dirty="0" err="1" smtClean="0"/>
+              <a:t>size</a:t>
+            </a:r>
+            <a:r>
+              <a:rPr lang="de-DE" dirty="0" smtClean="0"/>
+              <a:t> </a:t>
+            </a:r>
+            <a:r>
+              <a:rPr lang="en-AE" dirty="0" smtClean="0"/>
+              <a:t>–</a:t>
+            </a:r>
+            <a:r>
+              <a:rPr lang="de-DE" dirty="0" smtClean="0"/>
+              <a:t> </a:t>
+            </a:r>
+            <a:r>
+              <a:rPr lang="de-DE" dirty="0" err="1" smtClean="0"/>
+              <a:t>allows</a:t>
+            </a:r>
+            <a:r>
+              <a:rPr lang="de-DE" dirty="0" smtClean="0"/>
+              <a:t> </a:t>
+            </a:r>
+            <a:r>
+              <a:rPr lang="de-DE" dirty="0" err="1" smtClean="0"/>
+              <a:t>for</a:t>
+            </a:r>
+            <a:r>
+              <a:rPr lang="de-DE" dirty="0" smtClean="0"/>
+              <a:t> </a:t>
+            </a:r>
+            <a:r>
+              <a:rPr lang="de-DE" dirty="0" err="1" smtClean="0"/>
+              <a:t>deeper</a:t>
+            </a:r>
+            <a:r>
+              <a:rPr lang="de-DE" dirty="0" smtClean="0"/>
+              <a:t> </a:t>
+            </a:r>
+            <a:r>
+              <a:rPr lang="de-DE" dirty="0" err="1" smtClean="0"/>
+              <a:t>architectures</a:t>
+            </a:r>
+            <a:endParaRPr lang="de-DE" dirty="0" smtClean="0"/>
+          </a:p>
+          <a:p>
+            <a:pPr marL="537750" lvl="2" indent="-285750">
+              <a:buFont typeface="Arial" panose="020B0604020202020204" pitchFamily="34" charset="0"/>
+              <a:buChar char="•"/>
+            </a:pPr>
+            <a:r>
+              <a:rPr lang="de-DE" dirty="0" smtClean="0"/>
+              <a:t>The </a:t>
+            </a:r>
+            <a:r>
+              <a:rPr lang="de-DE" dirty="0" err="1" smtClean="0"/>
+              <a:t>feature</a:t>
+            </a:r>
+            <a:r>
+              <a:rPr lang="de-DE" dirty="0" smtClean="0"/>
+              <a:t> </a:t>
+            </a:r>
+            <a:r>
+              <a:rPr lang="de-DE" dirty="0" err="1" smtClean="0"/>
+              <a:t>maps</a:t>
+            </a:r>
+            <a:r>
+              <a:rPr lang="de-DE" dirty="0" smtClean="0"/>
+              <a:t> </a:t>
+            </a:r>
+            <a:r>
+              <a:rPr lang="de-DE" dirty="0" err="1" smtClean="0"/>
+              <a:t>reduce</a:t>
+            </a:r>
+            <a:r>
+              <a:rPr lang="de-DE" dirty="0" smtClean="0"/>
+              <a:t> </a:t>
+            </a:r>
+            <a:r>
+              <a:rPr lang="de-DE" dirty="0" err="1" smtClean="0"/>
+              <a:t>the</a:t>
+            </a:r>
+            <a:r>
+              <a:rPr lang="de-DE" dirty="0" smtClean="0"/>
+              <a:t> </a:t>
+            </a:r>
+            <a:r>
+              <a:rPr lang="de-DE" dirty="0" err="1" smtClean="0"/>
+              <a:t>amount</a:t>
+            </a:r>
+            <a:r>
+              <a:rPr lang="de-DE" dirty="0" smtClean="0"/>
+              <a:t> of redundant </a:t>
+            </a:r>
+            <a:r>
+              <a:rPr lang="de-DE" dirty="0" err="1" smtClean="0"/>
+              <a:t>information</a:t>
+            </a:r>
+            <a:r>
+              <a:rPr lang="de-DE" dirty="0" smtClean="0"/>
+              <a:t> in </a:t>
+            </a:r>
+            <a:r>
+              <a:rPr lang="de-DE" dirty="0" err="1" smtClean="0"/>
+              <a:t>the</a:t>
+            </a:r>
+            <a:r>
+              <a:rPr lang="de-DE" dirty="0" smtClean="0"/>
+              <a:t> </a:t>
+            </a:r>
+            <a:r>
+              <a:rPr lang="de-DE" dirty="0" err="1" smtClean="0"/>
+              <a:t>image</a:t>
+            </a:r>
+            <a:endParaRPr lang="de-DE" dirty="0" smtClean="0"/>
+          </a:p>
+          <a:p>
+            <a:pPr marL="537750" lvl="2" indent="-285750">
+              <a:buFont typeface="Arial" panose="020B0604020202020204" pitchFamily="34" charset="0"/>
+              <a:buChar char="•"/>
+            </a:pPr>
+            <a:r>
+              <a:rPr lang="de-DE" dirty="0" err="1" smtClean="0"/>
+              <a:t>Less</a:t>
+            </a:r>
+            <a:r>
+              <a:rPr lang="de-DE" dirty="0" smtClean="0"/>
+              <a:t> </a:t>
+            </a:r>
+            <a:r>
+              <a:rPr lang="de-DE" dirty="0" err="1" smtClean="0"/>
+              <a:t>preprocessing</a:t>
+            </a:r>
+            <a:r>
+              <a:rPr lang="de-DE" dirty="0" smtClean="0"/>
+              <a:t> </a:t>
+            </a:r>
+            <a:r>
+              <a:rPr lang="de-DE" dirty="0" err="1" smtClean="0"/>
+              <a:t>required</a:t>
+            </a:r>
+            <a:r>
+              <a:rPr lang="de-DE" dirty="0" smtClean="0"/>
+              <a:t> </a:t>
+            </a:r>
+            <a:r>
+              <a:rPr lang="en-AE" dirty="0" smtClean="0"/>
+              <a:t>–</a:t>
+            </a:r>
+            <a:r>
+              <a:rPr lang="de-DE" dirty="0" smtClean="0"/>
+              <a:t> </a:t>
+            </a:r>
+            <a:r>
+              <a:rPr lang="de-DE" dirty="0" err="1" smtClean="0"/>
+              <a:t>image</a:t>
+            </a:r>
+            <a:r>
+              <a:rPr lang="de-DE" dirty="0" smtClean="0"/>
+              <a:t> </a:t>
+            </a:r>
+            <a:r>
+              <a:rPr lang="de-DE" dirty="0" err="1" smtClean="0"/>
+              <a:t>does</a:t>
+            </a:r>
+            <a:r>
+              <a:rPr lang="de-DE" dirty="0" smtClean="0"/>
+              <a:t> not </a:t>
+            </a:r>
+            <a:r>
+              <a:rPr lang="de-DE" dirty="0" err="1" smtClean="0"/>
+              <a:t>need</a:t>
+            </a:r>
+            <a:r>
+              <a:rPr lang="de-DE" dirty="0" smtClean="0"/>
+              <a:t> </a:t>
+            </a:r>
+            <a:r>
+              <a:rPr lang="de-DE" dirty="0" err="1" smtClean="0"/>
+              <a:t>to</a:t>
+            </a:r>
+            <a:r>
+              <a:rPr lang="de-DE" dirty="0" smtClean="0"/>
+              <a:t> </a:t>
+            </a:r>
+            <a:r>
+              <a:rPr lang="de-DE" dirty="0" err="1" smtClean="0"/>
+              <a:t>be</a:t>
+            </a:r>
+            <a:r>
+              <a:rPr lang="de-DE" dirty="0" smtClean="0"/>
+              <a:t> </a:t>
+            </a:r>
+            <a:r>
+              <a:rPr lang="de-DE" dirty="0" err="1" smtClean="0"/>
+              <a:t>flattened</a:t>
+            </a:r>
+            <a:r>
+              <a:rPr lang="de-DE" dirty="0" smtClean="0"/>
+              <a:t> </a:t>
+            </a:r>
+            <a:r>
+              <a:rPr lang="de-DE" dirty="0" err="1" smtClean="0"/>
+              <a:t>anymore</a:t>
+            </a:r>
+            <a:endParaRPr lang="de-DE" dirty="0"/>
+          </a:p>
+          <a:p>
+            <a:pPr marL="285750" indent="-285750">
+              <a:buFont typeface="Arial" panose="020B0604020202020204" pitchFamily="34" charset="0"/>
+              <a:buChar char="•"/>
+            </a:pPr>
+            <a:r>
+              <a:rPr lang="de-DE" dirty="0" smtClean="0"/>
+              <a:t>Demonstration in </a:t>
+            </a:r>
+            <a:r>
+              <a:rPr lang="de-DE" dirty="0" err="1" smtClean="0"/>
+              <a:t>the</a:t>
+            </a:r>
+            <a:r>
+              <a:rPr lang="de-DE" dirty="0" smtClean="0"/>
+              <a:t> </a:t>
+            </a:r>
+            <a:r>
+              <a:rPr lang="de-DE" dirty="0" err="1" smtClean="0"/>
+              <a:t>Jupyter</a:t>
+            </a:r>
+            <a:r>
+              <a:rPr lang="de-DE" dirty="0" smtClean="0"/>
+              <a:t> Notebook:</a:t>
+            </a:r>
+          </a:p>
+          <a:p>
+            <a:pPr marL="537750" lvl="2" indent="-285750">
+              <a:buFont typeface="Arial" panose="020B0604020202020204" pitchFamily="34" charset="0"/>
+              <a:buChar char="•"/>
+            </a:pPr>
+            <a:r>
+              <a:rPr lang="de-DE" dirty="0" err="1"/>
+              <a:t>Accuracy</a:t>
+            </a:r>
+            <a:r>
+              <a:rPr lang="de-DE" dirty="0"/>
+              <a:t> </a:t>
+            </a:r>
+            <a:r>
+              <a:rPr lang="de-DE" dirty="0" smtClean="0"/>
+              <a:t>76.9% </a:t>
+            </a:r>
+            <a:r>
+              <a:rPr lang="de-DE" dirty="0"/>
+              <a:t>(</a:t>
+            </a:r>
+            <a:r>
+              <a:rPr lang="de-DE" dirty="0" smtClean="0"/>
+              <a:t>vs. </a:t>
+            </a:r>
+            <a:r>
+              <a:rPr lang="de-DE" dirty="0" smtClean="0"/>
+              <a:t>52.1% </a:t>
+            </a:r>
+            <a:r>
+              <a:rPr lang="de-DE" dirty="0"/>
+              <a:t>of </a:t>
+            </a:r>
+            <a:r>
+              <a:rPr lang="de-DE" dirty="0" err="1"/>
+              <a:t>the</a:t>
+            </a:r>
+            <a:r>
+              <a:rPr lang="de-DE" dirty="0"/>
+              <a:t> </a:t>
+            </a:r>
+            <a:r>
+              <a:rPr lang="de-DE" dirty="0" smtClean="0"/>
+              <a:t>MLP </a:t>
+            </a:r>
+            <a:r>
+              <a:rPr lang="de-DE" dirty="0" err="1"/>
+              <a:t>model</a:t>
+            </a:r>
+            <a:r>
+              <a:rPr lang="de-DE" dirty="0" smtClean="0"/>
+              <a:t>)</a:t>
+            </a:r>
+            <a:endParaRPr lang="de-DE" dirty="0"/>
+          </a:p>
+        </p:txBody>
+      </p:sp>
+      <p:pic>
+        <p:nvPicPr>
+          <p:cNvPr id="13" name="Bildplatzhalter 84"/>
+          <p:cNvPicPr>
+            <a:picLocks noChangeAspect="1"/>
+          </p:cNvPicPr>
+          <p:nvPr/>
+        </p:nvPicPr>
+        <p:blipFill>
+          <a:blip r:embed="rId2">
+            <a:extLst>
+              <a:ext uri="{28A0092B-C50C-407E-A947-70E740481C1C}">
+                <a14:useLocalDpi xmlns:a14="http://schemas.microsoft.com/office/drawing/2010/main" val="0"/>
+              </a:ext>
+            </a:extLst>
+          </a:blip>
+          <a:stretch>
+            <a:fillRect/>
+          </a:stretch>
+        </p:blipFill>
+        <p:spPr>
+          <a:xfrm>
+            <a:off x="5932263" y="1484314"/>
+            <a:ext cx="5528849" cy="4069087"/>
+          </a:xfrm>
+          <a:prstGeom prst="rect">
+            <a:avLst/>
+          </a:prstGeom>
+        </p:spPr>
+      </p:pic>
+    </p:spTree>
+    <p:extLst>
+      <p:ext uri="{BB962C8B-B14F-4D97-AF65-F5344CB8AC3E}">
+        <p14:creationId xmlns:p14="http://schemas.microsoft.com/office/powerpoint/2010/main" val="2400898207"/>
+      </p:ext>
+    </p:extLst>
+  </p:cSld>
+  <p:clrMapOvr>
+    <a:masterClrMapping/>
+  </p:clrMapOvr>
+</p:sld>
+</file>
+
+<file path=ppt/slides/slide31.xml><?xml version="1.0" encoding="utf-8"?>
+<p:sld xmlns:a="http://schemas.openxmlformats.org/drawingml/2006/main" xmlns:r="http://schemas.openxmlformats.org/officeDocument/2006/relationships" xmlns:p="http://schemas.openxmlformats.org/presentationml/2006/main">
+  <p:cSld>
+    <p:spTree>
+      <p:nvGrpSpPr>
+        <p:cNvPr id="1" name=""/>
+        <p:cNvGrpSpPr/>
+        <p:nvPr/>
+      </p:nvGrpSpPr>
+      <p:grpSpPr>
+        <a:xfrm>
+          <a:off x="0" y="0"/>
+          <a:ext cx="0" cy="0"/>
+          <a:chOff x="0" y="0"/>
+          <a:chExt cx="0" cy="0"/>
+        </a:xfrm>
+      </p:grpSpPr>
+      <p:sp>
+        <p:nvSpPr>
+          <p:cNvPr id="4" name="Titel 3"/>
+          <p:cNvSpPr>
+            <a:spLocks noGrp="1"/>
+          </p:cNvSpPr>
+          <p:nvPr>
+            <p:ph type="title"/>
+          </p:nvPr>
+        </p:nvSpPr>
+        <p:spPr/>
+        <p:txBody>
+          <a:bodyPr/>
+          <a:lstStyle/>
+          <a:p>
+            <a:r>
+              <a:rPr lang="de-DE" dirty="0"/>
+              <a:t>Image </a:t>
+            </a:r>
+            <a:r>
+              <a:rPr lang="de-DE" dirty="0" err="1"/>
+              <a:t>classification</a:t>
+            </a:r>
+            <a:r>
+              <a:rPr lang="de-DE" dirty="0"/>
+              <a:t/>
+            </a:r>
+            <a:br>
+              <a:rPr lang="de-DE" dirty="0"/>
+            </a:br>
+            <a:r>
+              <a:rPr lang="de-DE" b="0" dirty="0"/>
+              <a:t>Neural Network </a:t>
+            </a:r>
+            <a:r>
+              <a:rPr lang="de-DE" b="0" dirty="0" err="1"/>
+              <a:t>with</a:t>
+            </a:r>
+            <a:r>
+              <a:rPr lang="de-DE" b="0" dirty="0"/>
+              <a:t> Long Short-term Memory (LSTM)</a:t>
+            </a:r>
+            <a:endParaRPr lang="de-DE" dirty="0"/>
+          </a:p>
+        </p:txBody>
+      </p:sp>
+      <p:pic>
+        <p:nvPicPr>
+          <p:cNvPr id="7" name="Bildplatzhalter 6"/>
+          <p:cNvPicPr>
+            <a:picLocks noGrp="1" noChangeAspect="1"/>
+          </p:cNvPicPr>
+          <p:nvPr>
+            <p:ph type="pic" sz="quarter" idx="13"/>
+          </p:nvPr>
+        </p:nvPicPr>
+        <p:blipFill>
+          <a:blip r:embed="rId2">
+            <a:extLst>
+              <a:ext uri="{28A0092B-C50C-407E-A947-70E740481C1C}">
+                <a14:useLocalDpi xmlns:a14="http://schemas.microsoft.com/office/drawing/2010/main" val="0"/>
+              </a:ext>
+            </a:extLst>
+          </a:blip>
+          <a:stretch>
+            <a:fillRect/>
+          </a:stretch>
+        </p:blipFill>
+        <p:spPr>
+          <a:xfrm>
+            <a:off x="6296325" y="1899156"/>
+            <a:ext cx="5146257" cy="3528000"/>
+          </a:xfrm>
+        </p:spPr>
+      </p:pic>
+      <p:sp>
+        <p:nvSpPr>
+          <p:cNvPr id="6" name="Inhaltsplatzhalter 5"/>
+          <p:cNvSpPr>
+            <a:spLocks noGrp="1"/>
+          </p:cNvSpPr>
+          <p:nvPr>
+            <p:ph sz="quarter" idx="14"/>
+          </p:nvPr>
+        </p:nvSpPr>
+        <p:spPr/>
+        <p:txBody>
+          <a:bodyPr/>
+          <a:lstStyle/>
+          <a:p>
+            <a:pPr marL="285750" indent="-285750">
+              <a:buFont typeface="Arial" panose="020B0604020202020204" pitchFamily="34" charset="0"/>
+              <a:buChar char="•"/>
+            </a:pPr>
+            <a:r>
+              <a:rPr lang="de-DE" dirty="0" smtClean="0"/>
+              <a:t>The Long Short-Term Memory (LSTM) </a:t>
+            </a:r>
+            <a:r>
+              <a:rPr lang="de-DE" dirty="0" err="1" smtClean="0"/>
+              <a:t>network</a:t>
+            </a:r>
+            <a:r>
+              <a:rPr lang="de-DE" dirty="0" smtClean="0"/>
+              <a:t> </a:t>
+            </a:r>
+            <a:r>
+              <a:rPr lang="de-DE" dirty="0" err="1" smtClean="0"/>
+              <a:t>is</a:t>
+            </a:r>
+            <a:r>
+              <a:rPr lang="de-DE" dirty="0" smtClean="0"/>
+              <a:t> a </a:t>
+            </a:r>
+            <a:r>
+              <a:rPr lang="de-DE" dirty="0" err="1" smtClean="0"/>
+              <a:t>complex</a:t>
+            </a:r>
+            <a:r>
+              <a:rPr lang="de-DE" dirty="0" smtClean="0"/>
+              <a:t> </a:t>
+            </a:r>
+            <a:r>
+              <a:rPr lang="de-DE" dirty="0" err="1" smtClean="0"/>
+              <a:t>Recurrent</a:t>
+            </a:r>
+            <a:r>
+              <a:rPr lang="de-DE" dirty="0" smtClean="0"/>
+              <a:t> Neural Network (RNN)</a:t>
+            </a:r>
+          </a:p>
+          <a:p>
+            <a:pPr marL="285750" indent="-285750">
+              <a:buFont typeface="Arial" panose="020B0604020202020204" pitchFamily="34" charset="0"/>
+              <a:buChar char="•"/>
+            </a:pPr>
+            <a:endParaRPr lang="de-DE" dirty="0" smtClean="0"/>
+          </a:p>
+          <a:p>
+            <a:pPr marL="285750" indent="-285750">
+              <a:buFont typeface="Arial" panose="020B0604020202020204" pitchFamily="34" charset="0"/>
+              <a:buChar char="•"/>
+            </a:pPr>
+            <a:r>
+              <a:rPr lang="de-DE" dirty="0" smtClean="0"/>
+              <a:t>Building </a:t>
+            </a:r>
+            <a:r>
+              <a:rPr lang="de-DE" dirty="0" err="1" smtClean="0"/>
+              <a:t>blocks</a:t>
+            </a:r>
+            <a:r>
+              <a:rPr lang="de-DE" dirty="0" smtClean="0"/>
+              <a:t>:</a:t>
+            </a:r>
+          </a:p>
+          <a:p>
+            <a:pPr marL="537750" lvl="2" indent="-285750">
+              <a:buFont typeface="Arial" panose="020B0604020202020204" pitchFamily="34" charset="0"/>
+              <a:buChar char="•"/>
+            </a:pPr>
+            <a:r>
+              <a:rPr lang="de-DE" dirty="0" err="1" smtClean="0"/>
+              <a:t>Cell</a:t>
+            </a:r>
+            <a:r>
+              <a:rPr lang="de-DE" dirty="0" smtClean="0"/>
+              <a:t>: </a:t>
+            </a:r>
+            <a:r>
+              <a:rPr lang="de-DE" dirty="0" err="1" smtClean="0"/>
+              <a:t>Remembers</a:t>
+            </a:r>
+            <a:r>
+              <a:rPr lang="de-DE" dirty="0" smtClean="0"/>
+              <a:t> </a:t>
+            </a:r>
+            <a:r>
+              <a:rPr lang="de-DE" dirty="0" err="1" smtClean="0"/>
+              <a:t>values</a:t>
+            </a:r>
+            <a:r>
+              <a:rPr lang="de-DE" dirty="0" smtClean="0"/>
+              <a:t> </a:t>
+            </a:r>
+            <a:r>
+              <a:rPr lang="de-DE" dirty="0" err="1" smtClean="0"/>
+              <a:t>over</a:t>
+            </a:r>
+            <a:r>
+              <a:rPr lang="de-DE" dirty="0" smtClean="0"/>
+              <a:t> a time</a:t>
+            </a:r>
+          </a:p>
+          <a:p>
+            <a:pPr marL="537750" lvl="2" indent="-285750">
+              <a:buFont typeface="Arial" panose="020B0604020202020204" pitchFamily="34" charset="0"/>
+              <a:buChar char="•"/>
+            </a:pPr>
+            <a:r>
+              <a:rPr lang="de-DE" dirty="0" smtClean="0"/>
+              <a:t>Input </a:t>
+            </a:r>
+            <a:r>
+              <a:rPr lang="de-DE" dirty="0" err="1" smtClean="0"/>
+              <a:t>gate</a:t>
+            </a:r>
+            <a:r>
+              <a:rPr lang="de-DE" dirty="0" smtClean="0"/>
+              <a:t>: </a:t>
+            </a:r>
+            <a:r>
+              <a:rPr lang="de-DE" dirty="0" err="1"/>
+              <a:t>d</a:t>
+            </a:r>
+            <a:r>
+              <a:rPr lang="de-DE" dirty="0" err="1" smtClean="0"/>
+              <a:t>ecides</a:t>
+            </a:r>
+            <a:r>
+              <a:rPr lang="de-DE" dirty="0" smtClean="0"/>
+              <a:t> </a:t>
+            </a:r>
+            <a:r>
+              <a:rPr lang="de-DE" dirty="0" err="1" smtClean="0"/>
+              <a:t>which</a:t>
+            </a:r>
+            <a:r>
+              <a:rPr lang="de-DE" dirty="0" smtClean="0"/>
+              <a:t> </a:t>
+            </a:r>
+            <a:r>
+              <a:rPr lang="de-DE" dirty="0" err="1" smtClean="0"/>
+              <a:t>new</a:t>
+            </a:r>
+            <a:r>
+              <a:rPr lang="de-DE" dirty="0" smtClean="0"/>
+              <a:t> </a:t>
+            </a:r>
+            <a:r>
+              <a:rPr lang="de-DE" dirty="0" err="1" smtClean="0"/>
+              <a:t>information</a:t>
+            </a:r>
+            <a:r>
+              <a:rPr lang="de-DE" dirty="0" smtClean="0"/>
+              <a:t> </a:t>
+            </a:r>
+            <a:r>
+              <a:rPr lang="de-DE" dirty="0" err="1" smtClean="0"/>
+              <a:t>is</a:t>
+            </a:r>
+            <a:r>
+              <a:rPr lang="de-DE" dirty="0" smtClean="0"/>
+              <a:t> </a:t>
+            </a:r>
+            <a:r>
+              <a:rPr lang="de-DE" dirty="0" err="1" smtClean="0"/>
+              <a:t>stored</a:t>
+            </a:r>
+            <a:r>
+              <a:rPr lang="de-DE" dirty="0" smtClean="0"/>
+              <a:t> in </a:t>
+            </a:r>
+            <a:r>
+              <a:rPr lang="de-DE" dirty="0" err="1" smtClean="0"/>
+              <a:t>the</a:t>
+            </a:r>
+            <a:r>
+              <a:rPr lang="de-DE" dirty="0" smtClean="0"/>
+              <a:t> </a:t>
+            </a:r>
+            <a:r>
+              <a:rPr lang="de-DE" dirty="0" err="1" smtClean="0"/>
+              <a:t>current</a:t>
+            </a:r>
+            <a:r>
+              <a:rPr lang="de-DE" dirty="0" smtClean="0"/>
+              <a:t> </a:t>
+            </a:r>
+            <a:r>
+              <a:rPr lang="de-DE" dirty="0" err="1" smtClean="0"/>
+              <a:t>state</a:t>
+            </a:r>
+            <a:endParaRPr lang="de-DE" dirty="0" smtClean="0"/>
+          </a:p>
+          <a:p>
+            <a:pPr marL="537750" lvl="2" indent="-285750">
+              <a:buFont typeface="Arial" panose="020B0604020202020204" pitchFamily="34" charset="0"/>
+              <a:buChar char="•"/>
+            </a:pPr>
+            <a:r>
+              <a:rPr lang="de-DE" dirty="0" smtClean="0"/>
+              <a:t>Output </a:t>
+            </a:r>
+            <a:r>
+              <a:rPr lang="de-DE" dirty="0" err="1" smtClean="0"/>
+              <a:t>gate</a:t>
+            </a:r>
+            <a:r>
+              <a:rPr lang="de-DE" dirty="0" smtClean="0"/>
+              <a:t>: </a:t>
+            </a:r>
+            <a:r>
+              <a:rPr lang="de-DE" dirty="0" err="1" smtClean="0"/>
+              <a:t>controls</a:t>
+            </a:r>
+            <a:r>
+              <a:rPr lang="de-DE" dirty="0" smtClean="0"/>
+              <a:t> </a:t>
+            </a:r>
+            <a:r>
+              <a:rPr lang="de-DE" dirty="0" err="1" smtClean="0"/>
+              <a:t>which</a:t>
+            </a:r>
+            <a:r>
+              <a:rPr lang="de-DE" dirty="0" smtClean="0"/>
+              <a:t> </a:t>
+            </a:r>
+            <a:r>
+              <a:rPr lang="de-DE" dirty="0" err="1" smtClean="0"/>
+              <a:t>part</a:t>
+            </a:r>
+            <a:r>
+              <a:rPr lang="de-DE" dirty="0" smtClean="0"/>
+              <a:t> of </a:t>
+            </a:r>
+            <a:r>
+              <a:rPr lang="de-DE" dirty="0" err="1" smtClean="0"/>
+              <a:t>the</a:t>
+            </a:r>
+            <a:r>
+              <a:rPr lang="de-DE" dirty="0" smtClean="0"/>
+              <a:t> </a:t>
+            </a:r>
+            <a:r>
+              <a:rPr lang="de-DE" dirty="0" err="1" smtClean="0"/>
+              <a:t>current</a:t>
+            </a:r>
+            <a:r>
+              <a:rPr lang="de-DE" dirty="0" smtClean="0"/>
+              <a:t> </a:t>
+            </a:r>
+            <a:r>
+              <a:rPr lang="de-DE" dirty="0" err="1" smtClean="0"/>
+              <a:t>state</a:t>
+            </a:r>
+            <a:r>
+              <a:rPr lang="de-DE" dirty="0" smtClean="0"/>
+              <a:t> </a:t>
+            </a:r>
+            <a:r>
+              <a:rPr lang="de-DE" dirty="0" err="1" smtClean="0"/>
+              <a:t>is</a:t>
+            </a:r>
+            <a:r>
+              <a:rPr lang="de-DE" dirty="0" smtClean="0"/>
+              <a:t> </a:t>
+            </a:r>
+            <a:r>
+              <a:rPr lang="de-DE" dirty="0" err="1" smtClean="0"/>
+              <a:t>output</a:t>
+            </a:r>
+            <a:endParaRPr lang="de-DE" dirty="0" smtClean="0"/>
+          </a:p>
+          <a:p>
+            <a:pPr marL="537750" lvl="2" indent="-285750">
+              <a:buFont typeface="Arial" panose="020B0604020202020204" pitchFamily="34" charset="0"/>
+              <a:buChar char="•"/>
+            </a:pPr>
+            <a:r>
+              <a:rPr lang="de-DE" dirty="0" smtClean="0"/>
+              <a:t>Forget </a:t>
+            </a:r>
+            <a:r>
+              <a:rPr lang="de-DE" dirty="0" err="1" smtClean="0"/>
+              <a:t>gate</a:t>
+            </a:r>
+            <a:r>
+              <a:rPr lang="de-DE" dirty="0" smtClean="0"/>
+              <a:t>: </a:t>
+            </a:r>
+            <a:r>
+              <a:rPr lang="de-DE" dirty="0" err="1" smtClean="0"/>
+              <a:t>decides</a:t>
+            </a:r>
+            <a:r>
+              <a:rPr lang="de-DE" dirty="0" smtClean="0"/>
+              <a:t> </a:t>
+            </a:r>
+            <a:r>
+              <a:rPr lang="de-DE" dirty="0" err="1" smtClean="0"/>
+              <a:t>what</a:t>
+            </a:r>
+            <a:r>
+              <a:rPr lang="de-DE" dirty="0" smtClean="0"/>
+              <a:t> </a:t>
+            </a:r>
+            <a:r>
+              <a:rPr lang="de-DE" dirty="0" err="1" smtClean="0"/>
+              <a:t>information</a:t>
+            </a:r>
+            <a:r>
+              <a:rPr lang="de-DE" dirty="0" smtClean="0"/>
+              <a:t> </a:t>
+            </a:r>
+            <a:r>
+              <a:rPr lang="de-DE" dirty="0" err="1" smtClean="0"/>
+              <a:t>to</a:t>
+            </a:r>
+            <a:r>
+              <a:rPr lang="de-DE" dirty="0" smtClean="0"/>
+              <a:t> </a:t>
+            </a:r>
+            <a:r>
+              <a:rPr lang="de-DE" dirty="0" err="1" smtClean="0"/>
+              <a:t>discard</a:t>
+            </a:r>
+            <a:r>
+              <a:rPr lang="de-DE" dirty="0" smtClean="0"/>
+              <a:t> </a:t>
+            </a:r>
+            <a:r>
+              <a:rPr lang="de-DE" dirty="0" err="1" smtClean="0"/>
+              <a:t>from</a:t>
+            </a:r>
+            <a:r>
+              <a:rPr lang="de-DE" dirty="0" smtClean="0"/>
+              <a:t> a </a:t>
+            </a:r>
+            <a:r>
+              <a:rPr lang="de-DE" dirty="0" err="1" smtClean="0"/>
+              <a:t>previous</a:t>
+            </a:r>
+            <a:r>
+              <a:rPr lang="de-DE" dirty="0" smtClean="0"/>
+              <a:t> </a:t>
+            </a:r>
+            <a:r>
+              <a:rPr lang="de-DE" dirty="0" err="1" smtClean="0"/>
+              <a:t>state</a:t>
+            </a:r>
+            <a:endParaRPr lang="de-DE" dirty="0"/>
+          </a:p>
+          <a:p>
+            <a:pPr marL="285750" indent="-285750">
+              <a:buFont typeface="Arial" panose="020B0604020202020204" pitchFamily="34" charset="0"/>
+              <a:buChar char="•"/>
+            </a:pPr>
+            <a:r>
+              <a:rPr lang="de-DE" dirty="0" smtClean="0"/>
+              <a:t>Advantages:</a:t>
+            </a:r>
+          </a:p>
+          <a:p>
+            <a:pPr marL="537750" lvl="2" indent="-285750">
+              <a:buFont typeface="Arial" panose="020B0604020202020204" pitchFamily="34" charset="0"/>
+              <a:buChar char="•"/>
+            </a:pPr>
+            <a:r>
+              <a:rPr lang="de-DE" dirty="0" smtClean="0"/>
+              <a:t>Can deal </a:t>
+            </a:r>
+            <a:r>
+              <a:rPr lang="de-DE" dirty="0" err="1" smtClean="0"/>
+              <a:t>with</a:t>
+            </a:r>
+            <a:r>
+              <a:rPr lang="de-DE" dirty="0" smtClean="0"/>
+              <a:t> </a:t>
+            </a:r>
+            <a:r>
+              <a:rPr lang="de-DE" dirty="0" err="1" smtClean="0"/>
+              <a:t>sequential</a:t>
+            </a:r>
+            <a:r>
+              <a:rPr lang="de-DE" dirty="0" smtClean="0"/>
+              <a:t> </a:t>
+            </a:r>
+            <a:r>
+              <a:rPr lang="de-DE" dirty="0" err="1" smtClean="0"/>
+              <a:t>data</a:t>
+            </a:r>
+            <a:r>
+              <a:rPr lang="de-DE" dirty="0" smtClean="0"/>
+              <a:t> </a:t>
+            </a:r>
+          </a:p>
+          <a:p>
+            <a:pPr marL="537750" lvl="2" indent="-285750">
+              <a:buFont typeface="Arial" panose="020B0604020202020204" pitchFamily="34" charset="0"/>
+              <a:buChar char="•"/>
+            </a:pPr>
+            <a:r>
+              <a:rPr lang="de-DE" dirty="0" smtClean="0"/>
+              <a:t>Can </a:t>
+            </a:r>
+            <a:r>
+              <a:rPr lang="de-DE" dirty="0" err="1" smtClean="0"/>
+              <a:t>store</a:t>
+            </a:r>
+            <a:r>
+              <a:rPr lang="de-DE" dirty="0" smtClean="0"/>
+              <a:t> </a:t>
+            </a:r>
+            <a:r>
+              <a:rPr lang="de-DE" dirty="0" err="1" smtClean="0"/>
+              <a:t>data</a:t>
+            </a:r>
+            <a:r>
+              <a:rPr lang="de-DE" dirty="0" smtClean="0"/>
+              <a:t> </a:t>
+            </a:r>
+            <a:r>
+              <a:rPr lang="de-DE" dirty="0" err="1" smtClean="0"/>
+              <a:t>for</a:t>
+            </a:r>
+            <a:r>
+              <a:rPr lang="de-DE" dirty="0" smtClean="0"/>
+              <a:t> a </a:t>
+            </a:r>
+            <a:r>
+              <a:rPr lang="de-DE" dirty="0" err="1" smtClean="0"/>
+              <a:t>long</a:t>
+            </a:r>
+            <a:r>
+              <a:rPr lang="de-DE" dirty="0" smtClean="0"/>
+              <a:t> time</a:t>
+            </a:r>
+          </a:p>
+          <a:p>
+            <a:pPr marL="285750" indent="-285750">
+              <a:buFont typeface="Arial" panose="020B0604020202020204" pitchFamily="34" charset="0"/>
+              <a:buChar char="•"/>
+            </a:pPr>
+            <a:r>
+              <a:rPr lang="de-DE" dirty="0"/>
+              <a:t>Demonstration in </a:t>
+            </a:r>
+            <a:r>
+              <a:rPr lang="de-DE" dirty="0" err="1"/>
+              <a:t>the</a:t>
+            </a:r>
+            <a:r>
+              <a:rPr lang="de-DE" dirty="0"/>
+              <a:t> </a:t>
+            </a:r>
+            <a:r>
+              <a:rPr lang="de-DE" dirty="0" err="1"/>
+              <a:t>Jupyter</a:t>
+            </a:r>
+            <a:r>
+              <a:rPr lang="de-DE" dirty="0"/>
+              <a:t> Notebook</a:t>
+            </a:r>
+            <a:r>
+              <a:rPr lang="de-DE" dirty="0" smtClean="0"/>
+              <a:t>:</a:t>
+            </a:r>
+            <a:endParaRPr lang="de-DE" dirty="0"/>
+          </a:p>
+        </p:txBody>
+      </p:sp>
+      <p:sp>
+        <p:nvSpPr>
+          <p:cNvPr id="8" name="Textfeld 7"/>
+          <p:cNvSpPr txBox="1"/>
+          <p:nvPr/>
+        </p:nvSpPr>
+        <p:spPr>
+          <a:xfrm>
+            <a:off x="7012800" y="5922000"/>
+            <a:ext cx="4442400" cy="246221"/>
+          </a:xfrm>
+          <a:prstGeom prst="rect">
+            <a:avLst/>
+          </a:prstGeom>
+          <a:noFill/>
+        </p:spPr>
+        <p:txBody>
+          <a:bodyPr wrap="square" rtlCol="0">
+            <a:spAutoFit/>
+          </a:bodyPr>
+          <a:lstStyle/>
+          <a:p>
+            <a:r>
+              <a:rPr lang="de-DE" sz="1000" dirty="0">
+                <a:hlinkClick r:id="rId3"/>
+              </a:rPr>
+              <a:t>https://</a:t>
+            </a:r>
+            <a:r>
+              <a:rPr lang="de-DE" sz="1000" dirty="0" smtClean="0">
+                <a:hlinkClick r:id="rId3"/>
+              </a:rPr>
+              <a:t>upload.wikimedia.org/wikipedia/commons/9/93/LSTM_Cell.svg</a:t>
+            </a:r>
+            <a:r>
+              <a:rPr lang="de-DE" sz="1000" dirty="0" smtClean="0"/>
+              <a:t> </a:t>
+            </a:r>
+            <a:endParaRPr lang="de-DE" sz="1000" dirty="0"/>
+          </a:p>
+        </p:txBody>
+      </p:sp>
+      <p:sp>
+        <p:nvSpPr>
+          <p:cNvPr id="9" name="Textfeld 8"/>
+          <p:cNvSpPr txBox="1"/>
+          <p:nvPr/>
+        </p:nvSpPr>
+        <p:spPr>
+          <a:xfrm>
+            <a:off x="874713" y="5641945"/>
+            <a:ext cx="10580686" cy="246221"/>
+          </a:xfrm>
+          <a:prstGeom prst="rect">
+            <a:avLst/>
+          </a:prstGeom>
+          <a:noFill/>
+        </p:spPr>
+        <p:txBody>
+          <a:bodyPr wrap="square" rtlCol="0">
+            <a:spAutoFit/>
+          </a:bodyPr>
+          <a:lstStyle/>
+          <a:p>
+            <a:r>
+              <a:rPr lang="en-US" sz="1000" dirty="0" err="1"/>
+              <a:t>Hochreiter</a:t>
+            </a:r>
+            <a:r>
+              <a:rPr lang="en-US" sz="1000" dirty="0"/>
+              <a:t>, Sepp, and Jürgen </a:t>
+            </a:r>
+            <a:r>
+              <a:rPr lang="en-US" sz="1000" dirty="0" err="1"/>
+              <a:t>Schmidhuber</a:t>
+            </a:r>
+            <a:r>
+              <a:rPr lang="en-US" sz="1000" dirty="0"/>
+              <a:t>. "Long short-term memory." </a:t>
+            </a:r>
+            <a:r>
+              <a:rPr lang="en-US" sz="1000" i="1" dirty="0"/>
+              <a:t>Neural computation</a:t>
+            </a:r>
+            <a:r>
+              <a:rPr lang="en-US" sz="1000" dirty="0"/>
+              <a:t> 9.8 (1997): 1735-1780.</a:t>
+            </a:r>
+          </a:p>
+        </p:txBody>
+      </p:sp>
+    </p:spTree>
+    <p:extLst>
+      <p:ext uri="{BB962C8B-B14F-4D97-AF65-F5344CB8AC3E}">
+        <p14:creationId xmlns:p14="http://schemas.microsoft.com/office/powerpoint/2010/main" val="928132776"/>
+      </p:ext>
+    </p:extLst>
+  </p:cSld>
+  <p:clrMapOvr>
+    <a:masterClrMapping/>
+  </p:clrMapOvr>
+</p:sld>
+</file>
+
+<file path=ppt/slides/slide32.xml><?xml version="1.0" encoding="utf-8"?>
+<p:sld xmlns:a="http://schemas.openxmlformats.org/drawingml/2006/main" xmlns:r="http://schemas.openxmlformats.org/officeDocument/2006/relationships" xmlns:p="http://schemas.openxmlformats.org/presentationml/2006/main">
+  <p:cSld>
+    <p:spTree>
+      <p:nvGrpSpPr>
+        <p:cNvPr id="1" name=""/>
+        <p:cNvGrpSpPr/>
+        <p:nvPr/>
+      </p:nvGrpSpPr>
+      <p:grpSpPr>
+        <a:xfrm>
+          <a:off x="0" y="0"/>
+          <a:ext cx="0" cy="0"/>
+          <a:chOff x="0" y="0"/>
+          <a:chExt cx="0" cy="0"/>
+        </a:xfrm>
+      </p:grpSpPr>
+      <p:sp>
+        <p:nvSpPr>
+          <p:cNvPr id="4" name="Titel 3"/>
+          <p:cNvSpPr>
+            <a:spLocks noGrp="1"/>
+          </p:cNvSpPr>
+          <p:nvPr>
+            <p:ph type="title"/>
+          </p:nvPr>
+        </p:nvSpPr>
+        <p:spPr/>
+        <p:txBody>
+          <a:bodyPr/>
+          <a:lstStyle/>
+          <a:p>
+            <a:r>
+              <a:rPr lang="de-DE" dirty="0"/>
+              <a:t>Image </a:t>
+            </a:r>
+            <a:r>
+              <a:rPr lang="de-DE" dirty="0" err="1"/>
+              <a:t>classification</a:t>
+            </a:r>
+            <a:r>
+              <a:rPr lang="de-DE" dirty="0"/>
+              <a:t/>
+            </a:r>
+            <a:br>
+              <a:rPr lang="de-DE" dirty="0"/>
+            </a:br>
+            <a:r>
+              <a:rPr lang="de-DE" b="0" dirty="0"/>
+              <a:t>Neural Network </a:t>
+            </a:r>
+            <a:r>
+              <a:rPr lang="de-DE" b="0" dirty="0" err="1"/>
+              <a:t>with</a:t>
+            </a:r>
+            <a:r>
+              <a:rPr lang="de-DE" b="0" dirty="0"/>
+              <a:t> Long Short-term Memory (LSTM)</a:t>
+            </a:r>
+            <a:endParaRPr lang="de-DE" dirty="0"/>
+          </a:p>
+        </p:txBody>
+      </p:sp>
+      <p:sp>
+        <p:nvSpPr>
+          <p:cNvPr id="6" name="Inhaltsplatzhalter 5"/>
+          <p:cNvSpPr>
+            <a:spLocks noGrp="1"/>
+          </p:cNvSpPr>
+          <p:nvPr>
+            <p:ph sz="quarter" idx="14"/>
+          </p:nvPr>
+        </p:nvSpPr>
+        <p:spPr/>
+        <p:txBody>
+          <a:bodyPr/>
+          <a:lstStyle/>
+          <a:p>
+            <a:pPr marL="285750" indent="-285750">
+              <a:buFont typeface="Arial" panose="020B0604020202020204" pitchFamily="34" charset="0"/>
+              <a:buChar char="•"/>
+            </a:pPr>
+            <a:r>
+              <a:rPr lang="de-DE" dirty="0" smtClean="0"/>
+              <a:t>The Long Short-Term Memory (LSTM) </a:t>
+            </a:r>
+            <a:r>
+              <a:rPr lang="de-DE" dirty="0" err="1" smtClean="0"/>
+              <a:t>network</a:t>
+            </a:r>
+            <a:r>
+              <a:rPr lang="de-DE" dirty="0" smtClean="0"/>
+              <a:t> </a:t>
+            </a:r>
+            <a:r>
+              <a:rPr lang="de-DE" dirty="0" err="1" smtClean="0"/>
+              <a:t>is</a:t>
+            </a:r>
+            <a:r>
+              <a:rPr lang="de-DE" dirty="0" smtClean="0"/>
+              <a:t> a </a:t>
+            </a:r>
+            <a:r>
+              <a:rPr lang="de-DE" dirty="0" err="1" smtClean="0"/>
+              <a:t>complex</a:t>
+            </a:r>
+            <a:r>
+              <a:rPr lang="de-DE" dirty="0" smtClean="0"/>
+              <a:t> </a:t>
+            </a:r>
+            <a:r>
+              <a:rPr lang="de-DE" dirty="0" err="1" smtClean="0"/>
+              <a:t>Recurrent</a:t>
+            </a:r>
+            <a:r>
+              <a:rPr lang="de-DE" dirty="0" smtClean="0"/>
+              <a:t> Neural Network (RNN)</a:t>
+            </a:r>
+          </a:p>
+          <a:p>
+            <a:pPr marL="285750" indent="-285750">
+              <a:buFont typeface="Arial" panose="020B0604020202020204" pitchFamily="34" charset="0"/>
+              <a:buChar char="•"/>
+            </a:pPr>
+            <a:endParaRPr lang="de-DE" dirty="0" smtClean="0"/>
+          </a:p>
+          <a:p>
+            <a:pPr marL="285750" indent="-285750">
+              <a:buFont typeface="Arial" panose="020B0604020202020204" pitchFamily="34" charset="0"/>
+              <a:buChar char="•"/>
+            </a:pPr>
+            <a:r>
+              <a:rPr lang="de-DE" dirty="0" smtClean="0"/>
+              <a:t>Building </a:t>
+            </a:r>
+            <a:r>
+              <a:rPr lang="de-DE" dirty="0" err="1" smtClean="0"/>
+              <a:t>blocks</a:t>
+            </a:r>
+            <a:r>
+              <a:rPr lang="de-DE" dirty="0" smtClean="0"/>
+              <a:t>:</a:t>
+            </a:r>
+          </a:p>
+          <a:p>
+            <a:pPr marL="537750" lvl="2" indent="-285750">
+              <a:buFont typeface="Arial" panose="020B0604020202020204" pitchFamily="34" charset="0"/>
+              <a:buChar char="•"/>
+            </a:pPr>
+            <a:r>
+              <a:rPr lang="de-DE" dirty="0" err="1" smtClean="0"/>
+              <a:t>Cell</a:t>
+            </a:r>
+            <a:r>
+              <a:rPr lang="de-DE" dirty="0" smtClean="0"/>
+              <a:t>: </a:t>
+            </a:r>
+            <a:r>
+              <a:rPr lang="de-DE" dirty="0" err="1" smtClean="0"/>
+              <a:t>Remembers</a:t>
+            </a:r>
+            <a:r>
+              <a:rPr lang="de-DE" dirty="0" smtClean="0"/>
+              <a:t> </a:t>
+            </a:r>
+            <a:r>
+              <a:rPr lang="de-DE" dirty="0" err="1" smtClean="0"/>
+              <a:t>values</a:t>
+            </a:r>
+            <a:r>
+              <a:rPr lang="de-DE" dirty="0" smtClean="0"/>
+              <a:t> </a:t>
+            </a:r>
+            <a:r>
+              <a:rPr lang="de-DE" dirty="0" err="1" smtClean="0"/>
+              <a:t>over</a:t>
+            </a:r>
+            <a:r>
+              <a:rPr lang="de-DE" dirty="0" smtClean="0"/>
+              <a:t> a time</a:t>
+            </a:r>
+          </a:p>
+          <a:p>
+            <a:pPr marL="537750" lvl="2" indent="-285750">
+              <a:buFont typeface="Arial" panose="020B0604020202020204" pitchFamily="34" charset="0"/>
+              <a:buChar char="•"/>
+            </a:pPr>
+            <a:r>
+              <a:rPr lang="de-DE" dirty="0" smtClean="0"/>
+              <a:t>Input </a:t>
+            </a:r>
+            <a:r>
+              <a:rPr lang="de-DE" dirty="0" err="1" smtClean="0"/>
+              <a:t>gate</a:t>
+            </a:r>
+            <a:r>
+              <a:rPr lang="de-DE" dirty="0" smtClean="0"/>
+              <a:t>: </a:t>
+            </a:r>
+            <a:r>
+              <a:rPr lang="de-DE" dirty="0" err="1"/>
+              <a:t>d</a:t>
+            </a:r>
+            <a:r>
+              <a:rPr lang="de-DE" dirty="0" err="1" smtClean="0"/>
+              <a:t>ecides</a:t>
+            </a:r>
+            <a:r>
+              <a:rPr lang="de-DE" dirty="0" smtClean="0"/>
+              <a:t> </a:t>
+            </a:r>
+            <a:r>
+              <a:rPr lang="de-DE" dirty="0" err="1" smtClean="0"/>
+              <a:t>which</a:t>
+            </a:r>
+            <a:r>
+              <a:rPr lang="de-DE" dirty="0" smtClean="0"/>
+              <a:t> </a:t>
+            </a:r>
+            <a:r>
+              <a:rPr lang="de-DE" dirty="0" err="1" smtClean="0"/>
+              <a:t>new</a:t>
+            </a:r>
+            <a:r>
+              <a:rPr lang="de-DE" dirty="0" smtClean="0"/>
+              <a:t> </a:t>
+            </a:r>
+            <a:r>
+              <a:rPr lang="de-DE" dirty="0" err="1" smtClean="0"/>
+              <a:t>information</a:t>
+            </a:r>
+            <a:r>
+              <a:rPr lang="de-DE" dirty="0" smtClean="0"/>
+              <a:t> </a:t>
+            </a:r>
+            <a:r>
+              <a:rPr lang="de-DE" dirty="0" err="1" smtClean="0"/>
+              <a:t>is</a:t>
+            </a:r>
+            <a:r>
+              <a:rPr lang="de-DE" dirty="0" smtClean="0"/>
+              <a:t> </a:t>
+            </a:r>
+            <a:r>
+              <a:rPr lang="de-DE" dirty="0" err="1" smtClean="0"/>
+              <a:t>stored</a:t>
+            </a:r>
+            <a:r>
+              <a:rPr lang="de-DE" dirty="0" smtClean="0"/>
+              <a:t> in </a:t>
+            </a:r>
+            <a:r>
+              <a:rPr lang="de-DE" dirty="0" err="1" smtClean="0"/>
+              <a:t>the</a:t>
+            </a:r>
+            <a:r>
+              <a:rPr lang="de-DE" dirty="0" smtClean="0"/>
+              <a:t> </a:t>
+            </a:r>
+            <a:r>
+              <a:rPr lang="de-DE" dirty="0" err="1" smtClean="0"/>
+              <a:t>current</a:t>
+            </a:r>
+            <a:r>
+              <a:rPr lang="de-DE" dirty="0" smtClean="0"/>
+              <a:t> </a:t>
+            </a:r>
+            <a:r>
+              <a:rPr lang="de-DE" dirty="0" err="1" smtClean="0"/>
+              <a:t>state</a:t>
+            </a:r>
+            <a:endParaRPr lang="de-DE" dirty="0" smtClean="0"/>
+          </a:p>
+          <a:p>
+            <a:pPr marL="537750" lvl="2" indent="-285750">
+              <a:buFont typeface="Arial" panose="020B0604020202020204" pitchFamily="34" charset="0"/>
+              <a:buChar char="•"/>
+            </a:pPr>
+            <a:r>
+              <a:rPr lang="de-DE" dirty="0" smtClean="0"/>
+              <a:t>Output </a:t>
+            </a:r>
+            <a:r>
+              <a:rPr lang="de-DE" dirty="0" err="1" smtClean="0"/>
+              <a:t>gate</a:t>
+            </a:r>
+            <a:r>
+              <a:rPr lang="de-DE" dirty="0" smtClean="0"/>
+              <a:t>: </a:t>
+            </a:r>
+            <a:r>
+              <a:rPr lang="de-DE" dirty="0" err="1" smtClean="0"/>
+              <a:t>controls</a:t>
+            </a:r>
+            <a:r>
+              <a:rPr lang="de-DE" dirty="0" smtClean="0"/>
+              <a:t> </a:t>
+            </a:r>
+            <a:r>
+              <a:rPr lang="de-DE" dirty="0" err="1" smtClean="0"/>
+              <a:t>which</a:t>
+            </a:r>
+            <a:r>
+              <a:rPr lang="de-DE" dirty="0" smtClean="0"/>
+              <a:t> </a:t>
+            </a:r>
+            <a:r>
+              <a:rPr lang="de-DE" dirty="0" err="1" smtClean="0"/>
+              <a:t>part</a:t>
+            </a:r>
+            <a:r>
+              <a:rPr lang="de-DE" dirty="0" smtClean="0"/>
+              <a:t> of </a:t>
+            </a:r>
+            <a:r>
+              <a:rPr lang="de-DE" dirty="0" err="1" smtClean="0"/>
+              <a:t>the</a:t>
+            </a:r>
+            <a:r>
+              <a:rPr lang="de-DE" dirty="0" smtClean="0"/>
+              <a:t> </a:t>
+            </a:r>
+            <a:r>
+              <a:rPr lang="de-DE" dirty="0" err="1" smtClean="0"/>
+              <a:t>current</a:t>
+            </a:r>
+            <a:r>
+              <a:rPr lang="de-DE" dirty="0" smtClean="0"/>
+              <a:t> </a:t>
+            </a:r>
+            <a:r>
+              <a:rPr lang="de-DE" dirty="0" err="1" smtClean="0"/>
+              <a:t>state</a:t>
+            </a:r>
+            <a:r>
+              <a:rPr lang="de-DE" dirty="0" smtClean="0"/>
+              <a:t> </a:t>
+            </a:r>
+            <a:r>
+              <a:rPr lang="de-DE" dirty="0" err="1" smtClean="0"/>
+              <a:t>is</a:t>
+            </a:r>
+            <a:r>
+              <a:rPr lang="de-DE" dirty="0" smtClean="0"/>
+              <a:t> </a:t>
+            </a:r>
+            <a:r>
+              <a:rPr lang="de-DE" dirty="0" err="1" smtClean="0"/>
+              <a:t>output</a:t>
+            </a:r>
+            <a:endParaRPr lang="de-DE" dirty="0" smtClean="0"/>
+          </a:p>
+          <a:p>
+            <a:pPr marL="537750" lvl="2" indent="-285750">
+              <a:buFont typeface="Arial" panose="020B0604020202020204" pitchFamily="34" charset="0"/>
+              <a:buChar char="•"/>
+            </a:pPr>
+            <a:r>
+              <a:rPr lang="de-DE" dirty="0" smtClean="0"/>
+              <a:t>Forget </a:t>
+            </a:r>
+            <a:r>
+              <a:rPr lang="de-DE" dirty="0" err="1" smtClean="0"/>
+              <a:t>gate</a:t>
+            </a:r>
+            <a:r>
+              <a:rPr lang="de-DE" dirty="0" smtClean="0"/>
+              <a:t>: </a:t>
+            </a:r>
+            <a:r>
+              <a:rPr lang="de-DE" dirty="0" err="1" smtClean="0"/>
+              <a:t>decides</a:t>
+            </a:r>
+            <a:r>
+              <a:rPr lang="de-DE" dirty="0" smtClean="0"/>
+              <a:t> </a:t>
+            </a:r>
+            <a:r>
+              <a:rPr lang="de-DE" dirty="0" err="1" smtClean="0"/>
+              <a:t>what</a:t>
+            </a:r>
+            <a:r>
+              <a:rPr lang="de-DE" dirty="0" smtClean="0"/>
+              <a:t> </a:t>
+            </a:r>
+            <a:r>
+              <a:rPr lang="de-DE" dirty="0" err="1" smtClean="0"/>
+              <a:t>information</a:t>
+            </a:r>
+            <a:r>
+              <a:rPr lang="de-DE" dirty="0" smtClean="0"/>
+              <a:t> </a:t>
+            </a:r>
+            <a:r>
+              <a:rPr lang="de-DE" dirty="0" err="1" smtClean="0"/>
+              <a:t>to</a:t>
+            </a:r>
+            <a:r>
+              <a:rPr lang="de-DE" dirty="0" smtClean="0"/>
+              <a:t> </a:t>
+            </a:r>
+            <a:r>
+              <a:rPr lang="de-DE" dirty="0" err="1" smtClean="0"/>
+              <a:t>discard</a:t>
+            </a:r>
+            <a:r>
+              <a:rPr lang="de-DE" dirty="0" smtClean="0"/>
+              <a:t> </a:t>
+            </a:r>
+            <a:r>
+              <a:rPr lang="de-DE" dirty="0" err="1" smtClean="0"/>
+              <a:t>from</a:t>
+            </a:r>
+            <a:r>
+              <a:rPr lang="de-DE" dirty="0" smtClean="0"/>
+              <a:t> a </a:t>
+            </a:r>
+            <a:r>
+              <a:rPr lang="de-DE" dirty="0" err="1" smtClean="0"/>
+              <a:t>previous</a:t>
+            </a:r>
+            <a:r>
+              <a:rPr lang="de-DE" dirty="0" smtClean="0"/>
+              <a:t> </a:t>
+            </a:r>
+            <a:r>
+              <a:rPr lang="de-DE" dirty="0" err="1" smtClean="0"/>
+              <a:t>state</a:t>
+            </a:r>
+            <a:endParaRPr lang="de-DE" dirty="0"/>
+          </a:p>
+          <a:p>
+            <a:pPr marL="285750" indent="-285750">
+              <a:buFont typeface="Arial" panose="020B0604020202020204" pitchFamily="34" charset="0"/>
+              <a:buChar char="•"/>
+            </a:pPr>
+            <a:r>
+              <a:rPr lang="de-DE" dirty="0" smtClean="0"/>
+              <a:t>Advantages:</a:t>
+            </a:r>
+          </a:p>
+          <a:p>
+            <a:pPr marL="537750" lvl="2" indent="-285750">
+              <a:buFont typeface="Arial" panose="020B0604020202020204" pitchFamily="34" charset="0"/>
+              <a:buChar char="•"/>
+            </a:pPr>
+            <a:r>
+              <a:rPr lang="de-DE" dirty="0" smtClean="0"/>
+              <a:t>Can deal </a:t>
+            </a:r>
+            <a:r>
+              <a:rPr lang="de-DE" dirty="0" err="1" smtClean="0"/>
+              <a:t>with</a:t>
+            </a:r>
+            <a:r>
+              <a:rPr lang="de-DE" dirty="0" smtClean="0"/>
+              <a:t> </a:t>
+            </a:r>
+            <a:r>
+              <a:rPr lang="de-DE" dirty="0" err="1" smtClean="0"/>
+              <a:t>sequential</a:t>
+            </a:r>
+            <a:r>
+              <a:rPr lang="de-DE" dirty="0" smtClean="0"/>
+              <a:t> </a:t>
+            </a:r>
+            <a:r>
+              <a:rPr lang="de-DE" dirty="0" err="1" smtClean="0"/>
+              <a:t>data</a:t>
+            </a:r>
+            <a:r>
+              <a:rPr lang="de-DE" dirty="0" smtClean="0"/>
+              <a:t> </a:t>
+            </a:r>
+          </a:p>
+          <a:p>
+            <a:pPr marL="537750" lvl="2" indent="-285750">
+              <a:buFont typeface="Arial" panose="020B0604020202020204" pitchFamily="34" charset="0"/>
+              <a:buChar char="•"/>
+            </a:pPr>
+            <a:r>
+              <a:rPr lang="de-DE" dirty="0" smtClean="0"/>
+              <a:t>Can </a:t>
+            </a:r>
+            <a:r>
+              <a:rPr lang="de-DE" dirty="0" err="1" smtClean="0"/>
+              <a:t>store</a:t>
+            </a:r>
+            <a:r>
+              <a:rPr lang="de-DE" dirty="0" smtClean="0"/>
+              <a:t> </a:t>
+            </a:r>
+            <a:r>
+              <a:rPr lang="de-DE" dirty="0" err="1" smtClean="0"/>
+              <a:t>data</a:t>
+            </a:r>
+            <a:r>
+              <a:rPr lang="de-DE" dirty="0" smtClean="0"/>
+              <a:t> </a:t>
+            </a:r>
+            <a:r>
+              <a:rPr lang="de-DE" dirty="0" err="1" smtClean="0"/>
+              <a:t>for</a:t>
+            </a:r>
+            <a:r>
+              <a:rPr lang="de-DE" dirty="0" smtClean="0"/>
+              <a:t> a </a:t>
+            </a:r>
+            <a:r>
+              <a:rPr lang="de-DE" dirty="0" err="1" smtClean="0"/>
+              <a:t>long</a:t>
+            </a:r>
+            <a:r>
+              <a:rPr lang="de-DE" dirty="0" smtClean="0"/>
+              <a:t> time</a:t>
+            </a:r>
+          </a:p>
+          <a:p>
+            <a:pPr marL="285750" indent="-285750">
+              <a:buFont typeface="Arial" panose="020B0604020202020204" pitchFamily="34" charset="0"/>
+              <a:buChar char="•"/>
+            </a:pPr>
+            <a:r>
+              <a:rPr lang="de-DE" dirty="0"/>
+              <a:t>Demonstration in </a:t>
+            </a:r>
+            <a:r>
+              <a:rPr lang="de-DE" dirty="0" err="1"/>
+              <a:t>the</a:t>
+            </a:r>
+            <a:r>
+              <a:rPr lang="de-DE" dirty="0"/>
+              <a:t> </a:t>
+            </a:r>
+            <a:r>
+              <a:rPr lang="de-DE" dirty="0" err="1"/>
+              <a:t>Jupyter</a:t>
+            </a:r>
+            <a:r>
+              <a:rPr lang="de-DE" dirty="0"/>
+              <a:t> Notebook:</a:t>
+            </a:r>
+          </a:p>
+          <a:p>
+            <a:pPr marL="537750" lvl="2" indent="-285750">
+              <a:buFont typeface="Arial" panose="020B0604020202020204" pitchFamily="34" charset="0"/>
+              <a:buChar char="•"/>
+            </a:pPr>
+            <a:r>
+              <a:rPr lang="de-DE" dirty="0" err="1"/>
+              <a:t>Accuracy</a:t>
+            </a:r>
+            <a:r>
+              <a:rPr lang="de-DE" dirty="0"/>
+              <a:t> </a:t>
+            </a:r>
+            <a:r>
+              <a:rPr lang="de-DE" dirty="0" smtClean="0"/>
+              <a:t>59.8% </a:t>
+            </a:r>
+            <a:r>
+              <a:rPr lang="de-DE" dirty="0"/>
+              <a:t>(vs. </a:t>
+            </a:r>
+            <a:r>
+              <a:rPr lang="de-DE" dirty="0" smtClean="0"/>
+              <a:t>52.1% </a:t>
+            </a:r>
+            <a:r>
+              <a:rPr lang="de-DE" dirty="0"/>
+              <a:t>of </a:t>
+            </a:r>
+            <a:r>
+              <a:rPr lang="de-DE" dirty="0" err="1"/>
+              <a:t>the</a:t>
+            </a:r>
+            <a:r>
+              <a:rPr lang="de-DE" dirty="0"/>
+              <a:t> MLP </a:t>
+            </a:r>
+            <a:r>
+              <a:rPr lang="de-DE" dirty="0" err="1"/>
+              <a:t>model</a:t>
+            </a:r>
+            <a:r>
+              <a:rPr lang="de-DE" dirty="0"/>
+              <a:t>)</a:t>
+            </a:r>
+            <a:endParaRPr lang="de-DE" dirty="0" smtClean="0"/>
+          </a:p>
+        </p:txBody>
+      </p:sp>
+      <p:sp>
+        <p:nvSpPr>
+          <p:cNvPr id="2" name="Bildplatzhalter 1"/>
+          <p:cNvSpPr>
+            <a:spLocks noGrp="1"/>
+          </p:cNvSpPr>
+          <p:nvPr>
+            <p:ph type="pic" sz="quarter" idx="13"/>
+          </p:nvPr>
+        </p:nvSpPr>
+        <p:spPr/>
+      </p:sp>
+      <p:pic>
+        <p:nvPicPr>
+          <p:cNvPr id="9" name="Bildplatzhalter 84"/>
+          <p:cNvPicPr>
+            <a:picLocks noChangeAspect="1"/>
+          </p:cNvPicPr>
+          <p:nvPr/>
+        </p:nvPicPr>
+        <p:blipFill>
+          <a:blip r:embed="rId2">
+            <a:extLst>
+              <a:ext uri="{28A0092B-C50C-407E-A947-70E740481C1C}">
+                <a14:useLocalDpi xmlns:a14="http://schemas.microsoft.com/office/drawing/2010/main" val="0"/>
+              </a:ext>
+            </a:extLst>
+          </a:blip>
+          <a:stretch>
+            <a:fillRect/>
+          </a:stretch>
+        </p:blipFill>
+        <p:spPr>
+          <a:xfrm>
+            <a:off x="5932263" y="1484314"/>
+            <a:ext cx="5528850" cy="4069087"/>
+          </a:xfrm>
+          <a:prstGeom prst="rect">
+            <a:avLst/>
+          </a:prstGeom>
+          <a:ln>
+            <a:noFill/>
+          </a:ln>
+        </p:spPr>
+      </p:pic>
+    </p:spTree>
+    <p:extLst>
+      <p:ext uri="{BB962C8B-B14F-4D97-AF65-F5344CB8AC3E}">
+        <p14:creationId xmlns:p14="http://schemas.microsoft.com/office/powerpoint/2010/main" val="3189021195"/>
+      </p:ext>
+    </p:extLst>
+  </p:cSld>
+  <p:clrMapOvr>
+    <a:masterClrMapping/>
+  </p:clrMapOvr>
+</p:sld>
+</file>
+
+<file path=ppt/slides/slide33.xml><?xml version="1.0" encoding="utf-8"?>
+<p:sld xmlns:a="http://schemas.openxmlformats.org/drawingml/2006/main" xmlns:r="http://schemas.openxmlformats.org/officeDocument/2006/relationships" xmlns:p="http://schemas.openxmlformats.org/presentationml/2006/main">
+  <p:cSld>
+    <p:spTree>
+      <p:nvGrpSpPr>
+        <p:cNvPr id="1" name=""/>
+        <p:cNvGrpSpPr/>
+        <p:nvPr/>
+      </p:nvGrpSpPr>
+      <p:grpSpPr>
+        <a:xfrm>
+          <a:off x="0" y="0"/>
+          <a:ext cx="0" cy="0"/>
+          <a:chOff x="0" y="0"/>
+          <a:chExt cx="0" cy="0"/>
+        </a:xfrm>
+      </p:grpSpPr>
+      <p:sp>
+        <p:nvSpPr>
+          <p:cNvPr id="5" name="Titel 4"/>
+          <p:cNvSpPr>
+            <a:spLocks noGrp="1"/>
+          </p:cNvSpPr>
+          <p:nvPr>
+            <p:ph type="title"/>
+          </p:nvPr>
+        </p:nvSpPr>
+        <p:spPr/>
+        <p:txBody>
+          <a:bodyPr/>
+          <a:lstStyle/>
+          <a:p>
+            <a:r>
+              <a:rPr lang="de-DE" dirty="0" err="1" smtClean="0"/>
+              <a:t>Conclusions</a:t>
+            </a:r>
+            <a:endParaRPr lang="de-DE" dirty="0"/>
+          </a:p>
+        </p:txBody>
+      </p:sp>
+      <p:sp>
+        <p:nvSpPr>
+          <p:cNvPr id="6" name="Inhaltsplatzhalter 5"/>
+          <p:cNvSpPr>
+            <a:spLocks noGrp="1"/>
+          </p:cNvSpPr>
+          <p:nvPr>
+            <p:ph sz="quarter" idx="10"/>
+          </p:nvPr>
+        </p:nvSpPr>
+        <p:spPr/>
+        <p:txBody>
+          <a:bodyPr/>
+          <a:lstStyle/>
+          <a:p>
+            <a:pPr marL="285750" indent="-285750">
+              <a:buFont typeface="Arial" panose="020B0604020202020204" pitchFamily="34" charset="0"/>
+              <a:buChar char="•"/>
+            </a:pPr>
+            <a:r>
+              <a:rPr lang="de-DE" dirty="0" err="1" smtClean="0"/>
+              <a:t>Machine</a:t>
+            </a:r>
+            <a:r>
+              <a:rPr lang="de-DE" dirty="0" smtClean="0"/>
+              <a:t> </a:t>
+            </a:r>
+            <a:r>
+              <a:rPr lang="de-DE" dirty="0" err="1" smtClean="0"/>
+              <a:t>learning</a:t>
+            </a:r>
+            <a:r>
+              <a:rPr lang="de-DE" dirty="0" smtClean="0"/>
+              <a:t> </a:t>
+            </a:r>
+            <a:r>
+              <a:rPr lang="de-DE" dirty="0" err="1" smtClean="0"/>
+              <a:t>is</a:t>
+            </a:r>
+            <a:r>
+              <a:rPr lang="de-DE" dirty="0" smtClean="0"/>
+              <a:t> an </a:t>
+            </a:r>
+            <a:r>
+              <a:rPr lang="de-DE" dirty="0" err="1" smtClean="0"/>
+              <a:t>important</a:t>
+            </a:r>
+            <a:r>
+              <a:rPr lang="de-DE" dirty="0" smtClean="0"/>
+              <a:t> </a:t>
+            </a:r>
+            <a:r>
+              <a:rPr lang="de-DE" dirty="0" err="1" smtClean="0"/>
+              <a:t>topic</a:t>
+            </a:r>
+            <a:r>
+              <a:rPr lang="de-DE" dirty="0" smtClean="0"/>
+              <a:t> </a:t>
+            </a:r>
+            <a:r>
+              <a:rPr lang="de-DE" dirty="0" err="1" smtClean="0"/>
+              <a:t>with</a:t>
+            </a:r>
+            <a:r>
+              <a:rPr lang="de-DE" dirty="0" smtClean="0"/>
+              <a:t> potential </a:t>
+            </a:r>
+            <a:r>
+              <a:rPr lang="de-DE" dirty="0" err="1" smtClean="0"/>
+              <a:t>applications</a:t>
+            </a:r>
+            <a:r>
+              <a:rPr lang="de-DE" dirty="0" smtClean="0"/>
+              <a:t> in </a:t>
+            </a:r>
+            <a:r>
+              <a:rPr lang="de-DE" dirty="0" err="1" smtClean="0"/>
+              <a:t>many</a:t>
+            </a:r>
+            <a:r>
+              <a:rPr lang="de-DE" dirty="0" smtClean="0"/>
+              <a:t> </a:t>
+            </a:r>
+            <a:r>
+              <a:rPr lang="de-DE" dirty="0" err="1" smtClean="0"/>
+              <a:t>research</a:t>
+            </a:r>
+            <a:r>
+              <a:rPr lang="de-DE" dirty="0" smtClean="0"/>
+              <a:t> </a:t>
+            </a:r>
+            <a:r>
+              <a:rPr lang="de-DE" dirty="0" err="1" smtClean="0"/>
+              <a:t>areas</a:t>
+            </a:r>
+            <a:endParaRPr lang="de-DE" dirty="0" smtClean="0"/>
+          </a:p>
+          <a:p>
+            <a:pPr marL="285750" indent="-285750">
+              <a:buFont typeface="Arial" panose="020B0604020202020204" pitchFamily="34" charset="0"/>
+              <a:buChar char="•"/>
+            </a:pPr>
+            <a:endParaRPr lang="de-DE" dirty="0" smtClean="0"/>
+          </a:p>
+          <a:p>
+            <a:pPr marL="285750" indent="-285750">
+              <a:buFont typeface="Arial" panose="020B0604020202020204" pitchFamily="34" charset="0"/>
+              <a:buChar char="•"/>
+            </a:pPr>
+            <a:r>
+              <a:rPr lang="de-DE" dirty="0" smtClean="0"/>
+              <a:t>This </a:t>
+            </a:r>
+            <a:r>
+              <a:rPr lang="de-DE" dirty="0" err="1" smtClean="0"/>
+              <a:t>workshop</a:t>
+            </a:r>
+            <a:r>
+              <a:rPr lang="de-DE" dirty="0" smtClean="0"/>
+              <a:t> </a:t>
+            </a:r>
+            <a:r>
+              <a:rPr lang="de-DE" dirty="0" err="1" smtClean="0"/>
+              <a:t>illustrated</a:t>
+            </a:r>
+            <a:r>
+              <a:rPr lang="de-DE" dirty="0" smtClean="0"/>
+              <a:t> </a:t>
+            </a:r>
+            <a:r>
+              <a:rPr lang="de-DE" dirty="0" err="1" smtClean="0"/>
+              <a:t>several</a:t>
+            </a:r>
+            <a:r>
+              <a:rPr lang="de-DE" dirty="0" smtClean="0"/>
+              <a:t> </a:t>
+            </a:r>
+            <a:r>
+              <a:rPr lang="de-DE" dirty="0" err="1" smtClean="0"/>
+              <a:t>aspects</a:t>
+            </a:r>
+            <a:r>
+              <a:rPr lang="de-DE" dirty="0" smtClean="0"/>
+              <a:t> of </a:t>
+            </a:r>
+            <a:r>
+              <a:rPr lang="de-DE" dirty="0" err="1" smtClean="0"/>
+              <a:t>getting</a:t>
+            </a:r>
+            <a:r>
+              <a:rPr lang="de-DE" dirty="0" smtClean="0"/>
+              <a:t> </a:t>
+            </a:r>
+            <a:r>
+              <a:rPr lang="de-DE" dirty="0" err="1" smtClean="0"/>
+              <a:t>started</a:t>
+            </a:r>
+            <a:r>
+              <a:rPr lang="de-DE" dirty="0" smtClean="0"/>
+              <a:t> </a:t>
+            </a:r>
+            <a:r>
+              <a:rPr lang="de-DE" dirty="0" err="1" smtClean="0"/>
+              <a:t>with</a:t>
+            </a:r>
+            <a:r>
+              <a:rPr lang="de-DE" dirty="0" smtClean="0"/>
+              <a:t> an ML </a:t>
+            </a:r>
+            <a:r>
+              <a:rPr lang="de-DE" dirty="0" err="1" smtClean="0"/>
+              <a:t>task</a:t>
+            </a:r>
+            <a:r>
+              <a:rPr lang="de-DE" dirty="0" smtClean="0"/>
+              <a:t>:</a:t>
+            </a:r>
+          </a:p>
+          <a:p>
+            <a:pPr marL="537750" lvl="2" indent="-285750">
+              <a:buFont typeface="Arial" panose="020B0604020202020204" pitchFamily="34" charset="0"/>
+              <a:buChar char="•"/>
+            </a:pPr>
+            <a:r>
+              <a:rPr lang="de-DE" dirty="0" smtClean="0"/>
+              <a:t>Data </a:t>
+            </a:r>
+            <a:r>
+              <a:rPr lang="de-DE" dirty="0" err="1" smtClean="0"/>
+              <a:t>analysis</a:t>
+            </a:r>
+            <a:r>
+              <a:rPr lang="de-DE" dirty="0" smtClean="0"/>
+              <a:t> </a:t>
+            </a:r>
+            <a:r>
+              <a:rPr lang="de-DE" dirty="0" err="1" smtClean="0"/>
+              <a:t>is</a:t>
+            </a:r>
+            <a:r>
+              <a:rPr lang="de-DE" dirty="0" smtClean="0"/>
+              <a:t> a </a:t>
+            </a:r>
+            <a:r>
+              <a:rPr lang="de-DE" dirty="0" err="1" smtClean="0"/>
+              <a:t>crucial</a:t>
+            </a:r>
+            <a:r>
+              <a:rPr lang="de-DE" dirty="0" smtClean="0"/>
+              <a:t> </a:t>
+            </a:r>
+            <a:r>
+              <a:rPr lang="de-DE" dirty="0" err="1" smtClean="0"/>
+              <a:t>step</a:t>
+            </a:r>
+            <a:r>
+              <a:rPr lang="de-DE" dirty="0" smtClean="0"/>
+              <a:t> </a:t>
+            </a:r>
+            <a:r>
+              <a:rPr lang="de-DE" dirty="0" err="1" smtClean="0"/>
+              <a:t>that</a:t>
+            </a:r>
+            <a:r>
+              <a:rPr lang="de-DE" dirty="0" smtClean="0"/>
+              <a:t> </a:t>
+            </a:r>
+            <a:r>
+              <a:rPr lang="de-DE" dirty="0" err="1" smtClean="0"/>
+              <a:t>is</a:t>
+            </a:r>
+            <a:r>
+              <a:rPr lang="de-DE" dirty="0" smtClean="0"/>
+              <a:t> </a:t>
+            </a:r>
+            <a:r>
+              <a:rPr lang="de-DE" dirty="0" err="1" smtClean="0"/>
+              <a:t>often</a:t>
+            </a:r>
+            <a:r>
+              <a:rPr lang="de-DE" dirty="0" smtClean="0"/>
+              <a:t> </a:t>
+            </a:r>
+            <a:r>
+              <a:rPr lang="de-DE" dirty="0" err="1" smtClean="0"/>
+              <a:t>underestimated</a:t>
+            </a:r>
+            <a:r>
+              <a:rPr lang="de-DE" dirty="0" smtClean="0"/>
+              <a:t> (</a:t>
+            </a:r>
+            <a:r>
+              <a:rPr lang="de-DE" dirty="0" err="1" smtClean="0"/>
+              <a:t>even</a:t>
+            </a:r>
+            <a:r>
+              <a:rPr lang="de-DE" dirty="0" smtClean="0"/>
+              <a:t> </a:t>
+            </a:r>
+            <a:r>
+              <a:rPr lang="de-DE" dirty="0" err="1" smtClean="0"/>
+              <a:t>by</a:t>
+            </a:r>
+            <a:r>
+              <a:rPr lang="de-DE" dirty="0" smtClean="0"/>
+              <a:t> </a:t>
+            </a:r>
+            <a:r>
+              <a:rPr lang="de-DE" dirty="0" err="1" smtClean="0"/>
+              <a:t>advanced</a:t>
+            </a:r>
+            <a:r>
+              <a:rPr lang="de-DE" dirty="0" smtClean="0"/>
+              <a:t> </a:t>
+            </a:r>
+            <a:r>
+              <a:rPr lang="de-DE" dirty="0" err="1" smtClean="0"/>
+              <a:t>researchers</a:t>
+            </a:r>
+            <a:r>
+              <a:rPr lang="de-DE" dirty="0" smtClean="0"/>
+              <a:t>)</a:t>
+            </a:r>
+          </a:p>
+          <a:p>
+            <a:pPr marL="537750" lvl="2" indent="-285750">
+              <a:buFont typeface="Arial" panose="020B0604020202020204" pitchFamily="34" charset="0"/>
+              <a:buChar char="•"/>
+            </a:pPr>
+            <a:r>
+              <a:rPr lang="de-DE" dirty="0" smtClean="0"/>
+              <a:t>Proper </a:t>
+            </a:r>
+            <a:r>
+              <a:rPr lang="de-DE" dirty="0" err="1" smtClean="0"/>
+              <a:t>preprocessing</a:t>
+            </a:r>
+            <a:r>
+              <a:rPr lang="de-DE" dirty="0" smtClean="0"/>
+              <a:t> </a:t>
+            </a:r>
+            <a:r>
+              <a:rPr lang="de-DE" dirty="0" err="1" smtClean="0"/>
+              <a:t>steps</a:t>
+            </a:r>
+            <a:r>
+              <a:rPr lang="de-DE" dirty="0" smtClean="0"/>
+              <a:t> </a:t>
+            </a:r>
+            <a:r>
+              <a:rPr lang="de-DE" dirty="0" err="1" smtClean="0"/>
+              <a:t>prepare</a:t>
+            </a:r>
+            <a:r>
+              <a:rPr lang="de-DE" dirty="0" smtClean="0"/>
+              <a:t> </a:t>
+            </a:r>
+            <a:r>
+              <a:rPr lang="de-DE" dirty="0" err="1" smtClean="0"/>
+              <a:t>the</a:t>
+            </a:r>
+            <a:r>
+              <a:rPr lang="de-DE" dirty="0" smtClean="0"/>
+              <a:t> </a:t>
+            </a:r>
+            <a:r>
+              <a:rPr lang="de-DE" dirty="0" err="1" smtClean="0"/>
+              <a:t>data</a:t>
+            </a:r>
+            <a:r>
+              <a:rPr lang="de-DE" dirty="0" smtClean="0"/>
+              <a:t> such </a:t>
+            </a:r>
+            <a:r>
+              <a:rPr lang="de-DE" dirty="0" err="1" smtClean="0"/>
+              <a:t>that</a:t>
+            </a:r>
+            <a:r>
+              <a:rPr lang="de-DE" dirty="0" smtClean="0"/>
+              <a:t> subsequent </a:t>
+            </a:r>
+            <a:r>
+              <a:rPr lang="de-DE" dirty="0" err="1" smtClean="0"/>
+              <a:t>tasks</a:t>
+            </a:r>
+            <a:r>
+              <a:rPr lang="de-DE" dirty="0" smtClean="0"/>
+              <a:t> </a:t>
+            </a:r>
+            <a:r>
+              <a:rPr lang="de-DE" dirty="0" err="1" smtClean="0"/>
+              <a:t>can</a:t>
+            </a:r>
+            <a:r>
+              <a:rPr lang="de-DE" dirty="0" smtClean="0"/>
+              <a:t> </a:t>
+            </a:r>
+            <a:r>
+              <a:rPr lang="de-DE" dirty="0" err="1" smtClean="0"/>
+              <a:t>be</a:t>
+            </a:r>
+            <a:r>
+              <a:rPr lang="de-DE" dirty="0" smtClean="0"/>
+              <a:t> </a:t>
+            </a:r>
+            <a:r>
+              <a:rPr lang="de-DE" dirty="0" err="1" smtClean="0"/>
+              <a:t>solved</a:t>
+            </a:r>
+            <a:r>
+              <a:rPr lang="de-DE" dirty="0" smtClean="0"/>
+              <a:t> </a:t>
+            </a:r>
+            <a:r>
+              <a:rPr lang="de-DE" dirty="0" err="1" smtClean="0"/>
+              <a:t>easier</a:t>
+            </a:r>
+            <a:endParaRPr lang="de-DE" dirty="0" smtClean="0"/>
+          </a:p>
+          <a:p>
+            <a:pPr marL="537750" lvl="2" indent="-285750">
+              <a:buFont typeface="Arial" panose="020B0604020202020204" pitchFamily="34" charset="0"/>
+              <a:buChar char="•"/>
+            </a:pPr>
+            <a:r>
+              <a:rPr lang="de-DE" dirty="0" smtClean="0"/>
+              <a:t>The </a:t>
+            </a:r>
+            <a:r>
+              <a:rPr lang="de-DE" dirty="0" err="1" smtClean="0"/>
+              <a:t>investigated</a:t>
+            </a:r>
+            <a:r>
+              <a:rPr lang="de-DE" dirty="0" smtClean="0"/>
+              <a:t> </a:t>
+            </a:r>
+            <a:r>
+              <a:rPr lang="de-DE" dirty="0" err="1" smtClean="0"/>
+              <a:t>models</a:t>
+            </a:r>
+            <a:r>
+              <a:rPr lang="de-DE" dirty="0" smtClean="0"/>
+              <a:t> </a:t>
+            </a:r>
+            <a:r>
+              <a:rPr lang="de-DE" dirty="0" err="1" smtClean="0"/>
+              <a:t>have</a:t>
+            </a:r>
+            <a:r>
+              <a:rPr lang="de-DE" dirty="0" smtClean="0"/>
+              <a:t> different </a:t>
+            </a:r>
+            <a:r>
+              <a:rPr lang="de-DE" dirty="0" err="1" smtClean="0"/>
+              <a:t>properties</a:t>
+            </a:r>
+            <a:r>
+              <a:rPr lang="de-DE" dirty="0" smtClean="0"/>
+              <a:t> </a:t>
+            </a:r>
+            <a:r>
+              <a:rPr lang="de-DE" dirty="0" err="1" smtClean="0"/>
+              <a:t>making</a:t>
+            </a:r>
+            <a:r>
+              <a:rPr lang="de-DE" dirty="0" smtClean="0"/>
+              <a:t> </a:t>
+            </a:r>
+            <a:r>
+              <a:rPr lang="de-DE" dirty="0" err="1" smtClean="0"/>
+              <a:t>them</a:t>
+            </a:r>
+            <a:r>
+              <a:rPr lang="de-DE" dirty="0" smtClean="0"/>
+              <a:t> </a:t>
+            </a:r>
+            <a:r>
+              <a:rPr lang="de-DE" dirty="0" err="1" smtClean="0"/>
+              <a:t>more</a:t>
+            </a:r>
+            <a:r>
+              <a:rPr lang="de-DE" dirty="0" smtClean="0"/>
+              <a:t> </a:t>
+            </a:r>
+            <a:r>
+              <a:rPr lang="de-DE" dirty="0" err="1" smtClean="0"/>
+              <a:t>or</a:t>
+            </a:r>
+            <a:r>
+              <a:rPr lang="de-DE" dirty="0" smtClean="0"/>
+              <a:t> </a:t>
+            </a:r>
+            <a:r>
+              <a:rPr lang="de-DE" dirty="0" err="1" smtClean="0"/>
+              <a:t>less</a:t>
+            </a:r>
+            <a:r>
+              <a:rPr lang="de-DE" dirty="0" smtClean="0"/>
+              <a:t> </a:t>
+            </a:r>
+            <a:r>
+              <a:rPr lang="de-DE" dirty="0" err="1" smtClean="0"/>
+              <a:t>suitable</a:t>
+            </a:r>
+            <a:r>
+              <a:rPr lang="de-DE" dirty="0" smtClean="0"/>
+              <a:t> </a:t>
+            </a:r>
+            <a:r>
+              <a:rPr lang="de-DE" dirty="0" err="1" smtClean="0"/>
+              <a:t>to</a:t>
+            </a:r>
+            <a:r>
+              <a:rPr lang="de-DE" dirty="0" smtClean="0"/>
+              <a:t> </a:t>
+            </a:r>
+            <a:r>
+              <a:rPr lang="de-DE" dirty="0" err="1" smtClean="0"/>
+              <a:t>solve</a:t>
+            </a:r>
+            <a:r>
+              <a:rPr lang="de-DE" dirty="0" smtClean="0"/>
+              <a:t> a </a:t>
+            </a:r>
+            <a:r>
+              <a:rPr lang="de-DE" dirty="0" err="1" smtClean="0"/>
+              <a:t>task</a:t>
+            </a:r>
+            <a:endParaRPr lang="de-DE" dirty="0" smtClean="0"/>
+          </a:p>
+          <a:p>
+            <a:pPr marL="285750" indent="-285750">
+              <a:buFont typeface="Arial" panose="020B0604020202020204" pitchFamily="34" charset="0"/>
+              <a:buChar char="•"/>
+            </a:pPr>
+            <a:endParaRPr lang="de-DE" dirty="0" smtClean="0"/>
+          </a:p>
+          <a:p>
+            <a:pPr marL="285750" indent="-285750">
+              <a:buFont typeface="Arial" panose="020B0604020202020204" pitchFamily="34" charset="0"/>
+              <a:buChar char="•"/>
+            </a:pPr>
+            <a:r>
+              <a:rPr lang="de-DE" dirty="0" smtClean="0"/>
+              <a:t>The ML </a:t>
+            </a:r>
+            <a:r>
+              <a:rPr lang="de-DE" dirty="0" err="1" smtClean="0"/>
+              <a:t>frameworks</a:t>
+            </a:r>
+            <a:r>
+              <a:rPr lang="de-DE" dirty="0" smtClean="0"/>
+              <a:t> </a:t>
+            </a:r>
+            <a:r>
+              <a:rPr lang="de-DE" dirty="0" err="1" smtClean="0"/>
+              <a:t>simplify</a:t>
+            </a:r>
+            <a:r>
+              <a:rPr lang="de-DE" dirty="0" smtClean="0"/>
+              <a:t> </a:t>
+            </a:r>
+            <a:r>
+              <a:rPr lang="de-DE" dirty="0" err="1" smtClean="0"/>
+              <a:t>researchers</a:t>
+            </a:r>
+            <a:r>
+              <a:rPr lang="de-DE" dirty="0" smtClean="0"/>
+              <a:t> </a:t>
+            </a:r>
+            <a:r>
+              <a:rPr lang="de-DE" dirty="0" err="1" smtClean="0"/>
+              <a:t>without</a:t>
+            </a:r>
+            <a:r>
+              <a:rPr lang="de-DE" dirty="0" smtClean="0"/>
+              <a:t> </a:t>
+            </a:r>
+            <a:r>
+              <a:rPr lang="de-DE" dirty="0" err="1" smtClean="0"/>
+              <a:t>many</a:t>
+            </a:r>
+            <a:r>
+              <a:rPr lang="de-DE" dirty="0" smtClean="0"/>
+              <a:t> </a:t>
+            </a:r>
+            <a:r>
+              <a:rPr lang="de-DE" dirty="0" err="1" smtClean="0"/>
+              <a:t>programming</a:t>
+            </a:r>
+            <a:r>
+              <a:rPr lang="de-DE" dirty="0" smtClean="0"/>
+              <a:t> </a:t>
+            </a:r>
+            <a:r>
+              <a:rPr lang="de-DE" dirty="0" err="1" smtClean="0"/>
+              <a:t>skills</a:t>
+            </a:r>
+            <a:r>
+              <a:rPr lang="de-DE" dirty="0" smtClean="0"/>
+              <a:t> </a:t>
+            </a:r>
+            <a:r>
+              <a:rPr lang="de-DE" dirty="0" err="1" smtClean="0"/>
+              <a:t>to</a:t>
+            </a:r>
+            <a:r>
+              <a:rPr lang="de-DE" dirty="0" smtClean="0"/>
+              <a:t> </a:t>
+            </a:r>
+            <a:r>
+              <a:rPr lang="de-DE" dirty="0" err="1" smtClean="0"/>
+              <a:t>get</a:t>
+            </a:r>
+            <a:r>
+              <a:rPr lang="de-DE" dirty="0" smtClean="0"/>
+              <a:t> </a:t>
+            </a:r>
+            <a:r>
+              <a:rPr lang="de-DE" dirty="0" err="1" smtClean="0"/>
+              <a:t>started</a:t>
+            </a:r>
+            <a:r>
+              <a:rPr lang="de-DE" dirty="0" smtClean="0"/>
+              <a:t>:</a:t>
+            </a:r>
+          </a:p>
+          <a:p>
+            <a:pPr marL="537750" lvl="2" indent="-285750">
+              <a:buFont typeface="Arial" panose="020B0604020202020204" pitchFamily="34" charset="0"/>
+              <a:buChar char="•"/>
+            </a:pPr>
+            <a:r>
+              <a:rPr lang="de-DE" dirty="0" err="1" smtClean="0"/>
+              <a:t>Good</a:t>
+            </a:r>
+            <a:r>
+              <a:rPr lang="de-DE" dirty="0" smtClean="0"/>
+              <a:t> </a:t>
+            </a:r>
+            <a:r>
+              <a:rPr lang="de-DE" dirty="0" err="1" smtClean="0"/>
+              <a:t>documentation</a:t>
+            </a:r>
+            <a:r>
+              <a:rPr lang="de-DE" dirty="0" smtClean="0"/>
+              <a:t> </a:t>
+            </a:r>
+            <a:r>
+              <a:rPr lang="de-DE" dirty="0" err="1" smtClean="0"/>
+              <a:t>is</a:t>
+            </a:r>
+            <a:r>
+              <a:rPr lang="de-DE" dirty="0" smtClean="0"/>
+              <a:t> </a:t>
+            </a:r>
+            <a:r>
+              <a:rPr lang="de-DE" dirty="0" err="1" smtClean="0"/>
+              <a:t>available</a:t>
+            </a:r>
+            <a:r>
+              <a:rPr lang="de-DE" dirty="0" smtClean="0"/>
+              <a:t> online</a:t>
+            </a:r>
+          </a:p>
+          <a:p>
+            <a:pPr marL="537750" lvl="2" indent="-285750">
+              <a:buFont typeface="Arial" panose="020B0604020202020204" pitchFamily="34" charset="0"/>
+              <a:buChar char="•"/>
+            </a:pPr>
+            <a:r>
+              <a:rPr lang="de-DE" dirty="0" smtClean="0"/>
+              <a:t>The </a:t>
+            </a:r>
+            <a:r>
+              <a:rPr lang="de-DE" dirty="0" err="1" smtClean="0"/>
+              <a:t>focus</a:t>
+            </a:r>
+            <a:r>
+              <a:rPr lang="de-DE" dirty="0" smtClean="0"/>
+              <a:t> </a:t>
+            </a:r>
+            <a:r>
+              <a:rPr lang="de-DE" dirty="0" err="1" smtClean="0"/>
+              <a:t>should</a:t>
+            </a:r>
+            <a:r>
+              <a:rPr lang="de-DE" dirty="0" smtClean="0"/>
+              <a:t> </a:t>
+            </a:r>
+            <a:r>
+              <a:rPr lang="de-DE" dirty="0" err="1" smtClean="0"/>
+              <a:t>lie</a:t>
+            </a:r>
+            <a:r>
+              <a:rPr lang="de-DE" dirty="0" smtClean="0"/>
+              <a:t> </a:t>
+            </a:r>
+            <a:r>
+              <a:rPr lang="de-DE" dirty="0" err="1" smtClean="0"/>
+              <a:t>more</a:t>
+            </a:r>
+            <a:r>
+              <a:rPr lang="de-DE" dirty="0" smtClean="0"/>
+              <a:t> on </a:t>
+            </a:r>
+            <a:r>
+              <a:rPr lang="de-DE" dirty="0" err="1" smtClean="0"/>
+              <a:t>optimizing</a:t>
+            </a:r>
+            <a:r>
+              <a:rPr lang="de-DE" dirty="0" smtClean="0"/>
+              <a:t> </a:t>
+            </a:r>
+            <a:r>
+              <a:rPr lang="de-DE" dirty="0" err="1" smtClean="0"/>
+              <a:t>models</a:t>
+            </a:r>
+            <a:r>
+              <a:rPr lang="de-DE" dirty="0" smtClean="0"/>
+              <a:t> </a:t>
+            </a:r>
+            <a:r>
+              <a:rPr lang="de-DE" dirty="0" err="1" smtClean="0"/>
+              <a:t>for</a:t>
+            </a:r>
+            <a:r>
+              <a:rPr lang="de-DE" dirty="0" smtClean="0"/>
+              <a:t> a </a:t>
+            </a:r>
+            <a:r>
+              <a:rPr lang="de-DE" dirty="0" err="1" smtClean="0"/>
+              <a:t>given</a:t>
+            </a:r>
+            <a:r>
+              <a:rPr lang="de-DE" dirty="0" smtClean="0"/>
+              <a:t> </a:t>
+            </a:r>
+            <a:r>
+              <a:rPr lang="de-DE" dirty="0" err="1" smtClean="0"/>
+              <a:t>task</a:t>
+            </a:r>
+            <a:endParaRPr lang="de-DE" dirty="0"/>
+          </a:p>
+        </p:txBody>
+      </p:sp>
+    </p:spTree>
+    <p:extLst>
+      <p:ext uri="{BB962C8B-B14F-4D97-AF65-F5344CB8AC3E}">
+        <p14:creationId xmlns:p14="http://schemas.microsoft.com/office/powerpoint/2010/main" val="4006073144"/>
+      </p:ext>
+    </p:extLst>
+  </p:cSld>
+  <p:clrMapOvr>
+    <a:masterClrMapping/>
+  </p:clrMapOvr>
+</p:sld>
+</file>
+
+<file path=ppt/slides/slide34.xml><?xml version="1.0" encoding="utf-8"?>
+<p:sld xmlns:a="http://schemas.openxmlformats.org/drawingml/2006/main" xmlns:r="http://schemas.openxmlformats.org/officeDocument/2006/relationships" xmlns:p="http://schemas.openxmlformats.org/presentationml/2006/main">
+  <p:cSld>
+    <p:spTree>
+      <p:nvGrpSpPr>
+        <p:cNvPr id="1" name=""/>
+        <p:cNvGrpSpPr/>
+        <p:nvPr/>
+      </p:nvGrpSpPr>
+      <p:grpSpPr>
+        <a:xfrm>
+          <a:off x="0" y="0"/>
+          <a:ext cx="0" cy="0"/>
+          <a:chOff x="0" y="0"/>
+          <a:chExt cx="0" cy="0"/>
+        </a:xfrm>
+      </p:grpSpPr>
+      <p:sp>
+        <p:nvSpPr>
+          <p:cNvPr id="4" name="Titel 3"/>
+          <p:cNvSpPr>
+            <a:spLocks noGrp="1"/>
+          </p:cNvSpPr>
+          <p:nvPr>
+            <p:ph type="title"/>
+          </p:nvPr>
+        </p:nvSpPr>
+        <p:spPr>
+          <a:xfrm>
+            <a:off x="882771" y="3835706"/>
+            <a:ext cx="6676508" cy="492443"/>
+          </a:xfrm>
+        </p:spPr>
+        <p:txBody>
+          <a:bodyPr/>
+          <a:lstStyle/>
+          <a:p>
+            <a:r>
+              <a:rPr lang="de-DE" dirty="0" err="1" smtClean="0"/>
+              <a:t>Thank</a:t>
+            </a:r>
+            <a:r>
+              <a:rPr lang="de-DE" dirty="0" smtClean="0"/>
+              <a:t> </a:t>
+            </a:r>
+            <a:r>
+              <a:rPr lang="de-DE" dirty="0" err="1" smtClean="0"/>
+              <a:t>you</a:t>
+            </a:r>
+            <a:r>
+              <a:rPr lang="de-DE" dirty="0" smtClean="0"/>
+              <a:t> all </a:t>
+            </a:r>
+            <a:r>
+              <a:rPr lang="de-DE" dirty="0" err="1" smtClean="0"/>
+              <a:t>for</a:t>
+            </a:r>
+            <a:r>
+              <a:rPr lang="de-DE" dirty="0" smtClean="0"/>
+              <a:t> </a:t>
+            </a:r>
+            <a:r>
+              <a:rPr lang="de-DE" dirty="0" err="1" smtClean="0"/>
+              <a:t>your</a:t>
+            </a:r>
+            <a:r>
+              <a:rPr lang="de-DE" dirty="0" smtClean="0"/>
+              <a:t> </a:t>
+            </a:r>
+            <a:r>
+              <a:rPr lang="de-DE" dirty="0" err="1" smtClean="0"/>
+              <a:t>attention</a:t>
+            </a:r>
+            <a:r>
+              <a:rPr lang="de-DE" dirty="0" smtClean="0"/>
+              <a:t>!</a:t>
+            </a:r>
+            <a:endParaRPr lang="de-DE" dirty="0"/>
+          </a:p>
+        </p:txBody>
+      </p:sp>
+      <p:sp>
+        <p:nvSpPr>
+          <p:cNvPr id="5" name="Textplatzhalter 4"/>
+          <p:cNvSpPr>
+            <a:spLocks noGrp="1"/>
+          </p:cNvSpPr>
+          <p:nvPr>
+            <p:ph type="body" sz="quarter" idx="12"/>
+          </p:nvPr>
+        </p:nvSpPr>
+        <p:spPr>
+          <a:xfrm>
+            <a:off x="882770" y="4375609"/>
+            <a:ext cx="6343083" cy="492443"/>
+          </a:xfrm>
+        </p:spPr>
+        <p:txBody>
+          <a:bodyPr/>
+          <a:lstStyle/>
+          <a:p>
+            <a:r>
+              <a:rPr lang="de-DE" dirty="0" smtClean="0"/>
+              <a:t>I am open </a:t>
+            </a:r>
+            <a:r>
+              <a:rPr lang="de-DE" dirty="0" err="1" smtClean="0"/>
+              <a:t>for</a:t>
+            </a:r>
+            <a:r>
+              <a:rPr lang="de-DE" dirty="0" smtClean="0"/>
+              <a:t> </a:t>
+            </a:r>
+            <a:r>
+              <a:rPr lang="de-DE" dirty="0" err="1" smtClean="0"/>
+              <a:t>further</a:t>
+            </a:r>
+            <a:r>
+              <a:rPr lang="de-DE" dirty="0" smtClean="0"/>
+              <a:t> </a:t>
+            </a:r>
+            <a:r>
+              <a:rPr lang="de-DE" dirty="0" err="1" smtClean="0"/>
+              <a:t>discussions</a:t>
+            </a:r>
+            <a:endParaRPr lang="de-DE" dirty="0"/>
+          </a:p>
+        </p:txBody>
+      </p:sp>
+    </p:spTree>
+    <p:extLst>
+      <p:ext uri="{BB962C8B-B14F-4D97-AF65-F5344CB8AC3E}">
+        <p14:creationId xmlns:p14="http://schemas.microsoft.com/office/powerpoint/2010/main" val="3869648313"/>
+      </p:ext>
+    </p:extLst>
+  </p:cSld>
+  <p:clrMapOvr>
+    <a:masterClrMapping/>
+  </p:clrMapOvr>
+</p:sld>
+</file>
+
+<file path=ppt/slides/slide35.xml><?xml version="1.0" encoding="utf-8"?>
+<p:sld xmlns:a="http://schemas.openxmlformats.org/drawingml/2006/main" xmlns:r="http://schemas.openxmlformats.org/officeDocument/2006/relationships" xmlns:p="http://schemas.openxmlformats.org/presentationml/2006/main">
+  <p:cSld>
+    <p:spTree>
+      <p:nvGrpSpPr>
+        <p:cNvPr id="1" name=""/>
+        <p:cNvGrpSpPr/>
+        <p:nvPr/>
+      </p:nvGrpSpPr>
+      <p:grpSpPr>
+        <a:xfrm>
+          <a:off x="0" y="0"/>
+          <a:ext cx="0" cy="0"/>
+          <a:chOff x="0" y="0"/>
+          <a:chExt cx="0" cy="0"/>
+        </a:xfrm>
+      </p:grpSpPr>
+      <p:sp>
+        <p:nvSpPr>
+          <p:cNvPr id="4" name="Titel 3"/>
+          <p:cNvSpPr>
+            <a:spLocks noGrp="1"/>
+          </p:cNvSpPr>
+          <p:nvPr>
+            <p:ph type="title"/>
+          </p:nvPr>
+        </p:nvSpPr>
+        <p:spPr/>
+        <p:txBody>
+          <a:bodyPr/>
+          <a:lstStyle/>
+          <a:p>
+            <a:r>
+              <a:rPr lang="de-DE" dirty="0" smtClean="0"/>
+              <a:t>References</a:t>
+            </a:r>
+            <a:endParaRPr lang="de-DE" dirty="0"/>
+          </a:p>
+        </p:txBody>
+      </p:sp>
+      <p:sp>
+        <p:nvSpPr>
+          <p:cNvPr id="5" name="Inhaltsplatzhalter 4"/>
+          <p:cNvSpPr>
+            <a:spLocks noGrp="1"/>
+          </p:cNvSpPr>
+          <p:nvPr>
+            <p:ph sz="quarter" idx="10"/>
+          </p:nvPr>
+        </p:nvSpPr>
+        <p:spPr/>
+        <p:txBody>
+          <a:bodyPr/>
+          <a:lstStyle/>
+          <a:p>
+            <a:r>
+              <a:rPr lang="en-US" sz="1100" dirty="0"/>
+              <a:t>J. Dean, D. Patterson and C. Young, "A New Golden Age in Computer Architecture: Empowering the Machine-Learning Revolution," in </a:t>
+            </a:r>
+            <a:r>
+              <a:rPr lang="en-US" sz="1100" i="1" dirty="0"/>
+              <a:t>IEEE Micro</a:t>
+            </a:r>
+            <a:r>
+              <a:rPr lang="en-US" sz="1100" dirty="0"/>
+              <a:t>, vol. 38, no. 2, pp. 21-29, Mar./Apr. 2018, </a:t>
+            </a:r>
+            <a:r>
+              <a:rPr lang="en-US" sz="1100" dirty="0" err="1"/>
+              <a:t>doi</a:t>
+            </a:r>
+            <a:r>
+              <a:rPr lang="en-US" sz="1100" dirty="0"/>
+              <a:t>: 10.1109/MM.2018.112130030.</a:t>
+            </a:r>
+            <a:endParaRPr lang="de-DE" sz="1100" dirty="0"/>
+          </a:p>
+          <a:p>
+            <a:r>
+              <a:rPr lang="en-US" sz="1100" dirty="0"/>
+              <a:t>Yang, J., Shi, R., Wei, D. </a:t>
+            </a:r>
+            <a:r>
+              <a:rPr lang="en-US" sz="1100" i="1" dirty="0"/>
+              <a:t>et al.</a:t>
+            </a:r>
+            <a:r>
+              <a:rPr lang="en-US" sz="1100" dirty="0"/>
+              <a:t> </a:t>
+            </a:r>
+            <a:r>
+              <a:rPr lang="en-US" sz="1100" dirty="0" err="1"/>
+              <a:t>MedMNIST</a:t>
+            </a:r>
+            <a:r>
+              <a:rPr lang="en-US" sz="1100" dirty="0"/>
+              <a:t> v2 - A large-scale lightweight benchmark for 2D and 3D biomedical image classification. </a:t>
+            </a:r>
+            <a:r>
+              <a:rPr lang="en-US" sz="1100" i="1" dirty="0" err="1"/>
+              <a:t>Sci</a:t>
+            </a:r>
+            <a:r>
+              <a:rPr lang="en-US" sz="1100" i="1" dirty="0"/>
+              <a:t> Data</a:t>
+            </a:r>
+            <a:r>
+              <a:rPr lang="en-US" sz="1100" dirty="0"/>
+              <a:t> 10, 41 (2023). https://doi.org/10.1038/s41597-022-01721-8</a:t>
+            </a:r>
+            <a:endParaRPr lang="de-DE" sz="1100" dirty="0"/>
+          </a:p>
+          <a:p>
+            <a:r>
+              <a:rPr lang="en-US" sz="1100" dirty="0" err="1"/>
+              <a:t>Ringnér</a:t>
+            </a:r>
+            <a:r>
+              <a:rPr lang="en-US" sz="1100" dirty="0"/>
+              <a:t>, M. What is principal component analysis?. </a:t>
+            </a:r>
+            <a:r>
+              <a:rPr lang="en-US" sz="1100" i="1" dirty="0"/>
+              <a:t>Nat </a:t>
+            </a:r>
+            <a:r>
+              <a:rPr lang="en-US" sz="1100" i="1" dirty="0" err="1"/>
+              <a:t>Biotechnol</a:t>
+            </a:r>
+            <a:r>
+              <a:rPr lang="en-US" sz="1100" dirty="0"/>
+              <a:t> 26, 303–304 (2008). https://doi.org/10.1038/nbt0308-303</a:t>
+            </a:r>
+          </a:p>
+          <a:p>
+            <a:r>
+              <a:rPr lang="en-US" sz="1100" dirty="0" err="1"/>
+              <a:t>Paszke</a:t>
+            </a:r>
+            <a:r>
+              <a:rPr lang="en-US" sz="1100" dirty="0"/>
+              <a:t>, Adam, et al. "</a:t>
+            </a:r>
+            <a:r>
+              <a:rPr lang="en-US" sz="1100" dirty="0" err="1"/>
+              <a:t>Pytorch</a:t>
+            </a:r>
+            <a:r>
+              <a:rPr lang="en-US" sz="1100" dirty="0"/>
+              <a:t>: An imperative style, high-performance deep learning library." </a:t>
+            </a:r>
+            <a:r>
+              <a:rPr lang="en-US" sz="1100" i="1" dirty="0"/>
+              <a:t>Advances in neural information processing systems</a:t>
+            </a:r>
+            <a:r>
+              <a:rPr lang="en-US" sz="1100" dirty="0"/>
+              <a:t> 32 (2019).</a:t>
+            </a:r>
+          </a:p>
+          <a:p>
+            <a:r>
+              <a:rPr lang="en-US" sz="1100" dirty="0" err="1"/>
+              <a:t>Pedregosa</a:t>
+            </a:r>
+            <a:r>
+              <a:rPr lang="en-US" sz="1100" dirty="0"/>
+              <a:t>, Fabian, et al. "</a:t>
+            </a:r>
+            <a:r>
+              <a:rPr lang="en-US" sz="1100" dirty="0" err="1"/>
+              <a:t>Scikit</a:t>
+            </a:r>
+            <a:r>
+              <a:rPr lang="en-US" sz="1100" dirty="0"/>
+              <a:t>-learn: Machine learning in Python." </a:t>
+            </a:r>
+            <a:r>
+              <a:rPr lang="en-US" sz="1100" i="1" dirty="0"/>
+              <a:t>the Journal of machine Learning research</a:t>
+            </a:r>
+            <a:r>
+              <a:rPr lang="en-US" sz="1100" dirty="0"/>
+              <a:t> 12 (2011): 2825-2830.</a:t>
+            </a:r>
+          </a:p>
+          <a:p>
+            <a:r>
+              <a:rPr lang="de-DE" sz="1100" dirty="0"/>
+              <a:t>Abadi, Martín, et al. "{</a:t>
+            </a:r>
+            <a:r>
+              <a:rPr lang="de-DE" sz="1100" dirty="0" err="1"/>
+              <a:t>TensorFlow</a:t>
+            </a:r>
+            <a:r>
+              <a:rPr lang="de-DE" sz="1100" dirty="0"/>
+              <a:t>}: a </a:t>
+            </a:r>
+            <a:r>
+              <a:rPr lang="de-DE" sz="1100" dirty="0" err="1"/>
+              <a:t>system</a:t>
+            </a:r>
+            <a:r>
+              <a:rPr lang="de-DE" sz="1100" dirty="0"/>
+              <a:t> </a:t>
+            </a:r>
+            <a:r>
+              <a:rPr lang="de-DE" sz="1100" dirty="0" err="1"/>
+              <a:t>for</a:t>
+            </a:r>
+            <a:r>
+              <a:rPr lang="de-DE" sz="1100" dirty="0"/>
+              <a:t> {Large-</a:t>
+            </a:r>
+            <a:r>
+              <a:rPr lang="de-DE" sz="1100" dirty="0" err="1"/>
+              <a:t>Scale</a:t>
+            </a:r>
+            <a:r>
+              <a:rPr lang="de-DE" sz="1100" dirty="0"/>
+              <a:t>} </a:t>
+            </a:r>
+            <a:r>
+              <a:rPr lang="de-DE" sz="1100" dirty="0" err="1"/>
+              <a:t>machine</a:t>
+            </a:r>
+            <a:r>
+              <a:rPr lang="de-DE" sz="1100" dirty="0"/>
+              <a:t> </a:t>
+            </a:r>
+            <a:r>
+              <a:rPr lang="de-DE" sz="1100" dirty="0" err="1"/>
+              <a:t>learning</a:t>
+            </a:r>
+            <a:r>
+              <a:rPr lang="de-DE" sz="1100" dirty="0"/>
+              <a:t>." </a:t>
+            </a:r>
+            <a:r>
+              <a:rPr lang="de-DE" sz="1100" i="1" dirty="0"/>
+              <a:t>12th USENIX </a:t>
+            </a:r>
+            <a:r>
+              <a:rPr lang="de-DE" sz="1100" i="1" dirty="0" err="1"/>
+              <a:t>symposium</a:t>
+            </a:r>
+            <a:r>
+              <a:rPr lang="de-DE" sz="1100" i="1" dirty="0"/>
+              <a:t> on </a:t>
+            </a:r>
+            <a:r>
+              <a:rPr lang="de-DE" sz="1100" i="1" dirty="0" err="1"/>
+              <a:t>operating</a:t>
+            </a:r>
+            <a:r>
+              <a:rPr lang="de-DE" sz="1100" i="1" dirty="0"/>
+              <a:t> </a:t>
+            </a:r>
+            <a:r>
+              <a:rPr lang="de-DE" sz="1100" i="1" dirty="0" err="1"/>
+              <a:t>systems</a:t>
+            </a:r>
+            <a:r>
+              <a:rPr lang="de-DE" sz="1100" i="1" dirty="0"/>
+              <a:t> design and </a:t>
+            </a:r>
+            <a:r>
+              <a:rPr lang="de-DE" sz="1100" i="1" dirty="0" err="1"/>
+              <a:t>implementation</a:t>
+            </a:r>
+            <a:r>
+              <a:rPr lang="de-DE" sz="1100" i="1" dirty="0"/>
+              <a:t> (OSDI 16)</a:t>
+            </a:r>
+            <a:r>
+              <a:rPr lang="de-DE" sz="1100" dirty="0"/>
+              <a:t>. 2016.</a:t>
+            </a:r>
+          </a:p>
+          <a:p>
+            <a:r>
+              <a:rPr lang="de-DE" sz="1100" dirty="0" err="1"/>
+              <a:t>Gu</a:t>
+            </a:r>
+            <a:r>
+              <a:rPr lang="de-DE" sz="1100" dirty="0"/>
+              <a:t>, </a:t>
+            </a:r>
+            <a:r>
+              <a:rPr lang="de-DE" sz="1100" dirty="0" err="1"/>
+              <a:t>Jiuxiang</a:t>
+            </a:r>
+            <a:r>
+              <a:rPr lang="de-DE" sz="1100" dirty="0"/>
+              <a:t>, et al. "</a:t>
+            </a:r>
+            <a:r>
+              <a:rPr lang="de-DE" sz="1100" dirty="0" err="1"/>
+              <a:t>Recent</a:t>
+            </a:r>
+            <a:r>
+              <a:rPr lang="de-DE" sz="1100" dirty="0"/>
+              <a:t> </a:t>
+            </a:r>
+            <a:r>
+              <a:rPr lang="de-DE" sz="1100" dirty="0" err="1"/>
+              <a:t>advances</a:t>
+            </a:r>
+            <a:r>
+              <a:rPr lang="de-DE" sz="1100" dirty="0"/>
+              <a:t> in </a:t>
+            </a:r>
+            <a:r>
+              <a:rPr lang="de-DE" sz="1100" dirty="0" err="1"/>
+              <a:t>convolutional</a:t>
+            </a:r>
+            <a:r>
+              <a:rPr lang="de-DE" sz="1100" dirty="0"/>
+              <a:t> </a:t>
+            </a:r>
+            <a:r>
+              <a:rPr lang="de-DE" sz="1100" dirty="0" err="1"/>
+              <a:t>neural</a:t>
+            </a:r>
+            <a:r>
+              <a:rPr lang="de-DE" sz="1100" dirty="0"/>
+              <a:t> </a:t>
+            </a:r>
+            <a:r>
+              <a:rPr lang="de-DE" sz="1100" dirty="0" err="1"/>
+              <a:t>networks</a:t>
+            </a:r>
+            <a:r>
+              <a:rPr lang="de-DE" sz="1100" dirty="0"/>
+              <a:t>." </a:t>
+            </a:r>
+            <a:r>
+              <a:rPr lang="de-DE" sz="1100" i="1" dirty="0"/>
+              <a:t>Pattern </a:t>
+            </a:r>
+            <a:r>
+              <a:rPr lang="de-DE" sz="1100" i="1" dirty="0" err="1"/>
+              <a:t>recognition</a:t>
+            </a:r>
+            <a:r>
+              <a:rPr lang="de-DE" sz="1100" dirty="0"/>
+              <a:t> 77 (2018): 354-377</a:t>
+            </a:r>
+            <a:r>
+              <a:rPr lang="de-DE" sz="1100" dirty="0" smtClean="0"/>
+              <a:t>.</a:t>
+            </a:r>
+          </a:p>
+          <a:p>
+            <a:r>
+              <a:rPr lang="en-US" sz="1100" dirty="0" err="1"/>
+              <a:t>Hochreiter</a:t>
+            </a:r>
+            <a:r>
+              <a:rPr lang="en-US" sz="1100" dirty="0"/>
+              <a:t>, Sepp, and Jürgen </a:t>
+            </a:r>
+            <a:r>
+              <a:rPr lang="en-US" sz="1100" dirty="0" err="1"/>
+              <a:t>Schmidhuber</a:t>
+            </a:r>
+            <a:r>
+              <a:rPr lang="en-US" sz="1100" dirty="0"/>
+              <a:t>. "Long short-term memory." </a:t>
+            </a:r>
+            <a:r>
+              <a:rPr lang="en-US" sz="1100" i="1" dirty="0"/>
+              <a:t>Neural computation</a:t>
+            </a:r>
+            <a:r>
+              <a:rPr lang="en-US" sz="1100" dirty="0"/>
+              <a:t> 9.8 (1997): 1735-1780.</a:t>
+            </a:r>
+          </a:p>
+          <a:p>
+            <a:r>
+              <a:rPr lang="en-US" sz="1100" dirty="0"/>
+              <a:t>Graves, Alex, and Alex Graves. "Long short-term memory." </a:t>
+            </a:r>
+            <a:r>
+              <a:rPr lang="en-US" sz="1100" i="1" dirty="0"/>
+              <a:t>Supervised sequence labelling with recurrent neural networks</a:t>
+            </a:r>
+            <a:r>
+              <a:rPr lang="en-US" sz="1100" dirty="0"/>
+              <a:t> (2012): 37-45</a:t>
+            </a:r>
+            <a:r>
+              <a:rPr lang="en-US" sz="1100" dirty="0" smtClean="0"/>
+              <a:t>.</a:t>
+            </a:r>
+            <a:endParaRPr lang="de-DE" sz="1100" dirty="0"/>
+          </a:p>
+        </p:txBody>
+      </p:sp>
+    </p:spTree>
+    <p:extLst>
+      <p:ext uri="{BB962C8B-B14F-4D97-AF65-F5344CB8AC3E}">
+        <p14:creationId xmlns:p14="http://schemas.microsoft.com/office/powerpoint/2010/main" val="993571247"/>
+      </p:ext>
+    </p:extLst>
+  </p:cSld>
+  <p:clrMapOvr>
+    <a:masterClrMapping/>
+  </p:clrMapOvr>
+</p:sld>
+</file>
+
+<file path=ppt/slides/slide4.xml><?xml version="1.0" encoding="utf-8"?>
 <p:sld xmlns:a="http://schemas.openxmlformats.org/drawingml/2006/main" xmlns:r="http://schemas.openxmlformats.org/officeDocument/2006/relationships" xmlns:p="http://schemas.openxmlformats.org/presentationml/2006/main">
   <p:cSld>
     <p:spTree>
@@ -26280,3083 +30767,17 @@
   <p:clrMapOvr>
     <a:masterClrMapping/>
   </p:clrMapOvr>
+  <p:timing>
+    <p:tnLst>
+      <p:par>
+        <p:cTn id="1" dur="indefinite" restart="never" nodeType="tmRoot"/>
+      </p:par>
+    </p:tnLst>
+  </p:timing>
 </p:sld>
 </file>
 
-<file path=ppt/slides/slide30.xml><?xml version="1.0" encoding="utf-8"?>
-<p:sld xmlns:a="http://schemas.openxmlformats.org/drawingml/2006/main" xmlns:r="http://schemas.openxmlformats.org/officeDocument/2006/relationships" xmlns:p="http://schemas.openxmlformats.org/presentationml/2006/main">
-  <p:cSld>
-    <p:spTree>
-      <p:nvGrpSpPr>
-        <p:cNvPr id="1" name=""/>
-        <p:cNvGrpSpPr/>
-        <p:nvPr/>
-      </p:nvGrpSpPr>
-      <p:grpSpPr>
-        <a:xfrm>
-          <a:off x="0" y="0"/>
-          <a:ext cx="0" cy="0"/>
-          <a:chOff x="0" y="0"/>
-          <a:chExt cx="0" cy="0"/>
-        </a:xfrm>
-      </p:grpSpPr>
-      <p:sp>
-        <p:nvSpPr>
-          <p:cNvPr id="8" name="Titel 7"/>
-          <p:cNvSpPr>
-            <a:spLocks noGrp="1"/>
-          </p:cNvSpPr>
-          <p:nvPr>
-            <p:ph type="title"/>
-          </p:nvPr>
-        </p:nvSpPr>
-        <p:spPr/>
-        <p:txBody>
-          <a:bodyPr/>
-          <a:lstStyle/>
-          <a:p>
-            <a:r>
-              <a:rPr lang="de-DE" dirty="0"/>
-              <a:t>Image </a:t>
-            </a:r>
-            <a:r>
-              <a:rPr lang="de-DE" dirty="0" err="1"/>
-              <a:t>classification</a:t>
-            </a:r>
-            <a:r>
-              <a:rPr lang="de-DE" dirty="0"/>
-              <a:t/>
-            </a:r>
-            <a:br>
-              <a:rPr lang="de-DE" dirty="0"/>
-            </a:br>
-            <a:r>
-              <a:rPr lang="de-DE" b="0" dirty="0" err="1"/>
-              <a:t>Convolutional</a:t>
-            </a:r>
-            <a:r>
-              <a:rPr lang="de-DE" b="0" dirty="0"/>
-              <a:t> Neural Network (CNN)</a:t>
-            </a:r>
-            <a:endParaRPr lang="de-DE" dirty="0"/>
-          </a:p>
-        </p:txBody>
-      </p:sp>
-      <p:sp>
-        <p:nvSpPr>
-          <p:cNvPr id="11" name="Inhaltsplatzhalter 10"/>
-          <p:cNvSpPr>
-            <a:spLocks noGrp="1"/>
-          </p:cNvSpPr>
-          <p:nvPr>
-            <p:ph sz="quarter" idx="10"/>
-          </p:nvPr>
-        </p:nvSpPr>
-        <p:spPr/>
-        <p:txBody>
-          <a:bodyPr/>
-          <a:lstStyle/>
-          <a:p>
-            <a:pPr marL="285750" indent="-285750">
-              <a:buFont typeface="Arial" panose="020B0604020202020204" pitchFamily="34" charset="0"/>
-              <a:buChar char="•"/>
-            </a:pPr>
-            <a:r>
-              <a:rPr lang="de-DE" dirty="0"/>
-              <a:t>The </a:t>
-            </a:r>
-            <a:r>
-              <a:rPr lang="de-DE" dirty="0" err="1"/>
-              <a:t>Convolutional</a:t>
-            </a:r>
-            <a:r>
-              <a:rPr lang="de-DE" dirty="0"/>
-              <a:t> Neural Network (CNN) </a:t>
-            </a:r>
-            <a:r>
-              <a:rPr lang="de-DE" dirty="0" err="1"/>
-              <a:t>is</a:t>
-            </a:r>
-            <a:r>
-              <a:rPr lang="de-DE" dirty="0"/>
-              <a:t> a </a:t>
-            </a:r>
-            <a:r>
-              <a:rPr lang="de-DE" dirty="0" err="1"/>
-              <a:t>special</a:t>
-            </a:r>
-            <a:r>
-              <a:rPr lang="de-DE" dirty="0"/>
-              <a:t> </a:t>
-            </a:r>
-            <a:r>
-              <a:rPr lang="de-DE" dirty="0" err="1"/>
-              <a:t>kind</a:t>
-            </a:r>
-            <a:r>
-              <a:rPr lang="de-DE" dirty="0"/>
-              <a:t> of </a:t>
-            </a:r>
-            <a:r>
-              <a:rPr lang="de-DE" dirty="0" err="1"/>
-              <a:t>feed</a:t>
-            </a:r>
-            <a:r>
-              <a:rPr lang="de-DE" dirty="0"/>
-              <a:t>-forward </a:t>
-            </a:r>
-            <a:r>
-              <a:rPr lang="de-DE" dirty="0" err="1"/>
-              <a:t>neural</a:t>
-            </a:r>
-            <a:r>
-              <a:rPr lang="de-DE" dirty="0"/>
-              <a:t> </a:t>
-            </a:r>
-            <a:r>
-              <a:rPr lang="de-DE" dirty="0" err="1"/>
-              <a:t>network</a:t>
-            </a:r>
-            <a:endParaRPr lang="de-DE" dirty="0"/>
-          </a:p>
-          <a:p>
-            <a:pPr marL="285750" indent="-285750">
-              <a:buFont typeface="Arial" panose="020B0604020202020204" pitchFamily="34" charset="0"/>
-              <a:buChar char="•"/>
-            </a:pPr>
-            <a:r>
-              <a:rPr lang="de-DE" dirty="0"/>
-              <a:t>Building </a:t>
-            </a:r>
-            <a:r>
-              <a:rPr lang="de-DE" dirty="0" err="1"/>
-              <a:t>blocks</a:t>
-            </a:r>
-            <a:r>
-              <a:rPr lang="de-DE" dirty="0"/>
-              <a:t>:</a:t>
-            </a:r>
-          </a:p>
-          <a:p>
-            <a:pPr marL="537750" lvl="2" indent="-285750">
-              <a:buFont typeface="Arial" panose="020B0604020202020204" pitchFamily="34" charset="0"/>
-              <a:buChar char="•"/>
-            </a:pPr>
-            <a:r>
-              <a:rPr lang="de-DE" dirty="0" err="1"/>
-              <a:t>Convolutional</a:t>
-            </a:r>
-            <a:r>
-              <a:rPr lang="de-DE" dirty="0"/>
-              <a:t> </a:t>
-            </a:r>
-            <a:r>
-              <a:rPr lang="de-DE" dirty="0" err="1"/>
-              <a:t>layers</a:t>
-            </a:r>
-            <a:r>
-              <a:rPr lang="de-DE" dirty="0"/>
-              <a:t>: </a:t>
-            </a:r>
-            <a:r>
-              <a:rPr lang="de-DE" dirty="0" err="1"/>
-              <a:t>convolve</a:t>
-            </a:r>
-            <a:r>
-              <a:rPr lang="de-DE" dirty="0"/>
-              <a:t> </a:t>
-            </a:r>
-            <a:r>
-              <a:rPr lang="de-DE" dirty="0" err="1"/>
-              <a:t>the</a:t>
-            </a:r>
-            <a:r>
-              <a:rPr lang="de-DE" dirty="0"/>
-              <a:t> </a:t>
-            </a:r>
-            <a:r>
-              <a:rPr lang="de-DE" dirty="0" err="1"/>
-              <a:t>input</a:t>
-            </a:r>
-            <a:r>
-              <a:rPr lang="de-DE" dirty="0"/>
-              <a:t> </a:t>
-            </a:r>
-            <a:r>
-              <a:rPr lang="de-DE" dirty="0" err="1"/>
-              <a:t>to</a:t>
-            </a:r>
-            <a:r>
-              <a:rPr lang="de-DE" dirty="0"/>
-              <a:t> </a:t>
-            </a:r>
-            <a:r>
-              <a:rPr lang="de-DE" dirty="0" err="1"/>
-              <a:t>feature</a:t>
-            </a:r>
-            <a:r>
-              <a:rPr lang="de-DE" dirty="0"/>
-              <a:t> </a:t>
-            </a:r>
-            <a:r>
-              <a:rPr lang="de-DE" dirty="0" err="1"/>
-              <a:t>maps</a:t>
-            </a:r>
-            <a:endParaRPr lang="de-DE" dirty="0"/>
-          </a:p>
-          <a:p>
-            <a:pPr marL="537750" lvl="2" indent="-285750">
-              <a:buFont typeface="Arial" panose="020B0604020202020204" pitchFamily="34" charset="0"/>
-              <a:buChar char="•"/>
-            </a:pPr>
-            <a:r>
-              <a:rPr lang="de-DE" dirty="0"/>
-              <a:t>Pooling </a:t>
-            </a:r>
-            <a:r>
-              <a:rPr lang="de-DE" dirty="0" err="1"/>
-              <a:t>layers</a:t>
-            </a:r>
-            <a:r>
-              <a:rPr lang="de-DE" dirty="0"/>
-              <a:t>: </a:t>
-            </a:r>
-            <a:r>
-              <a:rPr lang="de-DE" dirty="0" err="1"/>
-              <a:t>reduce</a:t>
-            </a:r>
-            <a:r>
-              <a:rPr lang="de-DE" dirty="0"/>
-              <a:t> </a:t>
-            </a:r>
-            <a:r>
-              <a:rPr lang="de-DE" dirty="0" err="1"/>
-              <a:t>the</a:t>
-            </a:r>
-            <a:r>
-              <a:rPr lang="de-DE" dirty="0"/>
-              <a:t> </a:t>
-            </a:r>
-            <a:r>
-              <a:rPr lang="de-DE" dirty="0" err="1"/>
-              <a:t>dimensionality</a:t>
-            </a:r>
-            <a:r>
-              <a:rPr lang="de-DE" dirty="0"/>
-              <a:t> </a:t>
-            </a:r>
-            <a:r>
-              <a:rPr lang="de-DE" dirty="0" err="1"/>
-              <a:t>by</a:t>
-            </a:r>
-            <a:r>
-              <a:rPr lang="de-DE" dirty="0"/>
-              <a:t> </a:t>
-            </a:r>
-            <a:r>
-              <a:rPr lang="de-DE" dirty="0" err="1"/>
-              <a:t>combining</a:t>
-            </a:r>
-            <a:r>
-              <a:rPr lang="de-DE" dirty="0"/>
-              <a:t> </a:t>
-            </a:r>
-            <a:r>
-              <a:rPr lang="de-DE" dirty="0" err="1"/>
-              <a:t>neighboured</a:t>
-            </a:r>
-            <a:r>
-              <a:rPr lang="de-DE" dirty="0"/>
-              <a:t> </a:t>
-            </a:r>
-            <a:r>
-              <a:rPr lang="de-DE" dirty="0" err="1"/>
-              <a:t>elements</a:t>
-            </a:r>
-            <a:r>
-              <a:rPr lang="de-DE" dirty="0"/>
-              <a:t> of </a:t>
-            </a:r>
-            <a:r>
-              <a:rPr lang="de-DE" dirty="0" err="1"/>
-              <a:t>the</a:t>
-            </a:r>
-            <a:r>
-              <a:rPr lang="de-DE" dirty="0"/>
-              <a:t> </a:t>
-            </a:r>
-            <a:r>
-              <a:rPr lang="de-DE" dirty="0" err="1"/>
-              <a:t>feature</a:t>
-            </a:r>
-            <a:r>
-              <a:rPr lang="de-DE" dirty="0"/>
-              <a:t> </a:t>
-            </a:r>
-            <a:r>
-              <a:rPr lang="de-DE" dirty="0" err="1"/>
-              <a:t>maps</a:t>
-            </a:r>
-            <a:endParaRPr lang="de-DE" dirty="0"/>
-          </a:p>
-          <a:p>
-            <a:pPr marL="537750" lvl="2" indent="-285750">
-              <a:buFont typeface="Arial" panose="020B0604020202020204" pitchFamily="34" charset="0"/>
-              <a:buChar char="•"/>
-            </a:pPr>
-            <a:r>
-              <a:rPr lang="de-DE" dirty="0" err="1"/>
-              <a:t>Fully</a:t>
-            </a:r>
-            <a:r>
-              <a:rPr lang="de-DE" dirty="0"/>
-              <a:t> </a:t>
-            </a:r>
-            <a:r>
-              <a:rPr lang="de-DE" dirty="0" err="1"/>
-              <a:t>connected</a:t>
-            </a:r>
-            <a:r>
-              <a:rPr lang="de-DE" dirty="0"/>
-              <a:t> </a:t>
-            </a:r>
-            <a:r>
-              <a:rPr lang="de-DE" dirty="0" err="1"/>
-              <a:t>layer</a:t>
-            </a:r>
-            <a:r>
-              <a:rPr lang="de-DE" dirty="0"/>
-              <a:t>: Traditional MLP </a:t>
-            </a:r>
-            <a:r>
-              <a:rPr lang="de-DE" dirty="0" err="1"/>
-              <a:t>that</a:t>
-            </a:r>
-            <a:r>
-              <a:rPr lang="de-DE" dirty="0"/>
-              <a:t> </a:t>
-            </a:r>
-            <a:r>
-              <a:rPr lang="de-DE" dirty="0" err="1"/>
-              <a:t>connects</a:t>
-            </a:r>
-            <a:r>
-              <a:rPr lang="de-DE" dirty="0"/>
-              <a:t> </a:t>
-            </a:r>
-            <a:r>
-              <a:rPr lang="de-DE" dirty="0" err="1"/>
-              <a:t>the</a:t>
-            </a:r>
-            <a:r>
-              <a:rPr lang="de-DE" dirty="0"/>
-              <a:t> final </a:t>
-            </a:r>
-            <a:r>
-              <a:rPr lang="de-DE" dirty="0" err="1"/>
-              <a:t>feature</a:t>
-            </a:r>
-            <a:r>
-              <a:rPr lang="de-DE" dirty="0"/>
-              <a:t> </a:t>
-            </a:r>
-            <a:r>
-              <a:rPr lang="de-DE" dirty="0" err="1"/>
-              <a:t>maps</a:t>
-            </a:r>
-            <a:r>
-              <a:rPr lang="de-DE" dirty="0"/>
-              <a:t> </a:t>
-            </a:r>
-            <a:r>
-              <a:rPr lang="de-DE" dirty="0" err="1"/>
-              <a:t>to</a:t>
-            </a:r>
-            <a:r>
-              <a:rPr lang="de-DE" dirty="0"/>
-              <a:t> </a:t>
-            </a:r>
-            <a:r>
-              <a:rPr lang="de-DE" dirty="0" err="1"/>
-              <a:t>the</a:t>
-            </a:r>
-            <a:r>
-              <a:rPr lang="de-DE" dirty="0"/>
-              <a:t> (</a:t>
-            </a:r>
-            <a:r>
-              <a:rPr lang="de-DE" dirty="0" err="1"/>
-              <a:t>classification</a:t>
-            </a:r>
-            <a:r>
-              <a:rPr lang="de-DE" dirty="0"/>
-              <a:t>) </a:t>
-            </a:r>
-            <a:r>
-              <a:rPr lang="de-DE" dirty="0" err="1" smtClean="0"/>
-              <a:t>outputs</a:t>
-            </a:r>
-            <a:endParaRPr lang="de-DE" dirty="0"/>
-          </a:p>
-          <a:p>
-            <a:pPr marL="285750" indent="-285750">
-              <a:buFont typeface="Arial" panose="020B0604020202020204" pitchFamily="34" charset="0"/>
-              <a:buChar char="•"/>
-            </a:pPr>
-            <a:r>
-              <a:rPr lang="de-DE" dirty="0" smtClean="0"/>
-              <a:t>Advantages:</a:t>
-            </a:r>
-          </a:p>
-          <a:p>
-            <a:pPr marL="537750" lvl="2" indent="-285750">
-              <a:buFont typeface="Arial" panose="020B0604020202020204" pitchFamily="34" charset="0"/>
-              <a:buChar char="•"/>
-            </a:pPr>
-            <a:r>
-              <a:rPr lang="de-DE" dirty="0" smtClean="0"/>
-              <a:t>The </a:t>
-            </a:r>
-            <a:r>
-              <a:rPr lang="de-DE" dirty="0" err="1" smtClean="0"/>
-              <a:t>size</a:t>
-            </a:r>
-            <a:r>
-              <a:rPr lang="de-DE" dirty="0" smtClean="0"/>
-              <a:t> of </a:t>
-            </a:r>
-            <a:r>
-              <a:rPr lang="de-DE" dirty="0" err="1" smtClean="0"/>
-              <a:t>the</a:t>
-            </a:r>
-            <a:r>
-              <a:rPr lang="de-DE" dirty="0" smtClean="0"/>
-              <a:t> </a:t>
-            </a:r>
-            <a:r>
-              <a:rPr lang="de-DE" dirty="0" err="1" smtClean="0"/>
-              <a:t>kernels</a:t>
-            </a:r>
-            <a:r>
-              <a:rPr lang="de-DE" dirty="0" smtClean="0"/>
-              <a:t> </a:t>
-            </a:r>
-            <a:r>
-              <a:rPr lang="de-DE" dirty="0" err="1" smtClean="0"/>
-              <a:t>are</a:t>
-            </a:r>
-            <a:r>
-              <a:rPr lang="de-DE" dirty="0" smtClean="0"/>
-              <a:t> invariant </a:t>
-            </a:r>
-            <a:r>
-              <a:rPr lang="de-DE" dirty="0" err="1" smtClean="0"/>
-              <a:t>to</a:t>
-            </a:r>
-            <a:r>
-              <a:rPr lang="de-DE" dirty="0" smtClean="0"/>
-              <a:t> </a:t>
-            </a:r>
-            <a:r>
-              <a:rPr lang="de-DE" dirty="0" err="1" smtClean="0"/>
-              <a:t>the</a:t>
-            </a:r>
-            <a:r>
-              <a:rPr lang="de-DE" dirty="0" smtClean="0"/>
-              <a:t> </a:t>
-            </a:r>
-            <a:r>
-              <a:rPr lang="de-DE" dirty="0" err="1" smtClean="0"/>
-              <a:t>image</a:t>
-            </a:r>
-            <a:r>
-              <a:rPr lang="de-DE" dirty="0" smtClean="0"/>
-              <a:t> </a:t>
-            </a:r>
-            <a:r>
-              <a:rPr lang="de-DE" dirty="0" err="1" smtClean="0"/>
-              <a:t>size</a:t>
-            </a:r>
-            <a:r>
-              <a:rPr lang="de-DE" dirty="0" smtClean="0"/>
-              <a:t> </a:t>
-            </a:r>
-            <a:r>
-              <a:rPr lang="en-AE" dirty="0" smtClean="0"/>
-              <a:t>–</a:t>
-            </a:r>
-            <a:r>
-              <a:rPr lang="de-DE" dirty="0" smtClean="0"/>
-              <a:t> </a:t>
-            </a:r>
-            <a:r>
-              <a:rPr lang="de-DE" dirty="0" err="1" smtClean="0"/>
-              <a:t>allows</a:t>
-            </a:r>
-            <a:r>
-              <a:rPr lang="de-DE" dirty="0" smtClean="0"/>
-              <a:t> </a:t>
-            </a:r>
-            <a:r>
-              <a:rPr lang="de-DE" dirty="0" err="1" smtClean="0"/>
-              <a:t>for</a:t>
-            </a:r>
-            <a:r>
-              <a:rPr lang="de-DE" dirty="0" smtClean="0"/>
-              <a:t> </a:t>
-            </a:r>
-            <a:r>
-              <a:rPr lang="de-DE" dirty="0" err="1" smtClean="0"/>
-              <a:t>deeper</a:t>
-            </a:r>
-            <a:r>
-              <a:rPr lang="de-DE" dirty="0" smtClean="0"/>
-              <a:t> </a:t>
-            </a:r>
-            <a:r>
-              <a:rPr lang="de-DE" dirty="0" err="1" smtClean="0"/>
-              <a:t>architectures</a:t>
-            </a:r>
-            <a:endParaRPr lang="de-DE" dirty="0" smtClean="0"/>
-          </a:p>
-          <a:p>
-            <a:pPr marL="537750" lvl="2" indent="-285750">
-              <a:buFont typeface="Arial" panose="020B0604020202020204" pitchFamily="34" charset="0"/>
-              <a:buChar char="•"/>
-            </a:pPr>
-            <a:r>
-              <a:rPr lang="de-DE" dirty="0" smtClean="0"/>
-              <a:t>The </a:t>
-            </a:r>
-            <a:r>
-              <a:rPr lang="de-DE" dirty="0" err="1" smtClean="0"/>
-              <a:t>feature</a:t>
-            </a:r>
-            <a:r>
-              <a:rPr lang="de-DE" dirty="0" smtClean="0"/>
-              <a:t> </a:t>
-            </a:r>
-            <a:r>
-              <a:rPr lang="de-DE" dirty="0" err="1" smtClean="0"/>
-              <a:t>maps</a:t>
-            </a:r>
-            <a:r>
-              <a:rPr lang="de-DE" dirty="0" smtClean="0"/>
-              <a:t> </a:t>
-            </a:r>
-            <a:r>
-              <a:rPr lang="de-DE" dirty="0" err="1" smtClean="0"/>
-              <a:t>reduce</a:t>
-            </a:r>
-            <a:r>
-              <a:rPr lang="de-DE" dirty="0" smtClean="0"/>
-              <a:t> </a:t>
-            </a:r>
-            <a:r>
-              <a:rPr lang="de-DE" dirty="0" err="1" smtClean="0"/>
-              <a:t>the</a:t>
-            </a:r>
-            <a:r>
-              <a:rPr lang="de-DE" dirty="0" smtClean="0"/>
-              <a:t> </a:t>
-            </a:r>
-            <a:r>
-              <a:rPr lang="de-DE" dirty="0" err="1" smtClean="0"/>
-              <a:t>amount</a:t>
-            </a:r>
-            <a:r>
-              <a:rPr lang="de-DE" dirty="0" smtClean="0"/>
-              <a:t> of redundant </a:t>
-            </a:r>
-            <a:r>
-              <a:rPr lang="de-DE" dirty="0" err="1" smtClean="0"/>
-              <a:t>information</a:t>
-            </a:r>
-            <a:r>
-              <a:rPr lang="de-DE" dirty="0" smtClean="0"/>
-              <a:t> in </a:t>
-            </a:r>
-            <a:r>
-              <a:rPr lang="de-DE" dirty="0" err="1" smtClean="0"/>
-              <a:t>the</a:t>
-            </a:r>
-            <a:r>
-              <a:rPr lang="de-DE" dirty="0" smtClean="0"/>
-              <a:t> </a:t>
-            </a:r>
-            <a:r>
-              <a:rPr lang="de-DE" dirty="0" err="1" smtClean="0"/>
-              <a:t>image</a:t>
-            </a:r>
-            <a:endParaRPr lang="de-DE" dirty="0" smtClean="0"/>
-          </a:p>
-          <a:p>
-            <a:pPr marL="537750" lvl="2" indent="-285750">
-              <a:buFont typeface="Arial" panose="020B0604020202020204" pitchFamily="34" charset="0"/>
-              <a:buChar char="•"/>
-            </a:pPr>
-            <a:r>
-              <a:rPr lang="de-DE" dirty="0" err="1" smtClean="0"/>
-              <a:t>Less</a:t>
-            </a:r>
-            <a:r>
-              <a:rPr lang="de-DE" dirty="0" smtClean="0"/>
-              <a:t> </a:t>
-            </a:r>
-            <a:r>
-              <a:rPr lang="de-DE" dirty="0" err="1" smtClean="0"/>
-              <a:t>preprocessing</a:t>
-            </a:r>
-            <a:r>
-              <a:rPr lang="de-DE" dirty="0" smtClean="0"/>
-              <a:t> </a:t>
-            </a:r>
-            <a:r>
-              <a:rPr lang="de-DE" dirty="0" err="1" smtClean="0"/>
-              <a:t>required</a:t>
-            </a:r>
-            <a:r>
-              <a:rPr lang="de-DE" dirty="0" smtClean="0"/>
-              <a:t> </a:t>
-            </a:r>
-            <a:r>
-              <a:rPr lang="en-AE" dirty="0" smtClean="0"/>
-              <a:t>–</a:t>
-            </a:r>
-            <a:r>
-              <a:rPr lang="de-DE" dirty="0" smtClean="0"/>
-              <a:t> </a:t>
-            </a:r>
-            <a:r>
-              <a:rPr lang="de-DE" dirty="0" err="1" smtClean="0"/>
-              <a:t>image</a:t>
-            </a:r>
-            <a:r>
-              <a:rPr lang="de-DE" dirty="0" smtClean="0"/>
-              <a:t> </a:t>
-            </a:r>
-            <a:r>
-              <a:rPr lang="de-DE" dirty="0" err="1" smtClean="0"/>
-              <a:t>does</a:t>
-            </a:r>
-            <a:r>
-              <a:rPr lang="de-DE" dirty="0" smtClean="0"/>
-              <a:t> not </a:t>
-            </a:r>
-            <a:r>
-              <a:rPr lang="de-DE" dirty="0" err="1" smtClean="0"/>
-              <a:t>need</a:t>
-            </a:r>
-            <a:r>
-              <a:rPr lang="de-DE" dirty="0" smtClean="0"/>
-              <a:t> </a:t>
-            </a:r>
-            <a:r>
-              <a:rPr lang="de-DE" dirty="0" err="1" smtClean="0"/>
-              <a:t>to</a:t>
-            </a:r>
-            <a:r>
-              <a:rPr lang="de-DE" dirty="0" smtClean="0"/>
-              <a:t> </a:t>
-            </a:r>
-            <a:r>
-              <a:rPr lang="de-DE" dirty="0" err="1" smtClean="0"/>
-              <a:t>be</a:t>
-            </a:r>
-            <a:r>
-              <a:rPr lang="de-DE" dirty="0" smtClean="0"/>
-              <a:t> </a:t>
-            </a:r>
-            <a:r>
-              <a:rPr lang="de-DE" dirty="0" err="1" smtClean="0"/>
-              <a:t>flattened</a:t>
-            </a:r>
-            <a:r>
-              <a:rPr lang="de-DE" dirty="0" smtClean="0"/>
-              <a:t> </a:t>
-            </a:r>
-            <a:r>
-              <a:rPr lang="de-DE" dirty="0" err="1" smtClean="0"/>
-              <a:t>anymore</a:t>
-            </a:r>
-            <a:endParaRPr lang="de-DE" dirty="0"/>
-          </a:p>
-          <a:p>
-            <a:pPr marL="285750" indent="-285750">
-              <a:buFont typeface="Arial" panose="020B0604020202020204" pitchFamily="34" charset="0"/>
-              <a:buChar char="•"/>
-            </a:pPr>
-            <a:r>
-              <a:rPr lang="de-DE" dirty="0" smtClean="0"/>
-              <a:t>Demonstration in </a:t>
-            </a:r>
-            <a:r>
-              <a:rPr lang="de-DE" dirty="0" err="1" smtClean="0"/>
-              <a:t>the</a:t>
-            </a:r>
-            <a:r>
-              <a:rPr lang="de-DE" dirty="0" smtClean="0"/>
-              <a:t> </a:t>
-            </a:r>
-            <a:r>
-              <a:rPr lang="de-DE" dirty="0" err="1" smtClean="0"/>
-              <a:t>Jupyter</a:t>
-            </a:r>
-            <a:r>
-              <a:rPr lang="de-DE" dirty="0" smtClean="0"/>
-              <a:t> Notebook:</a:t>
-            </a:r>
-          </a:p>
-          <a:p>
-            <a:pPr marL="537750" lvl="2" indent="-285750">
-              <a:buFont typeface="Arial" panose="020B0604020202020204" pitchFamily="34" charset="0"/>
-              <a:buChar char="•"/>
-            </a:pPr>
-            <a:r>
-              <a:rPr lang="de-DE" dirty="0" err="1"/>
-              <a:t>Accuracy</a:t>
-            </a:r>
-            <a:r>
-              <a:rPr lang="de-DE" dirty="0"/>
-              <a:t> </a:t>
-            </a:r>
-            <a:r>
-              <a:rPr lang="de-DE" dirty="0" smtClean="0"/>
-              <a:t>76.2% </a:t>
-            </a:r>
-            <a:r>
-              <a:rPr lang="de-DE" dirty="0"/>
-              <a:t>(</a:t>
-            </a:r>
-            <a:r>
-              <a:rPr lang="de-DE" dirty="0" smtClean="0"/>
-              <a:t>vs. </a:t>
-            </a:r>
-            <a:r>
-              <a:rPr lang="de-DE" dirty="0"/>
-              <a:t>54.8% </a:t>
-            </a:r>
-            <a:r>
-              <a:rPr lang="de-DE" dirty="0"/>
-              <a:t>of </a:t>
-            </a:r>
-            <a:r>
-              <a:rPr lang="de-DE" dirty="0" err="1"/>
-              <a:t>the</a:t>
-            </a:r>
-            <a:r>
-              <a:rPr lang="de-DE" dirty="0"/>
-              <a:t> </a:t>
-            </a:r>
-            <a:r>
-              <a:rPr lang="de-DE" dirty="0" smtClean="0"/>
-              <a:t>MLP </a:t>
-            </a:r>
-            <a:r>
-              <a:rPr lang="de-DE" dirty="0" err="1"/>
-              <a:t>model</a:t>
-            </a:r>
-            <a:r>
-              <a:rPr lang="de-DE" dirty="0" smtClean="0"/>
-              <a:t>)</a:t>
-            </a:r>
-            <a:endParaRPr lang="de-DE" dirty="0"/>
-          </a:p>
-        </p:txBody>
-      </p:sp>
-      <p:pic>
-        <p:nvPicPr>
-          <p:cNvPr id="13" name="Bildplatzhalter 84"/>
-          <p:cNvPicPr>
-            <a:picLocks noChangeAspect="1"/>
-          </p:cNvPicPr>
-          <p:nvPr/>
-        </p:nvPicPr>
-        <p:blipFill>
-          <a:blip r:embed="rId2">
-            <a:extLst>
-              <a:ext uri="{28A0092B-C50C-407E-A947-70E740481C1C}">
-                <a14:useLocalDpi xmlns:a14="http://schemas.microsoft.com/office/drawing/2010/main" val="0"/>
-              </a:ext>
-            </a:extLst>
-          </a:blip>
-          <a:stretch>
-            <a:fillRect/>
-          </a:stretch>
-        </p:blipFill>
-        <p:spPr>
-          <a:xfrm>
-            <a:off x="5932263" y="1484314"/>
-            <a:ext cx="5528850" cy="4069087"/>
-          </a:xfrm>
-          <a:prstGeom prst="rect">
-            <a:avLst/>
-          </a:prstGeom>
-        </p:spPr>
-      </p:pic>
-    </p:spTree>
-    <p:extLst>
-      <p:ext uri="{BB962C8B-B14F-4D97-AF65-F5344CB8AC3E}">
-        <p14:creationId xmlns:p14="http://schemas.microsoft.com/office/powerpoint/2010/main" val="2400898207"/>
-      </p:ext>
-    </p:extLst>
-  </p:cSld>
-  <p:clrMapOvr>
-    <a:masterClrMapping/>
-  </p:clrMapOvr>
-</p:sld>
-</file>
-
-<file path=ppt/slides/slide31.xml><?xml version="1.0" encoding="utf-8"?>
-<p:sld xmlns:a="http://schemas.openxmlformats.org/drawingml/2006/main" xmlns:r="http://schemas.openxmlformats.org/officeDocument/2006/relationships" xmlns:p="http://schemas.openxmlformats.org/presentationml/2006/main">
-  <p:cSld>
-    <p:spTree>
-      <p:nvGrpSpPr>
-        <p:cNvPr id="1" name=""/>
-        <p:cNvGrpSpPr/>
-        <p:nvPr/>
-      </p:nvGrpSpPr>
-      <p:grpSpPr>
-        <a:xfrm>
-          <a:off x="0" y="0"/>
-          <a:ext cx="0" cy="0"/>
-          <a:chOff x="0" y="0"/>
-          <a:chExt cx="0" cy="0"/>
-        </a:xfrm>
-      </p:grpSpPr>
-      <p:sp>
-        <p:nvSpPr>
-          <p:cNvPr id="4" name="Titel 3"/>
-          <p:cNvSpPr>
-            <a:spLocks noGrp="1"/>
-          </p:cNvSpPr>
-          <p:nvPr>
-            <p:ph type="title"/>
-          </p:nvPr>
-        </p:nvSpPr>
-        <p:spPr/>
-        <p:txBody>
-          <a:bodyPr/>
-          <a:lstStyle/>
-          <a:p>
-            <a:r>
-              <a:rPr lang="de-DE" dirty="0"/>
-              <a:t>Image </a:t>
-            </a:r>
-            <a:r>
-              <a:rPr lang="de-DE" dirty="0" err="1"/>
-              <a:t>classification</a:t>
-            </a:r>
-            <a:r>
-              <a:rPr lang="de-DE" dirty="0"/>
-              <a:t/>
-            </a:r>
-            <a:br>
-              <a:rPr lang="de-DE" dirty="0"/>
-            </a:br>
-            <a:r>
-              <a:rPr lang="de-DE" b="0" dirty="0"/>
-              <a:t>Neural Network </a:t>
-            </a:r>
-            <a:r>
-              <a:rPr lang="de-DE" b="0" dirty="0" err="1"/>
-              <a:t>with</a:t>
-            </a:r>
-            <a:r>
-              <a:rPr lang="de-DE" b="0" dirty="0"/>
-              <a:t> Long Short-term Memory (LSTM)</a:t>
-            </a:r>
-            <a:endParaRPr lang="de-DE" dirty="0"/>
-          </a:p>
-        </p:txBody>
-      </p:sp>
-      <p:pic>
-        <p:nvPicPr>
-          <p:cNvPr id="7" name="Bildplatzhalter 6"/>
-          <p:cNvPicPr>
-            <a:picLocks noGrp="1" noChangeAspect="1"/>
-          </p:cNvPicPr>
-          <p:nvPr>
-            <p:ph type="pic" sz="quarter" idx="13"/>
-          </p:nvPr>
-        </p:nvPicPr>
-        <p:blipFill>
-          <a:blip r:embed="rId2">
-            <a:extLst>
-              <a:ext uri="{28A0092B-C50C-407E-A947-70E740481C1C}">
-                <a14:useLocalDpi xmlns:a14="http://schemas.microsoft.com/office/drawing/2010/main" val="0"/>
-              </a:ext>
-            </a:extLst>
-          </a:blip>
-          <a:stretch>
-            <a:fillRect/>
-          </a:stretch>
-        </p:blipFill>
-        <p:spPr>
-          <a:xfrm>
-            <a:off x="6296325" y="1899156"/>
-            <a:ext cx="5146257" cy="3528000"/>
-          </a:xfrm>
-        </p:spPr>
-      </p:pic>
-      <p:sp>
-        <p:nvSpPr>
-          <p:cNvPr id="6" name="Inhaltsplatzhalter 5"/>
-          <p:cNvSpPr>
-            <a:spLocks noGrp="1"/>
-          </p:cNvSpPr>
-          <p:nvPr>
-            <p:ph sz="quarter" idx="14"/>
-          </p:nvPr>
-        </p:nvSpPr>
-        <p:spPr/>
-        <p:txBody>
-          <a:bodyPr/>
-          <a:lstStyle/>
-          <a:p>
-            <a:pPr marL="285750" indent="-285750">
-              <a:buFont typeface="Arial" panose="020B0604020202020204" pitchFamily="34" charset="0"/>
-              <a:buChar char="•"/>
-            </a:pPr>
-            <a:r>
-              <a:rPr lang="de-DE" dirty="0" smtClean="0"/>
-              <a:t>The Long Short-Term Memory (LSTM) </a:t>
-            </a:r>
-            <a:r>
-              <a:rPr lang="de-DE" dirty="0" err="1" smtClean="0"/>
-              <a:t>network</a:t>
-            </a:r>
-            <a:r>
-              <a:rPr lang="de-DE" dirty="0" smtClean="0"/>
-              <a:t> </a:t>
-            </a:r>
-            <a:r>
-              <a:rPr lang="de-DE" dirty="0" err="1" smtClean="0"/>
-              <a:t>is</a:t>
-            </a:r>
-            <a:r>
-              <a:rPr lang="de-DE" dirty="0" smtClean="0"/>
-              <a:t> a </a:t>
-            </a:r>
-            <a:r>
-              <a:rPr lang="de-DE" dirty="0" err="1" smtClean="0"/>
-              <a:t>complex</a:t>
-            </a:r>
-            <a:r>
-              <a:rPr lang="de-DE" dirty="0" smtClean="0"/>
-              <a:t> </a:t>
-            </a:r>
-            <a:r>
-              <a:rPr lang="de-DE" dirty="0" err="1" smtClean="0"/>
-              <a:t>Recurrent</a:t>
-            </a:r>
-            <a:r>
-              <a:rPr lang="de-DE" dirty="0" smtClean="0"/>
-              <a:t> Neural Network (RNN)</a:t>
-            </a:r>
-          </a:p>
-          <a:p>
-            <a:pPr marL="285750" indent="-285750">
-              <a:buFont typeface="Arial" panose="020B0604020202020204" pitchFamily="34" charset="0"/>
-              <a:buChar char="•"/>
-            </a:pPr>
-            <a:endParaRPr lang="de-DE" dirty="0" smtClean="0"/>
-          </a:p>
-          <a:p>
-            <a:pPr marL="285750" indent="-285750">
-              <a:buFont typeface="Arial" panose="020B0604020202020204" pitchFamily="34" charset="0"/>
-              <a:buChar char="•"/>
-            </a:pPr>
-            <a:r>
-              <a:rPr lang="de-DE" dirty="0" smtClean="0"/>
-              <a:t>Building </a:t>
-            </a:r>
-            <a:r>
-              <a:rPr lang="de-DE" dirty="0" err="1" smtClean="0"/>
-              <a:t>blocks</a:t>
-            </a:r>
-            <a:r>
-              <a:rPr lang="de-DE" dirty="0" smtClean="0"/>
-              <a:t>:</a:t>
-            </a:r>
-          </a:p>
-          <a:p>
-            <a:pPr marL="537750" lvl="2" indent="-285750">
-              <a:buFont typeface="Arial" panose="020B0604020202020204" pitchFamily="34" charset="0"/>
-              <a:buChar char="•"/>
-            </a:pPr>
-            <a:r>
-              <a:rPr lang="de-DE" dirty="0" err="1" smtClean="0"/>
-              <a:t>Cell</a:t>
-            </a:r>
-            <a:r>
-              <a:rPr lang="de-DE" dirty="0" smtClean="0"/>
-              <a:t>: </a:t>
-            </a:r>
-            <a:r>
-              <a:rPr lang="de-DE" dirty="0" err="1" smtClean="0"/>
-              <a:t>Remembers</a:t>
-            </a:r>
-            <a:r>
-              <a:rPr lang="de-DE" dirty="0" smtClean="0"/>
-              <a:t> </a:t>
-            </a:r>
-            <a:r>
-              <a:rPr lang="de-DE" dirty="0" err="1" smtClean="0"/>
-              <a:t>values</a:t>
-            </a:r>
-            <a:r>
-              <a:rPr lang="de-DE" dirty="0" smtClean="0"/>
-              <a:t> </a:t>
-            </a:r>
-            <a:r>
-              <a:rPr lang="de-DE" dirty="0" err="1" smtClean="0"/>
-              <a:t>over</a:t>
-            </a:r>
-            <a:r>
-              <a:rPr lang="de-DE" dirty="0" smtClean="0"/>
-              <a:t> a time</a:t>
-            </a:r>
-          </a:p>
-          <a:p>
-            <a:pPr marL="537750" lvl="2" indent="-285750">
-              <a:buFont typeface="Arial" panose="020B0604020202020204" pitchFamily="34" charset="0"/>
-              <a:buChar char="•"/>
-            </a:pPr>
-            <a:r>
-              <a:rPr lang="de-DE" dirty="0" smtClean="0"/>
-              <a:t>Input </a:t>
-            </a:r>
-            <a:r>
-              <a:rPr lang="de-DE" dirty="0" err="1" smtClean="0"/>
-              <a:t>gate</a:t>
-            </a:r>
-            <a:r>
-              <a:rPr lang="de-DE" dirty="0" smtClean="0"/>
-              <a:t>: </a:t>
-            </a:r>
-            <a:r>
-              <a:rPr lang="de-DE" dirty="0" err="1"/>
-              <a:t>d</a:t>
-            </a:r>
-            <a:r>
-              <a:rPr lang="de-DE" dirty="0" err="1" smtClean="0"/>
-              <a:t>ecides</a:t>
-            </a:r>
-            <a:r>
-              <a:rPr lang="de-DE" dirty="0" smtClean="0"/>
-              <a:t> </a:t>
-            </a:r>
-            <a:r>
-              <a:rPr lang="de-DE" dirty="0" err="1" smtClean="0"/>
-              <a:t>which</a:t>
-            </a:r>
-            <a:r>
-              <a:rPr lang="de-DE" dirty="0" smtClean="0"/>
-              <a:t> </a:t>
-            </a:r>
-            <a:r>
-              <a:rPr lang="de-DE" dirty="0" err="1" smtClean="0"/>
-              <a:t>new</a:t>
-            </a:r>
-            <a:r>
-              <a:rPr lang="de-DE" dirty="0" smtClean="0"/>
-              <a:t> </a:t>
-            </a:r>
-            <a:r>
-              <a:rPr lang="de-DE" dirty="0" err="1" smtClean="0"/>
-              <a:t>information</a:t>
-            </a:r>
-            <a:r>
-              <a:rPr lang="de-DE" dirty="0" smtClean="0"/>
-              <a:t> </a:t>
-            </a:r>
-            <a:r>
-              <a:rPr lang="de-DE" dirty="0" err="1" smtClean="0"/>
-              <a:t>is</a:t>
-            </a:r>
-            <a:r>
-              <a:rPr lang="de-DE" dirty="0" smtClean="0"/>
-              <a:t> </a:t>
-            </a:r>
-            <a:r>
-              <a:rPr lang="de-DE" dirty="0" err="1" smtClean="0"/>
-              <a:t>stored</a:t>
-            </a:r>
-            <a:r>
-              <a:rPr lang="de-DE" dirty="0" smtClean="0"/>
-              <a:t> in </a:t>
-            </a:r>
-            <a:r>
-              <a:rPr lang="de-DE" dirty="0" err="1" smtClean="0"/>
-              <a:t>the</a:t>
-            </a:r>
-            <a:r>
-              <a:rPr lang="de-DE" dirty="0" smtClean="0"/>
-              <a:t> </a:t>
-            </a:r>
-            <a:r>
-              <a:rPr lang="de-DE" dirty="0" err="1" smtClean="0"/>
-              <a:t>current</a:t>
-            </a:r>
-            <a:r>
-              <a:rPr lang="de-DE" dirty="0" smtClean="0"/>
-              <a:t> </a:t>
-            </a:r>
-            <a:r>
-              <a:rPr lang="de-DE" dirty="0" err="1" smtClean="0"/>
-              <a:t>state</a:t>
-            </a:r>
-            <a:endParaRPr lang="de-DE" dirty="0" smtClean="0"/>
-          </a:p>
-          <a:p>
-            <a:pPr marL="537750" lvl="2" indent="-285750">
-              <a:buFont typeface="Arial" panose="020B0604020202020204" pitchFamily="34" charset="0"/>
-              <a:buChar char="•"/>
-            </a:pPr>
-            <a:r>
-              <a:rPr lang="de-DE" dirty="0" smtClean="0"/>
-              <a:t>Output </a:t>
-            </a:r>
-            <a:r>
-              <a:rPr lang="de-DE" dirty="0" err="1" smtClean="0"/>
-              <a:t>gate</a:t>
-            </a:r>
-            <a:r>
-              <a:rPr lang="de-DE" dirty="0" smtClean="0"/>
-              <a:t>: </a:t>
-            </a:r>
-            <a:r>
-              <a:rPr lang="de-DE" dirty="0" err="1" smtClean="0"/>
-              <a:t>controls</a:t>
-            </a:r>
-            <a:r>
-              <a:rPr lang="de-DE" dirty="0" smtClean="0"/>
-              <a:t> </a:t>
-            </a:r>
-            <a:r>
-              <a:rPr lang="de-DE" dirty="0" err="1" smtClean="0"/>
-              <a:t>which</a:t>
-            </a:r>
-            <a:r>
-              <a:rPr lang="de-DE" dirty="0" smtClean="0"/>
-              <a:t> </a:t>
-            </a:r>
-            <a:r>
-              <a:rPr lang="de-DE" dirty="0" err="1" smtClean="0"/>
-              <a:t>part</a:t>
-            </a:r>
-            <a:r>
-              <a:rPr lang="de-DE" dirty="0" smtClean="0"/>
-              <a:t> of </a:t>
-            </a:r>
-            <a:r>
-              <a:rPr lang="de-DE" dirty="0" err="1" smtClean="0"/>
-              <a:t>the</a:t>
-            </a:r>
-            <a:r>
-              <a:rPr lang="de-DE" dirty="0" smtClean="0"/>
-              <a:t> </a:t>
-            </a:r>
-            <a:r>
-              <a:rPr lang="de-DE" dirty="0" err="1" smtClean="0"/>
-              <a:t>current</a:t>
-            </a:r>
-            <a:r>
-              <a:rPr lang="de-DE" dirty="0" smtClean="0"/>
-              <a:t> </a:t>
-            </a:r>
-            <a:r>
-              <a:rPr lang="de-DE" dirty="0" err="1" smtClean="0"/>
-              <a:t>state</a:t>
-            </a:r>
-            <a:r>
-              <a:rPr lang="de-DE" dirty="0" smtClean="0"/>
-              <a:t> </a:t>
-            </a:r>
-            <a:r>
-              <a:rPr lang="de-DE" dirty="0" err="1" smtClean="0"/>
-              <a:t>is</a:t>
-            </a:r>
-            <a:r>
-              <a:rPr lang="de-DE" dirty="0" smtClean="0"/>
-              <a:t> </a:t>
-            </a:r>
-            <a:r>
-              <a:rPr lang="de-DE" dirty="0" err="1" smtClean="0"/>
-              <a:t>output</a:t>
-            </a:r>
-            <a:endParaRPr lang="de-DE" dirty="0" smtClean="0"/>
-          </a:p>
-          <a:p>
-            <a:pPr marL="537750" lvl="2" indent="-285750">
-              <a:buFont typeface="Arial" panose="020B0604020202020204" pitchFamily="34" charset="0"/>
-              <a:buChar char="•"/>
-            </a:pPr>
-            <a:r>
-              <a:rPr lang="de-DE" dirty="0" smtClean="0"/>
-              <a:t>Forget </a:t>
-            </a:r>
-            <a:r>
-              <a:rPr lang="de-DE" dirty="0" err="1" smtClean="0"/>
-              <a:t>gate</a:t>
-            </a:r>
-            <a:r>
-              <a:rPr lang="de-DE" dirty="0" smtClean="0"/>
-              <a:t>: </a:t>
-            </a:r>
-            <a:r>
-              <a:rPr lang="de-DE" dirty="0" err="1" smtClean="0"/>
-              <a:t>decides</a:t>
-            </a:r>
-            <a:r>
-              <a:rPr lang="de-DE" dirty="0" smtClean="0"/>
-              <a:t> </a:t>
-            </a:r>
-            <a:r>
-              <a:rPr lang="de-DE" dirty="0" err="1" smtClean="0"/>
-              <a:t>what</a:t>
-            </a:r>
-            <a:r>
-              <a:rPr lang="de-DE" dirty="0" smtClean="0"/>
-              <a:t> </a:t>
-            </a:r>
-            <a:r>
-              <a:rPr lang="de-DE" dirty="0" err="1" smtClean="0"/>
-              <a:t>information</a:t>
-            </a:r>
-            <a:r>
-              <a:rPr lang="de-DE" dirty="0" smtClean="0"/>
-              <a:t> </a:t>
-            </a:r>
-            <a:r>
-              <a:rPr lang="de-DE" dirty="0" err="1" smtClean="0"/>
-              <a:t>to</a:t>
-            </a:r>
-            <a:r>
-              <a:rPr lang="de-DE" dirty="0" smtClean="0"/>
-              <a:t> </a:t>
-            </a:r>
-            <a:r>
-              <a:rPr lang="de-DE" dirty="0" err="1" smtClean="0"/>
-              <a:t>discard</a:t>
-            </a:r>
-            <a:r>
-              <a:rPr lang="de-DE" dirty="0" smtClean="0"/>
-              <a:t> </a:t>
-            </a:r>
-            <a:r>
-              <a:rPr lang="de-DE" dirty="0" err="1" smtClean="0"/>
-              <a:t>from</a:t>
-            </a:r>
-            <a:r>
-              <a:rPr lang="de-DE" dirty="0" smtClean="0"/>
-              <a:t> a </a:t>
-            </a:r>
-            <a:r>
-              <a:rPr lang="de-DE" dirty="0" err="1" smtClean="0"/>
-              <a:t>previous</a:t>
-            </a:r>
-            <a:r>
-              <a:rPr lang="de-DE" dirty="0" smtClean="0"/>
-              <a:t> </a:t>
-            </a:r>
-            <a:r>
-              <a:rPr lang="de-DE" dirty="0" err="1" smtClean="0"/>
-              <a:t>state</a:t>
-            </a:r>
-            <a:endParaRPr lang="de-DE" dirty="0"/>
-          </a:p>
-          <a:p>
-            <a:pPr marL="285750" indent="-285750">
-              <a:buFont typeface="Arial" panose="020B0604020202020204" pitchFamily="34" charset="0"/>
-              <a:buChar char="•"/>
-            </a:pPr>
-            <a:r>
-              <a:rPr lang="de-DE" dirty="0" smtClean="0"/>
-              <a:t>Advantages:</a:t>
-            </a:r>
-          </a:p>
-          <a:p>
-            <a:pPr marL="537750" lvl="2" indent="-285750">
-              <a:buFont typeface="Arial" panose="020B0604020202020204" pitchFamily="34" charset="0"/>
-              <a:buChar char="•"/>
-            </a:pPr>
-            <a:r>
-              <a:rPr lang="de-DE" dirty="0" smtClean="0"/>
-              <a:t>Can deal </a:t>
-            </a:r>
-            <a:r>
-              <a:rPr lang="de-DE" dirty="0" err="1" smtClean="0"/>
-              <a:t>with</a:t>
-            </a:r>
-            <a:r>
-              <a:rPr lang="de-DE" dirty="0" smtClean="0"/>
-              <a:t> </a:t>
-            </a:r>
-            <a:r>
-              <a:rPr lang="de-DE" dirty="0" err="1" smtClean="0"/>
-              <a:t>sequential</a:t>
-            </a:r>
-            <a:r>
-              <a:rPr lang="de-DE" dirty="0" smtClean="0"/>
-              <a:t> </a:t>
-            </a:r>
-            <a:r>
-              <a:rPr lang="de-DE" dirty="0" err="1" smtClean="0"/>
-              <a:t>data</a:t>
-            </a:r>
-            <a:r>
-              <a:rPr lang="de-DE" dirty="0" smtClean="0"/>
-              <a:t> </a:t>
-            </a:r>
-          </a:p>
-          <a:p>
-            <a:pPr marL="537750" lvl="2" indent="-285750">
-              <a:buFont typeface="Arial" panose="020B0604020202020204" pitchFamily="34" charset="0"/>
-              <a:buChar char="•"/>
-            </a:pPr>
-            <a:r>
-              <a:rPr lang="de-DE" dirty="0" smtClean="0"/>
-              <a:t>Can </a:t>
-            </a:r>
-            <a:r>
-              <a:rPr lang="de-DE" dirty="0" err="1" smtClean="0"/>
-              <a:t>store</a:t>
-            </a:r>
-            <a:r>
-              <a:rPr lang="de-DE" dirty="0" smtClean="0"/>
-              <a:t> </a:t>
-            </a:r>
-            <a:r>
-              <a:rPr lang="de-DE" dirty="0" err="1" smtClean="0"/>
-              <a:t>data</a:t>
-            </a:r>
-            <a:r>
-              <a:rPr lang="de-DE" dirty="0" smtClean="0"/>
-              <a:t> </a:t>
-            </a:r>
-            <a:r>
-              <a:rPr lang="de-DE" dirty="0" err="1" smtClean="0"/>
-              <a:t>for</a:t>
-            </a:r>
-            <a:r>
-              <a:rPr lang="de-DE" dirty="0" smtClean="0"/>
-              <a:t> a </a:t>
-            </a:r>
-            <a:r>
-              <a:rPr lang="de-DE" dirty="0" err="1" smtClean="0"/>
-              <a:t>long</a:t>
-            </a:r>
-            <a:r>
-              <a:rPr lang="de-DE" dirty="0" smtClean="0"/>
-              <a:t> time</a:t>
-            </a:r>
-          </a:p>
-          <a:p>
-            <a:pPr marL="285750" indent="-285750">
-              <a:buFont typeface="Arial" panose="020B0604020202020204" pitchFamily="34" charset="0"/>
-              <a:buChar char="•"/>
-            </a:pPr>
-            <a:r>
-              <a:rPr lang="de-DE" dirty="0"/>
-              <a:t>Demonstration in </a:t>
-            </a:r>
-            <a:r>
-              <a:rPr lang="de-DE" dirty="0" err="1"/>
-              <a:t>the</a:t>
-            </a:r>
-            <a:r>
-              <a:rPr lang="de-DE" dirty="0"/>
-              <a:t> </a:t>
-            </a:r>
-            <a:r>
-              <a:rPr lang="de-DE" dirty="0" err="1"/>
-              <a:t>Jupyter</a:t>
-            </a:r>
-            <a:r>
-              <a:rPr lang="de-DE" dirty="0"/>
-              <a:t> Notebook</a:t>
-            </a:r>
-            <a:r>
-              <a:rPr lang="de-DE" dirty="0" smtClean="0"/>
-              <a:t>:</a:t>
-            </a:r>
-            <a:endParaRPr lang="de-DE" dirty="0"/>
-          </a:p>
-        </p:txBody>
-      </p:sp>
-      <p:sp>
-        <p:nvSpPr>
-          <p:cNvPr id="8" name="Textfeld 7"/>
-          <p:cNvSpPr txBox="1"/>
-          <p:nvPr/>
-        </p:nvSpPr>
-        <p:spPr>
-          <a:xfrm>
-            <a:off x="7012800" y="5922000"/>
-            <a:ext cx="4442400" cy="246221"/>
-          </a:xfrm>
-          <a:prstGeom prst="rect">
-            <a:avLst/>
-          </a:prstGeom>
-          <a:noFill/>
-        </p:spPr>
-        <p:txBody>
-          <a:bodyPr wrap="square" rtlCol="0">
-            <a:spAutoFit/>
-          </a:bodyPr>
-          <a:lstStyle/>
-          <a:p>
-            <a:r>
-              <a:rPr lang="de-DE" sz="1000" dirty="0">
-                <a:hlinkClick r:id="rId3"/>
-              </a:rPr>
-              <a:t>https://</a:t>
-            </a:r>
-            <a:r>
-              <a:rPr lang="de-DE" sz="1000" dirty="0" smtClean="0">
-                <a:hlinkClick r:id="rId3"/>
-              </a:rPr>
-              <a:t>upload.wikimedia.org/wikipedia/commons/9/93/LSTM_Cell.svg</a:t>
-            </a:r>
-            <a:r>
-              <a:rPr lang="de-DE" sz="1000" dirty="0" smtClean="0"/>
-              <a:t> </a:t>
-            </a:r>
-            <a:endParaRPr lang="de-DE" sz="1000" dirty="0"/>
-          </a:p>
-        </p:txBody>
-      </p:sp>
-    </p:spTree>
-    <p:extLst>
-      <p:ext uri="{BB962C8B-B14F-4D97-AF65-F5344CB8AC3E}">
-        <p14:creationId xmlns:p14="http://schemas.microsoft.com/office/powerpoint/2010/main" val="928132776"/>
-      </p:ext>
-    </p:extLst>
-  </p:cSld>
-  <p:clrMapOvr>
-    <a:masterClrMapping/>
-  </p:clrMapOvr>
-</p:sld>
-</file>
-
-<file path=ppt/slides/slide32.xml><?xml version="1.0" encoding="utf-8"?>
-<p:sld xmlns:a="http://schemas.openxmlformats.org/drawingml/2006/main" xmlns:r="http://schemas.openxmlformats.org/officeDocument/2006/relationships" xmlns:p="http://schemas.openxmlformats.org/presentationml/2006/main">
-  <p:cSld>
-    <p:spTree>
-      <p:nvGrpSpPr>
-        <p:cNvPr id="1" name=""/>
-        <p:cNvGrpSpPr/>
-        <p:nvPr/>
-      </p:nvGrpSpPr>
-      <p:grpSpPr>
-        <a:xfrm>
-          <a:off x="0" y="0"/>
-          <a:ext cx="0" cy="0"/>
-          <a:chOff x="0" y="0"/>
-          <a:chExt cx="0" cy="0"/>
-        </a:xfrm>
-      </p:grpSpPr>
-      <p:sp>
-        <p:nvSpPr>
-          <p:cNvPr id="4" name="Titel 3"/>
-          <p:cNvSpPr>
-            <a:spLocks noGrp="1"/>
-          </p:cNvSpPr>
-          <p:nvPr>
-            <p:ph type="title"/>
-          </p:nvPr>
-        </p:nvSpPr>
-        <p:spPr/>
-        <p:txBody>
-          <a:bodyPr/>
-          <a:lstStyle/>
-          <a:p>
-            <a:r>
-              <a:rPr lang="de-DE" dirty="0"/>
-              <a:t>Image </a:t>
-            </a:r>
-            <a:r>
-              <a:rPr lang="de-DE" dirty="0" err="1"/>
-              <a:t>classification</a:t>
-            </a:r>
-            <a:r>
-              <a:rPr lang="de-DE" dirty="0"/>
-              <a:t/>
-            </a:r>
-            <a:br>
-              <a:rPr lang="de-DE" dirty="0"/>
-            </a:br>
-            <a:r>
-              <a:rPr lang="de-DE" b="0" dirty="0"/>
-              <a:t>Neural Network </a:t>
-            </a:r>
-            <a:r>
-              <a:rPr lang="de-DE" b="0" dirty="0" err="1"/>
-              <a:t>with</a:t>
-            </a:r>
-            <a:r>
-              <a:rPr lang="de-DE" b="0" dirty="0"/>
-              <a:t> Long Short-term Memory (LSTM)</a:t>
-            </a:r>
-            <a:endParaRPr lang="de-DE" dirty="0"/>
-          </a:p>
-        </p:txBody>
-      </p:sp>
-      <p:sp>
-        <p:nvSpPr>
-          <p:cNvPr id="6" name="Inhaltsplatzhalter 5"/>
-          <p:cNvSpPr>
-            <a:spLocks noGrp="1"/>
-          </p:cNvSpPr>
-          <p:nvPr>
-            <p:ph sz="quarter" idx="14"/>
-          </p:nvPr>
-        </p:nvSpPr>
-        <p:spPr/>
-        <p:txBody>
-          <a:bodyPr/>
-          <a:lstStyle/>
-          <a:p>
-            <a:pPr marL="285750" indent="-285750">
-              <a:buFont typeface="Arial" panose="020B0604020202020204" pitchFamily="34" charset="0"/>
-              <a:buChar char="•"/>
-            </a:pPr>
-            <a:r>
-              <a:rPr lang="de-DE" dirty="0" smtClean="0"/>
-              <a:t>The Long Short-Term Memory (LSTM) </a:t>
-            </a:r>
-            <a:r>
-              <a:rPr lang="de-DE" dirty="0" err="1" smtClean="0"/>
-              <a:t>network</a:t>
-            </a:r>
-            <a:r>
-              <a:rPr lang="de-DE" dirty="0" smtClean="0"/>
-              <a:t> </a:t>
-            </a:r>
-            <a:r>
-              <a:rPr lang="de-DE" dirty="0" err="1" smtClean="0"/>
-              <a:t>is</a:t>
-            </a:r>
-            <a:r>
-              <a:rPr lang="de-DE" dirty="0" smtClean="0"/>
-              <a:t> a </a:t>
-            </a:r>
-            <a:r>
-              <a:rPr lang="de-DE" dirty="0" err="1" smtClean="0"/>
-              <a:t>complex</a:t>
-            </a:r>
-            <a:r>
-              <a:rPr lang="de-DE" dirty="0" smtClean="0"/>
-              <a:t> </a:t>
-            </a:r>
-            <a:r>
-              <a:rPr lang="de-DE" dirty="0" err="1" smtClean="0"/>
-              <a:t>Recurrent</a:t>
-            </a:r>
-            <a:r>
-              <a:rPr lang="de-DE" dirty="0" smtClean="0"/>
-              <a:t> Neural Network (RNN)</a:t>
-            </a:r>
-          </a:p>
-          <a:p>
-            <a:pPr marL="285750" indent="-285750">
-              <a:buFont typeface="Arial" panose="020B0604020202020204" pitchFamily="34" charset="0"/>
-              <a:buChar char="•"/>
-            </a:pPr>
-            <a:endParaRPr lang="de-DE" dirty="0" smtClean="0"/>
-          </a:p>
-          <a:p>
-            <a:pPr marL="285750" indent="-285750">
-              <a:buFont typeface="Arial" panose="020B0604020202020204" pitchFamily="34" charset="0"/>
-              <a:buChar char="•"/>
-            </a:pPr>
-            <a:r>
-              <a:rPr lang="de-DE" dirty="0" smtClean="0"/>
-              <a:t>Building </a:t>
-            </a:r>
-            <a:r>
-              <a:rPr lang="de-DE" dirty="0" err="1" smtClean="0"/>
-              <a:t>blocks</a:t>
-            </a:r>
-            <a:r>
-              <a:rPr lang="de-DE" dirty="0" smtClean="0"/>
-              <a:t>:</a:t>
-            </a:r>
-          </a:p>
-          <a:p>
-            <a:pPr marL="537750" lvl="2" indent="-285750">
-              <a:buFont typeface="Arial" panose="020B0604020202020204" pitchFamily="34" charset="0"/>
-              <a:buChar char="•"/>
-            </a:pPr>
-            <a:r>
-              <a:rPr lang="de-DE" dirty="0" err="1" smtClean="0"/>
-              <a:t>Cell</a:t>
-            </a:r>
-            <a:r>
-              <a:rPr lang="de-DE" dirty="0" smtClean="0"/>
-              <a:t>: </a:t>
-            </a:r>
-            <a:r>
-              <a:rPr lang="de-DE" dirty="0" err="1" smtClean="0"/>
-              <a:t>Remembers</a:t>
-            </a:r>
-            <a:r>
-              <a:rPr lang="de-DE" dirty="0" smtClean="0"/>
-              <a:t> </a:t>
-            </a:r>
-            <a:r>
-              <a:rPr lang="de-DE" dirty="0" err="1" smtClean="0"/>
-              <a:t>values</a:t>
-            </a:r>
-            <a:r>
-              <a:rPr lang="de-DE" dirty="0" smtClean="0"/>
-              <a:t> </a:t>
-            </a:r>
-            <a:r>
-              <a:rPr lang="de-DE" dirty="0" err="1" smtClean="0"/>
-              <a:t>over</a:t>
-            </a:r>
-            <a:r>
-              <a:rPr lang="de-DE" dirty="0" smtClean="0"/>
-              <a:t> a time</a:t>
-            </a:r>
-          </a:p>
-          <a:p>
-            <a:pPr marL="537750" lvl="2" indent="-285750">
-              <a:buFont typeface="Arial" panose="020B0604020202020204" pitchFamily="34" charset="0"/>
-              <a:buChar char="•"/>
-            </a:pPr>
-            <a:r>
-              <a:rPr lang="de-DE" dirty="0" smtClean="0"/>
-              <a:t>Input </a:t>
-            </a:r>
-            <a:r>
-              <a:rPr lang="de-DE" dirty="0" err="1" smtClean="0"/>
-              <a:t>gate</a:t>
-            </a:r>
-            <a:r>
-              <a:rPr lang="de-DE" dirty="0" smtClean="0"/>
-              <a:t>: </a:t>
-            </a:r>
-            <a:r>
-              <a:rPr lang="de-DE" dirty="0" err="1"/>
-              <a:t>d</a:t>
-            </a:r>
-            <a:r>
-              <a:rPr lang="de-DE" dirty="0" err="1" smtClean="0"/>
-              <a:t>ecides</a:t>
-            </a:r>
-            <a:r>
-              <a:rPr lang="de-DE" dirty="0" smtClean="0"/>
-              <a:t> </a:t>
-            </a:r>
-            <a:r>
-              <a:rPr lang="de-DE" dirty="0" err="1" smtClean="0"/>
-              <a:t>which</a:t>
-            </a:r>
-            <a:r>
-              <a:rPr lang="de-DE" dirty="0" smtClean="0"/>
-              <a:t> </a:t>
-            </a:r>
-            <a:r>
-              <a:rPr lang="de-DE" dirty="0" err="1" smtClean="0"/>
-              <a:t>new</a:t>
-            </a:r>
-            <a:r>
-              <a:rPr lang="de-DE" dirty="0" smtClean="0"/>
-              <a:t> </a:t>
-            </a:r>
-            <a:r>
-              <a:rPr lang="de-DE" dirty="0" err="1" smtClean="0"/>
-              <a:t>information</a:t>
-            </a:r>
-            <a:r>
-              <a:rPr lang="de-DE" dirty="0" smtClean="0"/>
-              <a:t> </a:t>
-            </a:r>
-            <a:r>
-              <a:rPr lang="de-DE" dirty="0" err="1" smtClean="0"/>
-              <a:t>is</a:t>
-            </a:r>
-            <a:r>
-              <a:rPr lang="de-DE" dirty="0" smtClean="0"/>
-              <a:t> </a:t>
-            </a:r>
-            <a:r>
-              <a:rPr lang="de-DE" dirty="0" err="1" smtClean="0"/>
-              <a:t>stored</a:t>
-            </a:r>
-            <a:r>
-              <a:rPr lang="de-DE" dirty="0" smtClean="0"/>
-              <a:t> in </a:t>
-            </a:r>
-            <a:r>
-              <a:rPr lang="de-DE" dirty="0" err="1" smtClean="0"/>
-              <a:t>the</a:t>
-            </a:r>
-            <a:r>
-              <a:rPr lang="de-DE" dirty="0" smtClean="0"/>
-              <a:t> </a:t>
-            </a:r>
-            <a:r>
-              <a:rPr lang="de-DE" dirty="0" err="1" smtClean="0"/>
-              <a:t>current</a:t>
-            </a:r>
-            <a:r>
-              <a:rPr lang="de-DE" dirty="0" smtClean="0"/>
-              <a:t> </a:t>
-            </a:r>
-            <a:r>
-              <a:rPr lang="de-DE" dirty="0" err="1" smtClean="0"/>
-              <a:t>state</a:t>
-            </a:r>
-            <a:endParaRPr lang="de-DE" dirty="0" smtClean="0"/>
-          </a:p>
-          <a:p>
-            <a:pPr marL="537750" lvl="2" indent="-285750">
-              <a:buFont typeface="Arial" panose="020B0604020202020204" pitchFamily="34" charset="0"/>
-              <a:buChar char="•"/>
-            </a:pPr>
-            <a:r>
-              <a:rPr lang="de-DE" dirty="0" smtClean="0"/>
-              <a:t>Output </a:t>
-            </a:r>
-            <a:r>
-              <a:rPr lang="de-DE" dirty="0" err="1" smtClean="0"/>
-              <a:t>gate</a:t>
-            </a:r>
-            <a:r>
-              <a:rPr lang="de-DE" dirty="0" smtClean="0"/>
-              <a:t>: </a:t>
-            </a:r>
-            <a:r>
-              <a:rPr lang="de-DE" dirty="0" err="1" smtClean="0"/>
-              <a:t>controls</a:t>
-            </a:r>
-            <a:r>
-              <a:rPr lang="de-DE" dirty="0" smtClean="0"/>
-              <a:t> </a:t>
-            </a:r>
-            <a:r>
-              <a:rPr lang="de-DE" dirty="0" err="1" smtClean="0"/>
-              <a:t>which</a:t>
-            </a:r>
-            <a:r>
-              <a:rPr lang="de-DE" dirty="0" smtClean="0"/>
-              <a:t> </a:t>
-            </a:r>
-            <a:r>
-              <a:rPr lang="de-DE" dirty="0" err="1" smtClean="0"/>
-              <a:t>part</a:t>
-            </a:r>
-            <a:r>
-              <a:rPr lang="de-DE" dirty="0" smtClean="0"/>
-              <a:t> of </a:t>
-            </a:r>
-            <a:r>
-              <a:rPr lang="de-DE" dirty="0" err="1" smtClean="0"/>
-              <a:t>the</a:t>
-            </a:r>
-            <a:r>
-              <a:rPr lang="de-DE" dirty="0" smtClean="0"/>
-              <a:t> </a:t>
-            </a:r>
-            <a:r>
-              <a:rPr lang="de-DE" dirty="0" err="1" smtClean="0"/>
-              <a:t>current</a:t>
-            </a:r>
-            <a:r>
-              <a:rPr lang="de-DE" dirty="0" smtClean="0"/>
-              <a:t> </a:t>
-            </a:r>
-            <a:r>
-              <a:rPr lang="de-DE" dirty="0" err="1" smtClean="0"/>
-              <a:t>state</a:t>
-            </a:r>
-            <a:r>
-              <a:rPr lang="de-DE" dirty="0" smtClean="0"/>
-              <a:t> </a:t>
-            </a:r>
-            <a:r>
-              <a:rPr lang="de-DE" dirty="0" err="1" smtClean="0"/>
-              <a:t>is</a:t>
-            </a:r>
-            <a:r>
-              <a:rPr lang="de-DE" dirty="0" smtClean="0"/>
-              <a:t> </a:t>
-            </a:r>
-            <a:r>
-              <a:rPr lang="de-DE" dirty="0" err="1" smtClean="0"/>
-              <a:t>output</a:t>
-            </a:r>
-            <a:endParaRPr lang="de-DE" dirty="0" smtClean="0"/>
-          </a:p>
-          <a:p>
-            <a:pPr marL="537750" lvl="2" indent="-285750">
-              <a:buFont typeface="Arial" panose="020B0604020202020204" pitchFamily="34" charset="0"/>
-              <a:buChar char="•"/>
-            </a:pPr>
-            <a:r>
-              <a:rPr lang="de-DE" dirty="0" smtClean="0"/>
-              <a:t>Forget </a:t>
-            </a:r>
-            <a:r>
-              <a:rPr lang="de-DE" dirty="0" err="1" smtClean="0"/>
-              <a:t>gate</a:t>
-            </a:r>
-            <a:r>
-              <a:rPr lang="de-DE" dirty="0" smtClean="0"/>
-              <a:t>: </a:t>
-            </a:r>
-            <a:r>
-              <a:rPr lang="de-DE" dirty="0" err="1" smtClean="0"/>
-              <a:t>decides</a:t>
-            </a:r>
-            <a:r>
-              <a:rPr lang="de-DE" dirty="0" smtClean="0"/>
-              <a:t> </a:t>
-            </a:r>
-            <a:r>
-              <a:rPr lang="de-DE" dirty="0" err="1" smtClean="0"/>
-              <a:t>what</a:t>
-            </a:r>
-            <a:r>
-              <a:rPr lang="de-DE" dirty="0" smtClean="0"/>
-              <a:t> </a:t>
-            </a:r>
-            <a:r>
-              <a:rPr lang="de-DE" dirty="0" err="1" smtClean="0"/>
-              <a:t>information</a:t>
-            </a:r>
-            <a:r>
-              <a:rPr lang="de-DE" dirty="0" smtClean="0"/>
-              <a:t> </a:t>
-            </a:r>
-            <a:r>
-              <a:rPr lang="de-DE" dirty="0" err="1" smtClean="0"/>
-              <a:t>to</a:t>
-            </a:r>
-            <a:r>
-              <a:rPr lang="de-DE" dirty="0" smtClean="0"/>
-              <a:t> </a:t>
-            </a:r>
-            <a:r>
-              <a:rPr lang="de-DE" dirty="0" err="1" smtClean="0"/>
-              <a:t>discard</a:t>
-            </a:r>
-            <a:r>
-              <a:rPr lang="de-DE" dirty="0" smtClean="0"/>
-              <a:t> </a:t>
-            </a:r>
-            <a:r>
-              <a:rPr lang="de-DE" dirty="0" err="1" smtClean="0"/>
-              <a:t>from</a:t>
-            </a:r>
-            <a:r>
-              <a:rPr lang="de-DE" dirty="0" smtClean="0"/>
-              <a:t> a </a:t>
-            </a:r>
-            <a:r>
-              <a:rPr lang="de-DE" dirty="0" err="1" smtClean="0"/>
-              <a:t>previous</a:t>
-            </a:r>
-            <a:r>
-              <a:rPr lang="de-DE" dirty="0" smtClean="0"/>
-              <a:t> </a:t>
-            </a:r>
-            <a:r>
-              <a:rPr lang="de-DE" dirty="0" err="1" smtClean="0"/>
-              <a:t>state</a:t>
-            </a:r>
-            <a:endParaRPr lang="de-DE" dirty="0"/>
-          </a:p>
-          <a:p>
-            <a:pPr marL="285750" indent="-285750">
-              <a:buFont typeface="Arial" panose="020B0604020202020204" pitchFamily="34" charset="0"/>
-              <a:buChar char="•"/>
-            </a:pPr>
-            <a:r>
-              <a:rPr lang="de-DE" dirty="0" smtClean="0"/>
-              <a:t>Advantages:</a:t>
-            </a:r>
-          </a:p>
-          <a:p>
-            <a:pPr marL="537750" lvl="2" indent="-285750">
-              <a:buFont typeface="Arial" panose="020B0604020202020204" pitchFamily="34" charset="0"/>
-              <a:buChar char="•"/>
-            </a:pPr>
-            <a:r>
-              <a:rPr lang="de-DE" dirty="0" smtClean="0"/>
-              <a:t>Can deal </a:t>
-            </a:r>
-            <a:r>
-              <a:rPr lang="de-DE" dirty="0" err="1" smtClean="0"/>
-              <a:t>with</a:t>
-            </a:r>
-            <a:r>
-              <a:rPr lang="de-DE" dirty="0" smtClean="0"/>
-              <a:t> </a:t>
-            </a:r>
-            <a:r>
-              <a:rPr lang="de-DE" dirty="0" err="1" smtClean="0"/>
-              <a:t>sequential</a:t>
-            </a:r>
-            <a:r>
-              <a:rPr lang="de-DE" dirty="0" smtClean="0"/>
-              <a:t> </a:t>
-            </a:r>
-            <a:r>
-              <a:rPr lang="de-DE" dirty="0" err="1" smtClean="0"/>
-              <a:t>data</a:t>
-            </a:r>
-            <a:r>
-              <a:rPr lang="de-DE" dirty="0" smtClean="0"/>
-              <a:t> </a:t>
-            </a:r>
-          </a:p>
-          <a:p>
-            <a:pPr marL="537750" lvl="2" indent="-285750">
-              <a:buFont typeface="Arial" panose="020B0604020202020204" pitchFamily="34" charset="0"/>
-              <a:buChar char="•"/>
-            </a:pPr>
-            <a:r>
-              <a:rPr lang="de-DE" dirty="0" smtClean="0"/>
-              <a:t>Can </a:t>
-            </a:r>
-            <a:r>
-              <a:rPr lang="de-DE" dirty="0" err="1" smtClean="0"/>
-              <a:t>store</a:t>
-            </a:r>
-            <a:r>
-              <a:rPr lang="de-DE" dirty="0" smtClean="0"/>
-              <a:t> </a:t>
-            </a:r>
-            <a:r>
-              <a:rPr lang="de-DE" dirty="0" err="1" smtClean="0"/>
-              <a:t>data</a:t>
-            </a:r>
-            <a:r>
-              <a:rPr lang="de-DE" dirty="0" smtClean="0"/>
-              <a:t> </a:t>
-            </a:r>
-            <a:r>
-              <a:rPr lang="de-DE" dirty="0" err="1" smtClean="0"/>
-              <a:t>for</a:t>
-            </a:r>
-            <a:r>
-              <a:rPr lang="de-DE" dirty="0" smtClean="0"/>
-              <a:t> a </a:t>
-            </a:r>
-            <a:r>
-              <a:rPr lang="de-DE" dirty="0" err="1" smtClean="0"/>
-              <a:t>long</a:t>
-            </a:r>
-            <a:r>
-              <a:rPr lang="de-DE" dirty="0" smtClean="0"/>
-              <a:t> time</a:t>
-            </a:r>
-          </a:p>
-          <a:p>
-            <a:pPr marL="285750" indent="-285750">
-              <a:buFont typeface="Arial" panose="020B0604020202020204" pitchFamily="34" charset="0"/>
-              <a:buChar char="•"/>
-            </a:pPr>
-            <a:r>
-              <a:rPr lang="de-DE" dirty="0"/>
-              <a:t>Demonstration in </a:t>
-            </a:r>
-            <a:r>
-              <a:rPr lang="de-DE" dirty="0" err="1"/>
-              <a:t>the</a:t>
-            </a:r>
-            <a:r>
-              <a:rPr lang="de-DE" dirty="0"/>
-              <a:t> </a:t>
-            </a:r>
-            <a:r>
-              <a:rPr lang="de-DE" dirty="0" err="1"/>
-              <a:t>Jupyter</a:t>
-            </a:r>
-            <a:r>
-              <a:rPr lang="de-DE" dirty="0"/>
-              <a:t> Notebook:</a:t>
-            </a:r>
-          </a:p>
-          <a:p>
-            <a:pPr marL="537750" lvl="2" indent="-285750">
-              <a:buFont typeface="Arial" panose="020B0604020202020204" pitchFamily="34" charset="0"/>
-              <a:buChar char="•"/>
-            </a:pPr>
-            <a:r>
-              <a:rPr lang="de-DE" dirty="0" err="1"/>
-              <a:t>Accuracy</a:t>
-            </a:r>
-            <a:r>
-              <a:rPr lang="de-DE" dirty="0"/>
-              <a:t> </a:t>
-            </a:r>
-            <a:r>
-              <a:rPr lang="de-DE" dirty="0" smtClean="0"/>
-              <a:t>58.9% </a:t>
-            </a:r>
-            <a:r>
-              <a:rPr lang="de-DE" dirty="0"/>
-              <a:t>(vs. 52.6% of </a:t>
-            </a:r>
-            <a:r>
-              <a:rPr lang="de-DE" dirty="0" err="1"/>
-              <a:t>the</a:t>
-            </a:r>
-            <a:r>
-              <a:rPr lang="de-DE" dirty="0"/>
-              <a:t> MLP </a:t>
-            </a:r>
-            <a:r>
-              <a:rPr lang="de-DE" dirty="0" err="1"/>
-              <a:t>model</a:t>
-            </a:r>
-            <a:r>
-              <a:rPr lang="de-DE" dirty="0"/>
-              <a:t>)</a:t>
-            </a:r>
-            <a:endParaRPr lang="de-DE" dirty="0" smtClean="0"/>
-          </a:p>
-        </p:txBody>
-      </p:sp>
-      <p:sp>
-        <p:nvSpPr>
-          <p:cNvPr id="2" name="Bildplatzhalter 1"/>
-          <p:cNvSpPr>
-            <a:spLocks noGrp="1"/>
-          </p:cNvSpPr>
-          <p:nvPr>
-            <p:ph type="pic" sz="quarter" idx="13"/>
-          </p:nvPr>
-        </p:nvSpPr>
-        <p:spPr/>
-      </p:sp>
-      <p:pic>
-        <p:nvPicPr>
-          <p:cNvPr id="9" name="Bildplatzhalter 84"/>
-          <p:cNvPicPr>
-            <a:picLocks noChangeAspect="1"/>
-          </p:cNvPicPr>
-          <p:nvPr/>
-        </p:nvPicPr>
-        <p:blipFill>
-          <a:blip r:embed="rId2">
-            <a:extLst>
-              <a:ext uri="{28A0092B-C50C-407E-A947-70E740481C1C}">
-                <a14:useLocalDpi xmlns:a14="http://schemas.microsoft.com/office/drawing/2010/main" val="0"/>
-              </a:ext>
-            </a:extLst>
-          </a:blip>
-          <a:stretch>
-            <a:fillRect/>
-          </a:stretch>
-        </p:blipFill>
-        <p:spPr>
-          <a:xfrm>
-            <a:off x="5932263" y="1484314"/>
-            <a:ext cx="5528850" cy="4069088"/>
-          </a:xfrm>
-          <a:prstGeom prst="rect">
-            <a:avLst/>
-          </a:prstGeom>
-          <a:ln>
-            <a:noFill/>
-          </a:ln>
-        </p:spPr>
-      </p:pic>
-    </p:spTree>
-    <p:extLst>
-      <p:ext uri="{BB962C8B-B14F-4D97-AF65-F5344CB8AC3E}">
-        <p14:creationId xmlns:p14="http://schemas.microsoft.com/office/powerpoint/2010/main" val="3189021195"/>
-      </p:ext>
-    </p:extLst>
-  </p:cSld>
-  <p:clrMapOvr>
-    <a:masterClrMapping/>
-  </p:clrMapOvr>
-</p:sld>
-</file>
-
-<file path=ppt/slides/slide33.xml><?xml version="1.0" encoding="utf-8"?>
-<p:sld xmlns:a="http://schemas.openxmlformats.org/drawingml/2006/main" xmlns:r="http://schemas.openxmlformats.org/officeDocument/2006/relationships" xmlns:p="http://schemas.openxmlformats.org/presentationml/2006/main">
-  <p:cSld>
-    <p:spTree>
-      <p:nvGrpSpPr>
-        <p:cNvPr id="1" name=""/>
-        <p:cNvGrpSpPr/>
-        <p:nvPr/>
-      </p:nvGrpSpPr>
-      <p:grpSpPr>
-        <a:xfrm>
-          <a:off x="0" y="0"/>
-          <a:ext cx="0" cy="0"/>
-          <a:chOff x="0" y="0"/>
-          <a:chExt cx="0" cy="0"/>
-        </a:xfrm>
-      </p:grpSpPr>
-      <p:sp>
-        <p:nvSpPr>
-          <p:cNvPr id="5" name="Titel 4"/>
-          <p:cNvSpPr>
-            <a:spLocks noGrp="1"/>
-          </p:cNvSpPr>
-          <p:nvPr>
-            <p:ph type="title"/>
-          </p:nvPr>
-        </p:nvSpPr>
-        <p:spPr/>
-        <p:txBody>
-          <a:bodyPr/>
-          <a:lstStyle/>
-          <a:p>
-            <a:r>
-              <a:rPr lang="de-DE" dirty="0" err="1" smtClean="0"/>
-              <a:t>Conclusions</a:t>
-            </a:r>
-            <a:endParaRPr lang="de-DE" dirty="0"/>
-          </a:p>
-        </p:txBody>
-      </p:sp>
-      <p:sp>
-        <p:nvSpPr>
-          <p:cNvPr id="6" name="Inhaltsplatzhalter 5"/>
-          <p:cNvSpPr>
-            <a:spLocks noGrp="1"/>
-          </p:cNvSpPr>
-          <p:nvPr>
-            <p:ph sz="quarter" idx="10"/>
-          </p:nvPr>
-        </p:nvSpPr>
-        <p:spPr/>
-        <p:txBody>
-          <a:bodyPr/>
-          <a:lstStyle/>
-          <a:p>
-            <a:pPr marL="285750" indent="-285750">
-              <a:buFont typeface="Arial" panose="020B0604020202020204" pitchFamily="34" charset="0"/>
-              <a:buChar char="•"/>
-            </a:pPr>
-            <a:r>
-              <a:rPr lang="de-DE" dirty="0" err="1" smtClean="0"/>
-              <a:t>Machine</a:t>
-            </a:r>
-            <a:r>
-              <a:rPr lang="de-DE" dirty="0" smtClean="0"/>
-              <a:t> </a:t>
-            </a:r>
-            <a:r>
-              <a:rPr lang="de-DE" dirty="0" err="1" smtClean="0"/>
-              <a:t>learning</a:t>
-            </a:r>
-            <a:r>
-              <a:rPr lang="de-DE" dirty="0" smtClean="0"/>
-              <a:t> </a:t>
-            </a:r>
-            <a:r>
-              <a:rPr lang="de-DE" dirty="0" err="1" smtClean="0"/>
-              <a:t>is</a:t>
-            </a:r>
-            <a:r>
-              <a:rPr lang="de-DE" dirty="0" smtClean="0"/>
-              <a:t> an </a:t>
-            </a:r>
-            <a:r>
-              <a:rPr lang="de-DE" dirty="0" err="1" smtClean="0"/>
-              <a:t>important</a:t>
-            </a:r>
-            <a:r>
-              <a:rPr lang="de-DE" dirty="0" smtClean="0"/>
-              <a:t> </a:t>
-            </a:r>
-            <a:r>
-              <a:rPr lang="de-DE" dirty="0" err="1" smtClean="0"/>
-              <a:t>topic</a:t>
-            </a:r>
-            <a:r>
-              <a:rPr lang="de-DE" dirty="0" smtClean="0"/>
-              <a:t> </a:t>
-            </a:r>
-            <a:r>
-              <a:rPr lang="de-DE" dirty="0" err="1" smtClean="0"/>
-              <a:t>with</a:t>
-            </a:r>
-            <a:r>
-              <a:rPr lang="de-DE" dirty="0" smtClean="0"/>
-              <a:t> potential </a:t>
-            </a:r>
-            <a:r>
-              <a:rPr lang="de-DE" dirty="0" err="1" smtClean="0"/>
-              <a:t>applications</a:t>
-            </a:r>
-            <a:r>
-              <a:rPr lang="de-DE" dirty="0" smtClean="0"/>
-              <a:t> in </a:t>
-            </a:r>
-            <a:r>
-              <a:rPr lang="de-DE" dirty="0" err="1" smtClean="0"/>
-              <a:t>many</a:t>
-            </a:r>
-            <a:r>
-              <a:rPr lang="de-DE" dirty="0" smtClean="0"/>
-              <a:t> </a:t>
-            </a:r>
-            <a:r>
-              <a:rPr lang="de-DE" dirty="0" err="1" smtClean="0"/>
-              <a:t>research</a:t>
-            </a:r>
-            <a:r>
-              <a:rPr lang="de-DE" dirty="0" smtClean="0"/>
-              <a:t> </a:t>
-            </a:r>
-            <a:r>
-              <a:rPr lang="de-DE" dirty="0" err="1" smtClean="0"/>
-              <a:t>areas</a:t>
-            </a:r>
-            <a:endParaRPr lang="de-DE" dirty="0" smtClean="0"/>
-          </a:p>
-          <a:p>
-            <a:pPr marL="285750" indent="-285750">
-              <a:buFont typeface="Arial" panose="020B0604020202020204" pitchFamily="34" charset="0"/>
-              <a:buChar char="•"/>
-            </a:pPr>
-            <a:endParaRPr lang="de-DE" dirty="0" smtClean="0"/>
-          </a:p>
-          <a:p>
-            <a:pPr marL="285750" indent="-285750">
-              <a:buFont typeface="Arial" panose="020B0604020202020204" pitchFamily="34" charset="0"/>
-              <a:buChar char="•"/>
-            </a:pPr>
-            <a:r>
-              <a:rPr lang="de-DE" dirty="0" smtClean="0"/>
-              <a:t>This </a:t>
-            </a:r>
-            <a:r>
-              <a:rPr lang="de-DE" dirty="0" err="1" smtClean="0"/>
-              <a:t>workshop</a:t>
-            </a:r>
-            <a:r>
-              <a:rPr lang="de-DE" dirty="0" smtClean="0"/>
-              <a:t> </a:t>
-            </a:r>
-            <a:r>
-              <a:rPr lang="de-DE" dirty="0" err="1" smtClean="0"/>
-              <a:t>illustrated</a:t>
-            </a:r>
-            <a:r>
-              <a:rPr lang="de-DE" dirty="0" smtClean="0"/>
-              <a:t> </a:t>
-            </a:r>
-            <a:r>
-              <a:rPr lang="de-DE" dirty="0" err="1" smtClean="0"/>
-              <a:t>several</a:t>
-            </a:r>
-            <a:r>
-              <a:rPr lang="de-DE" dirty="0" smtClean="0"/>
-              <a:t> </a:t>
-            </a:r>
-            <a:r>
-              <a:rPr lang="de-DE" dirty="0" err="1" smtClean="0"/>
-              <a:t>aspects</a:t>
-            </a:r>
-            <a:r>
-              <a:rPr lang="de-DE" dirty="0" smtClean="0"/>
-              <a:t> of </a:t>
-            </a:r>
-            <a:r>
-              <a:rPr lang="de-DE" dirty="0" err="1" smtClean="0"/>
-              <a:t>getting</a:t>
-            </a:r>
-            <a:r>
-              <a:rPr lang="de-DE" dirty="0" smtClean="0"/>
-              <a:t> </a:t>
-            </a:r>
-            <a:r>
-              <a:rPr lang="de-DE" dirty="0" err="1" smtClean="0"/>
-              <a:t>started</a:t>
-            </a:r>
-            <a:r>
-              <a:rPr lang="de-DE" dirty="0" smtClean="0"/>
-              <a:t> </a:t>
-            </a:r>
-            <a:r>
-              <a:rPr lang="de-DE" dirty="0" err="1" smtClean="0"/>
-              <a:t>with</a:t>
-            </a:r>
-            <a:r>
-              <a:rPr lang="de-DE" dirty="0" smtClean="0"/>
-              <a:t> an ML </a:t>
-            </a:r>
-            <a:r>
-              <a:rPr lang="de-DE" dirty="0" err="1" smtClean="0"/>
-              <a:t>task</a:t>
-            </a:r>
-            <a:r>
-              <a:rPr lang="de-DE" dirty="0" smtClean="0"/>
-              <a:t>:</a:t>
-            </a:r>
-          </a:p>
-          <a:p>
-            <a:pPr marL="537750" lvl="2" indent="-285750">
-              <a:buFont typeface="Arial" panose="020B0604020202020204" pitchFamily="34" charset="0"/>
-              <a:buChar char="•"/>
-            </a:pPr>
-            <a:r>
-              <a:rPr lang="de-DE" dirty="0" smtClean="0"/>
-              <a:t>Data </a:t>
-            </a:r>
-            <a:r>
-              <a:rPr lang="de-DE" dirty="0" err="1" smtClean="0"/>
-              <a:t>analysis</a:t>
-            </a:r>
-            <a:r>
-              <a:rPr lang="de-DE" dirty="0" smtClean="0"/>
-              <a:t> </a:t>
-            </a:r>
-            <a:r>
-              <a:rPr lang="de-DE" dirty="0" err="1" smtClean="0"/>
-              <a:t>is</a:t>
-            </a:r>
-            <a:r>
-              <a:rPr lang="de-DE" dirty="0" smtClean="0"/>
-              <a:t> a </a:t>
-            </a:r>
-            <a:r>
-              <a:rPr lang="de-DE" dirty="0" err="1" smtClean="0"/>
-              <a:t>crucial</a:t>
-            </a:r>
-            <a:r>
-              <a:rPr lang="de-DE" dirty="0" smtClean="0"/>
-              <a:t> </a:t>
-            </a:r>
-            <a:r>
-              <a:rPr lang="de-DE" dirty="0" err="1" smtClean="0"/>
-              <a:t>step</a:t>
-            </a:r>
-            <a:r>
-              <a:rPr lang="de-DE" dirty="0" smtClean="0"/>
-              <a:t> </a:t>
-            </a:r>
-            <a:r>
-              <a:rPr lang="de-DE" dirty="0" err="1" smtClean="0"/>
-              <a:t>that</a:t>
-            </a:r>
-            <a:r>
-              <a:rPr lang="de-DE" dirty="0" smtClean="0"/>
-              <a:t> </a:t>
-            </a:r>
-            <a:r>
-              <a:rPr lang="de-DE" dirty="0" err="1" smtClean="0"/>
-              <a:t>is</a:t>
-            </a:r>
-            <a:r>
-              <a:rPr lang="de-DE" dirty="0" smtClean="0"/>
-              <a:t> </a:t>
-            </a:r>
-            <a:r>
-              <a:rPr lang="de-DE" dirty="0" err="1" smtClean="0"/>
-              <a:t>often</a:t>
-            </a:r>
-            <a:r>
-              <a:rPr lang="de-DE" dirty="0" smtClean="0"/>
-              <a:t> </a:t>
-            </a:r>
-            <a:r>
-              <a:rPr lang="de-DE" dirty="0" err="1" smtClean="0"/>
-              <a:t>underestimated</a:t>
-            </a:r>
-            <a:r>
-              <a:rPr lang="de-DE" dirty="0" smtClean="0"/>
-              <a:t> (</a:t>
-            </a:r>
-            <a:r>
-              <a:rPr lang="de-DE" dirty="0" err="1" smtClean="0"/>
-              <a:t>even</a:t>
-            </a:r>
-            <a:r>
-              <a:rPr lang="de-DE" dirty="0" smtClean="0"/>
-              <a:t> </a:t>
-            </a:r>
-            <a:r>
-              <a:rPr lang="de-DE" dirty="0" err="1" smtClean="0"/>
-              <a:t>by</a:t>
-            </a:r>
-            <a:r>
-              <a:rPr lang="de-DE" dirty="0" smtClean="0"/>
-              <a:t> </a:t>
-            </a:r>
-            <a:r>
-              <a:rPr lang="de-DE" dirty="0" err="1" smtClean="0"/>
-              <a:t>advanced</a:t>
-            </a:r>
-            <a:r>
-              <a:rPr lang="de-DE" dirty="0" smtClean="0"/>
-              <a:t> </a:t>
-            </a:r>
-            <a:r>
-              <a:rPr lang="de-DE" dirty="0" err="1" smtClean="0"/>
-              <a:t>researchers</a:t>
-            </a:r>
-            <a:r>
-              <a:rPr lang="de-DE" dirty="0" smtClean="0"/>
-              <a:t>)</a:t>
-            </a:r>
-          </a:p>
-          <a:p>
-            <a:pPr marL="537750" lvl="2" indent="-285750">
-              <a:buFont typeface="Arial" panose="020B0604020202020204" pitchFamily="34" charset="0"/>
-              <a:buChar char="•"/>
-            </a:pPr>
-            <a:r>
-              <a:rPr lang="de-DE" dirty="0" smtClean="0"/>
-              <a:t>Proper </a:t>
-            </a:r>
-            <a:r>
-              <a:rPr lang="de-DE" dirty="0" err="1" smtClean="0"/>
-              <a:t>preprocessing</a:t>
-            </a:r>
-            <a:r>
-              <a:rPr lang="de-DE" dirty="0" smtClean="0"/>
-              <a:t> </a:t>
-            </a:r>
-            <a:r>
-              <a:rPr lang="de-DE" dirty="0" err="1" smtClean="0"/>
-              <a:t>steps</a:t>
-            </a:r>
-            <a:r>
-              <a:rPr lang="de-DE" dirty="0" smtClean="0"/>
-              <a:t> </a:t>
-            </a:r>
-            <a:r>
-              <a:rPr lang="de-DE" dirty="0" err="1" smtClean="0"/>
-              <a:t>prepare</a:t>
-            </a:r>
-            <a:r>
-              <a:rPr lang="de-DE" dirty="0" smtClean="0"/>
-              <a:t> </a:t>
-            </a:r>
-            <a:r>
-              <a:rPr lang="de-DE" dirty="0" err="1" smtClean="0"/>
-              <a:t>the</a:t>
-            </a:r>
-            <a:r>
-              <a:rPr lang="de-DE" dirty="0" smtClean="0"/>
-              <a:t> </a:t>
-            </a:r>
-            <a:r>
-              <a:rPr lang="de-DE" dirty="0" err="1" smtClean="0"/>
-              <a:t>data</a:t>
-            </a:r>
-            <a:r>
-              <a:rPr lang="de-DE" dirty="0" smtClean="0"/>
-              <a:t> such </a:t>
-            </a:r>
-            <a:r>
-              <a:rPr lang="de-DE" dirty="0" err="1" smtClean="0"/>
-              <a:t>that</a:t>
-            </a:r>
-            <a:r>
-              <a:rPr lang="de-DE" dirty="0" smtClean="0"/>
-              <a:t> subsequent </a:t>
-            </a:r>
-            <a:r>
-              <a:rPr lang="de-DE" dirty="0" err="1" smtClean="0"/>
-              <a:t>tasks</a:t>
-            </a:r>
-            <a:r>
-              <a:rPr lang="de-DE" dirty="0" smtClean="0"/>
-              <a:t> </a:t>
-            </a:r>
-            <a:r>
-              <a:rPr lang="de-DE" dirty="0" err="1" smtClean="0"/>
-              <a:t>can</a:t>
-            </a:r>
-            <a:r>
-              <a:rPr lang="de-DE" dirty="0" smtClean="0"/>
-              <a:t> </a:t>
-            </a:r>
-            <a:r>
-              <a:rPr lang="de-DE" dirty="0" err="1" smtClean="0"/>
-              <a:t>be</a:t>
-            </a:r>
-            <a:r>
-              <a:rPr lang="de-DE" dirty="0" smtClean="0"/>
-              <a:t> </a:t>
-            </a:r>
-            <a:r>
-              <a:rPr lang="de-DE" dirty="0" err="1" smtClean="0"/>
-              <a:t>solved</a:t>
-            </a:r>
-            <a:r>
-              <a:rPr lang="de-DE" dirty="0" smtClean="0"/>
-              <a:t> </a:t>
-            </a:r>
-            <a:r>
-              <a:rPr lang="de-DE" dirty="0" err="1" smtClean="0"/>
-              <a:t>easier</a:t>
-            </a:r>
-            <a:endParaRPr lang="de-DE" dirty="0" smtClean="0"/>
-          </a:p>
-          <a:p>
-            <a:pPr marL="537750" lvl="2" indent="-285750">
-              <a:buFont typeface="Arial" panose="020B0604020202020204" pitchFamily="34" charset="0"/>
-              <a:buChar char="•"/>
-            </a:pPr>
-            <a:r>
-              <a:rPr lang="de-DE" dirty="0" smtClean="0"/>
-              <a:t>The </a:t>
-            </a:r>
-            <a:r>
-              <a:rPr lang="de-DE" dirty="0" err="1" smtClean="0"/>
-              <a:t>investigated</a:t>
-            </a:r>
-            <a:r>
-              <a:rPr lang="de-DE" dirty="0" smtClean="0"/>
-              <a:t> </a:t>
-            </a:r>
-            <a:r>
-              <a:rPr lang="de-DE" dirty="0" err="1" smtClean="0"/>
-              <a:t>models</a:t>
-            </a:r>
-            <a:r>
-              <a:rPr lang="de-DE" dirty="0" smtClean="0"/>
-              <a:t> </a:t>
-            </a:r>
-            <a:r>
-              <a:rPr lang="de-DE" dirty="0" err="1" smtClean="0"/>
-              <a:t>have</a:t>
-            </a:r>
-            <a:r>
-              <a:rPr lang="de-DE" dirty="0" smtClean="0"/>
-              <a:t> different </a:t>
-            </a:r>
-            <a:r>
-              <a:rPr lang="de-DE" dirty="0" err="1" smtClean="0"/>
-              <a:t>properties</a:t>
-            </a:r>
-            <a:r>
-              <a:rPr lang="de-DE" dirty="0" smtClean="0"/>
-              <a:t> </a:t>
-            </a:r>
-            <a:r>
-              <a:rPr lang="de-DE" dirty="0" err="1" smtClean="0"/>
-              <a:t>making</a:t>
-            </a:r>
-            <a:r>
-              <a:rPr lang="de-DE" dirty="0" smtClean="0"/>
-              <a:t> </a:t>
-            </a:r>
-            <a:r>
-              <a:rPr lang="de-DE" dirty="0" err="1" smtClean="0"/>
-              <a:t>them</a:t>
-            </a:r>
-            <a:r>
-              <a:rPr lang="de-DE" dirty="0" smtClean="0"/>
-              <a:t> </a:t>
-            </a:r>
-            <a:r>
-              <a:rPr lang="de-DE" dirty="0" err="1" smtClean="0"/>
-              <a:t>more</a:t>
-            </a:r>
-            <a:r>
-              <a:rPr lang="de-DE" dirty="0" smtClean="0"/>
-              <a:t> </a:t>
-            </a:r>
-            <a:r>
-              <a:rPr lang="de-DE" dirty="0" err="1" smtClean="0"/>
-              <a:t>or</a:t>
-            </a:r>
-            <a:r>
-              <a:rPr lang="de-DE" dirty="0" smtClean="0"/>
-              <a:t> </a:t>
-            </a:r>
-            <a:r>
-              <a:rPr lang="de-DE" dirty="0" err="1" smtClean="0"/>
-              <a:t>less</a:t>
-            </a:r>
-            <a:r>
-              <a:rPr lang="de-DE" dirty="0" smtClean="0"/>
-              <a:t> </a:t>
-            </a:r>
-            <a:r>
-              <a:rPr lang="de-DE" dirty="0" err="1" smtClean="0"/>
-              <a:t>suitable</a:t>
-            </a:r>
-            <a:r>
-              <a:rPr lang="de-DE" dirty="0" smtClean="0"/>
-              <a:t> </a:t>
-            </a:r>
-            <a:r>
-              <a:rPr lang="de-DE" dirty="0" err="1" smtClean="0"/>
-              <a:t>to</a:t>
-            </a:r>
-            <a:r>
-              <a:rPr lang="de-DE" dirty="0" smtClean="0"/>
-              <a:t> </a:t>
-            </a:r>
-            <a:r>
-              <a:rPr lang="de-DE" dirty="0" err="1" smtClean="0"/>
-              <a:t>solve</a:t>
-            </a:r>
-            <a:r>
-              <a:rPr lang="de-DE" dirty="0" smtClean="0"/>
-              <a:t> a </a:t>
-            </a:r>
-            <a:r>
-              <a:rPr lang="de-DE" dirty="0" err="1" smtClean="0"/>
-              <a:t>task</a:t>
-            </a:r>
-            <a:endParaRPr lang="de-DE" dirty="0" smtClean="0"/>
-          </a:p>
-          <a:p>
-            <a:pPr marL="285750" indent="-285750">
-              <a:buFont typeface="Arial" panose="020B0604020202020204" pitchFamily="34" charset="0"/>
-              <a:buChar char="•"/>
-            </a:pPr>
-            <a:endParaRPr lang="de-DE" dirty="0" smtClean="0"/>
-          </a:p>
-          <a:p>
-            <a:pPr marL="285750" indent="-285750">
-              <a:buFont typeface="Arial" panose="020B0604020202020204" pitchFamily="34" charset="0"/>
-              <a:buChar char="•"/>
-            </a:pPr>
-            <a:r>
-              <a:rPr lang="de-DE" dirty="0" smtClean="0"/>
-              <a:t>The ML </a:t>
-            </a:r>
-            <a:r>
-              <a:rPr lang="de-DE" dirty="0" err="1" smtClean="0"/>
-              <a:t>frameworks</a:t>
-            </a:r>
-            <a:r>
-              <a:rPr lang="de-DE" dirty="0" smtClean="0"/>
-              <a:t> </a:t>
-            </a:r>
-            <a:r>
-              <a:rPr lang="de-DE" dirty="0" err="1" smtClean="0"/>
-              <a:t>simplify</a:t>
-            </a:r>
-            <a:r>
-              <a:rPr lang="de-DE" dirty="0" smtClean="0"/>
-              <a:t> </a:t>
-            </a:r>
-            <a:r>
-              <a:rPr lang="de-DE" dirty="0" err="1" smtClean="0"/>
-              <a:t>researchers</a:t>
-            </a:r>
-            <a:r>
-              <a:rPr lang="de-DE" dirty="0" smtClean="0"/>
-              <a:t> </a:t>
-            </a:r>
-            <a:r>
-              <a:rPr lang="de-DE" dirty="0" err="1" smtClean="0"/>
-              <a:t>without</a:t>
-            </a:r>
-            <a:r>
-              <a:rPr lang="de-DE" dirty="0" smtClean="0"/>
-              <a:t> </a:t>
-            </a:r>
-            <a:r>
-              <a:rPr lang="de-DE" dirty="0" err="1" smtClean="0"/>
-              <a:t>many</a:t>
-            </a:r>
-            <a:r>
-              <a:rPr lang="de-DE" dirty="0" smtClean="0"/>
-              <a:t> </a:t>
-            </a:r>
-            <a:r>
-              <a:rPr lang="de-DE" dirty="0" err="1" smtClean="0"/>
-              <a:t>programming</a:t>
-            </a:r>
-            <a:r>
-              <a:rPr lang="de-DE" dirty="0" smtClean="0"/>
-              <a:t> </a:t>
-            </a:r>
-            <a:r>
-              <a:rPr lang="de-DE" dirty="0" err="1" smtClean="0"/>
-              <a:t>skills</a:t>
-            </a:r>
-            <a:r>
-              <a:rPr lang="de-DE" dirty="0" smtClean="0"/>
-              <a:t> </a:t>
-            </a:r>
-            <a:r>
-              <a:rPr lang="de-DE" dirty="0" err="1" smtClean="0"/>
-              <a:t>to</a:t>
-            </a:r>
-            <a:r>
-              <a:rPr lang="de-DE" dirty="0" smtClean="0"/>
-              <a:t> </a:t>
-            </a:r>
-            <a:r>
-              <a:rPr lang="de-DE" dirty="0" err="1" smtClean="0"/>
-              <a:t>get</a:t>
-            </a:r>
-            <a:r>
-              <a:rPr lang="de-DE" dirty="0" smtClean="0"/>
-              <a:t> </a:t>
-            </a:r>
-            <a:r>
-              <a:rPr lang="de-DE" dirty="0" err="1" smtClean="0"/>
-              <a:t>started</a:t>
-            </a:r>
-            <a:r>
-              <a:rPr lang="de-DE" dirty="0" smtClean="0"/>
-              <a:t>:</a:t>
-            </a:r>
-          </a:p>
-          <a:p>
-            <a:pPr marL="537750" lvl="2" indent="-285750">
-              <a:buFont typeface="Arial" panose="020B0604020202020204" pitchFamily="34" charset="0"/>
-              <a:buChar char="•"/>
-            </a:pPr>
-            <a:r>
-              <a:rPr lang="de-DE" dirty="0" err="1" smtClean="0"/>
-              <a:t>Good</a:t>
-            </a:r>
-            <a:r>
-              <a:rPr lang="de-DE" dirty="0" smtClean="0"/>
-              <a:t> </a:t>
-            </a:r>
-            <a:r>
-              <a:rPr lang="de-DE" dirty="0" err="1" smtClean="0"/>
-              <a:t>documentation</a:t>
-            </a:r>
-            <a:r>
-              <a:rPr lang="de-DE" dirty="0" smtClean="0"/>
-              <a:t> </a:t>
-            </a:r>
-            <a:r>
-              <a:rPr lang="de-DE" dirty="0" err="1" smtClean="0"/>
-              <a:t>is</a:t>
-            </a:r>
-            <a:r>
-              <a:rPr lang="de-DE" dirty="0" smtClean="0"/>
-              <a:t> </a:t>
-            </a:r>
-            <a:r>
-              <a:rPr lang="de-DE" dirty="0" err="1" smtClean="0"/>
-              <a:t>available</a:t>
-            </a:r>
-            <a:r>
-              <a:rPr lang="de-DE" dirty="0" smtClean="0"/>
-              <a:t> online</a:t>
-            </a:r>
-          </a:p>
-          <a:p>
-            <a:pPr marL="537750" lvl="2" indent="-285750">
-              <a:buFont typeface="Arial" panose="020B0604020202020204" pitchFamily="34" charset="0"/>
-              <a:buChar char="•"/>
-            </a:pPr>
-            <a:r>
-              <a:rPr lang="de-DE" dirty="0" smtClean="0"/>
-              <a:t>The </a:t>
-            </a:r>
-            <a:r>
-              <a:rPr lang="de-DE" dirty="0" err="1" smtClean="0"/>
-              <a:t>focus</a:t>
-            </a:r>
-            <a:r>
-              <a:rPr lang="de-DE" dirty="0" smtClean="0"/>
-              <a:t> </a:t>
-            </a:r>
-            <a:r>
-              <a:rPr lang="de-DE" dirty="0" err="1" smtClean="0"/>
-              <a:t>should</a:t>
-            </a:r>
-            <a:r>
-              <a:rPr lang="de-DE" dirty="0" smtClean="0"/>
-              <a:t> </a:t>
-            </a:r>
-            <a:r>
-              <a:rPr lang="de-DE" dirty="0" err="1" smtClean="0"/>
-              <a:t>lie</a:t>
-            </a:r>
-            <a:r>
-              <a:rPr lang="de-DE" dirty="0" smtClean="0"/>
-              <a:t> </a:t>
-            </a:r>
-            <a:r>
-              <a:rPr lang="de-DE" dirty="0" err="1" smtClean="0"/>
-              <a:t>more</a:t>
-            </a:r>
-            <a:r>
-              <a:rPr lang="de-DE" dirty="0" smtClean="0"/>
-              <a:t> on </a:t>
-            </a:r>
-            <a:r>
-              <a:rPr lang="de-DE" dirty="0" err="1" smtClean="0"/>
-              <a:t>optimizing</a:t>
-            </a:r>
-            <a:r>
-              <a:rPr lang="de-DE" dirty="0" smtClean="0"/>
-              <a:t> </a:t>
-            </a:r>
-            <a:r>
-              <a:rPr lang="de-DE" dirty="0" err="1" smtClean="0"/>
-              <a:t>models</a:t>
-            </a:r>
-            <a:r>
-              <a:rPr lang="de-DE" dirty="0" smtClean="0"/>
-              <a:t> </a:t>
-            </a:r>
-            <a:r>
-              <a:rPr lang="de-DE" dirty="0" err="1" smtClean="0"/>
-              <a:t>for</a:t>
-            </a:r>
-            <a:r>
-              <a:rPr lang="de-DE" dirty="0" smtClean="0"/>
-              <a:t> a </a:t>
-            </a:r>
-            <a:r>
-              <a:rPr lang="de-DE" dirty="0" err="1" smtClean="0"/>
-              <a:t>given</a:t>
-            </a:r>
-            <a:r>
-              <a:rPr lang="de-DE" dirty="0" smtClean="0"/>
-              <a:t> </a:t>
-            </a:r>
-            <a:r>
-              <a:rPr lang="de-DE" dirty="0" err="1" smtClean="0"/>
-              <a:t>task</a:t>
-            </a:r>
-            <a:endParaRPr lang="de-DE" dirty="0"/>
-          </a:p>
-        </p:txBody>
-      </p:sp>
-    </p:spTree>
-    <p:extLst>
-      <p:ext uri="{BB962C8B-B14F-4D97-AF65-F5344CB8AC3E}">
-        <p14:creationId xmlns:p14="http://schemas.microsoft.com/office/powerpoint/2010/main" val="4006073144"/>
-      </p:ext>
-    </p:extLst>
-  </p:cSld>
-  <p:clrMapOvr>
-    <a:masterClrMapping/>
-  </p:clrMapOvr>
-</p:sld>
-</file>
-
-<file path=ppt/slides/slide34.xml><?xml version="1.0" encoding="utf-8"?>
-<p:sld xmlns:a="http://schemas.openxmlformats.org/drawingml/2006/main" xmlns:r="http://schemas.openxmlformats.org/officeDocument/2006/relationships" xmlns:p="http://schemas.openxmlformats.org/presentationml/2006/main">
-  <p:cSld>
-    <p:spTree>
-      <p:nvGrpSpPr>
-        <p:cNvPr id="1" name=""/>
-        <p:cNvGrpSpPr/>
-        <p:nvPr/>
-      </p:nvGrpSpPr>
-      <p:grpSpPr>
-        <a:xfrm>
-          <a:off x="0" y="0"/>
-          <a:ext cx="0" cy="0"/>
-          <a:chOff x="0" y="0"/>
-          <a:chExt cx="0" cy="0"/>
-        </a:xfrm>
-      </p:grpSpPr>
-      <p:sp>
-        <p:nvSpPr>
-          <p:cNvPr id="4" name="Titel 3"/>
-          <p:cNvSpPr>
-            <a:spLocks noGrp="1"/>
-          </p:cNvSpPr>
-          <p:nvPr>
-            <p:ph type="title"/>
-          </p:nvPr>
-        </p:nvSpPr>
-        <p:spPr>
-          <a:xfrm>
-            <a:off x="882771" y="3835706"/>
-            <a:ext cx="6676508" cy="492443"/>
-          </a:xfrm>
-        </p:spPr>
-        <p:txBody>
-          <a:bodyPr/>
-          <a:lstStyle/>
-          <a:p>
-            <a:r>
-              <a:rPr lang="de-DE" dirty="0" err="1" smtClean="0"/>
-              <a:t>Thank</a:t>
-            </a:r>
-            <a:r>
-              <a:rPr lang="de-DE" dirty="0" smtClean="0"/>
-              <a:t> </a:t>
-            </a:r>
-            <a:r>
-              <a:rPr lang="de-DE" dirty="0" err="1" smtClean="0"/>
-              <a:t>you</a:t>
-            </a:r>
-            <a:r>
-              <a:rPr lang="de-DE" dirty="0" smtClean="0"/>
-              <a:t> all </a:t>
-            </a:r>
-            <a:r>
-              <a:rPr lang="de-DE" dirty="0" err="1" smtClean="0"/>
-              <a:t>for</a:t>
-            </a:r>
-            <a:r>
-              <a:rPr lang="de-DE" dirty="0" smtClean="0"/>
-              <a:t> </a:t>
-            </a:r>
-            <a:r>
-              <a:rPr lang="de-DE" dirty="0" err="1" smtClean="0"/>
-              <a:t>your</a:t>
-            </a:r>
-            <a:r>
-              <a:rPr lang="de-DE" dirty="0" smtClean="0"/>
-              <a:t> </a:t>
-            </a:r>
-            <a:r>
-              <a:rPr lang="de-DE" dirty="0" err="1" smtClean="0"/>
-              <a:t>attention</a:t>
-            </a:r>
-            <a:r>
-              <a:rPr lang="de-DE" dirty="0" smtClean="0"/>
-              <a:t>!</a:t>
-            </a:r>
-            <a:endParaRPr lang="de-DE" dirty="0"/>
-          </a:p>
-        </p:txBody>
-      </p:sp>
-      <p:sp>
-        <p:nvSpPr>
-          <p:cNvPr id="5" name="Textplatzhalter 4"/>
-          <p:cNvSpPr>
-            <a:spLocks noGrp="1"/>
-          </p:cNvSpPr>
-          <p:nvPr>
-            <p:ph type="body" sz="quarter" idx="12"/>
-          </p:nvPr>
-        </p:nvSpPr>
-        <p:spPr>
-          <a:xfrm>
-            <a:off x="882770" y="4375609"/>
-            <a:ext cx="6343083" cy="492443"/>
-          </a:xfrm>
-        </p:spPr>
-        <p:txBody>
-          <a:bodyPr/>
-          <a:lstStyle/>
-          <a:p>
-            <a:r>
-              <a:rPr lang="de-DE" dirty="0" smtClean="0"/>
-              <a:t>I am open </a:t>
-            </a:r>
-            <a:r>
-              <a:rPr lang="de-DE" dirty="0" err="1" smtClean="0"/>
-              <a:t>for</a:t>
-            </a:r>
-            <a:r>
-              <a:rPr lang="de-DE" dirty="0" smtClean="0"/>
-              <a:t> </a:t>
-            </a:r>
-            <a:r>
-              <a:rPr lang="de-DE" dirty="0" err="1" smtClean="0"/>
-              <a:t>further</a:t>
-            </a:r>
-            <a:r>
-              <a:rPr lang="de-DE" dirty="0" smtClean="0"/>
-              <a:t> </a:t>
-            </a:r>
-            <a:r>
-              <a:rPr lang="de-DE" dirty="0" err="1" smtClean="0"/>
-              <a:t>discussions</a:t>
-            </a:r>
-            <a:endParaRPr lang="de-DE" dirty="0"/>
-          </a:p>
-        </p:txBody>
-      </p:sp>
-    </p:spTree>
-    <p:extLst>
-      <p:ext uri="{BB962C8B-B14F-4D97-AF65-F5344CB8AC3E}">
-        <p14:creationId xmlns:p14="http://schemas.microsoft.com/office/powerpoint/2010/main" val="3869648313"/>
-      </p:ext>
-    </p:extLst>
-  </p:cSld>
-  <p:clrMapOvr>
-    <a:masterClrMapping/>
-  </p:clrMapOvr>
-</p:sld>
-</file>
-
-<file path=ppt/slides/slide35.xml><?xml version="1.0" encoding="utf-8"?>
-<p:sld xmlns:a="http://schemas.openxmlformats.org/drawingml/2006/main" xmlns:r="http://schemas.openxmlformats.org/officeDocument/2006/relationships" xmlns:p="http://schemas.openxmlformats.org/presentationml/2006/main">
-  <p:cSld>
-    <p:spTree>
-      <p:nvGrpSpPr>
-        <p:cNvPr id="1" name=""/>
-        <p:cNvGrpSpPr/>
-        <p:nvPr/>
-      </p:nvGrpSpPr>
-      <p:grpSpPr>
-        <a:xfrm>
-          <a:off x="0" y="0"/>
-          <a:ext cx="0" cy="0"/>
-          <a:chOff x="0" y="0"/>
-          <a:chExt cx="0" cy="0"/>
-        </a:xfrm>
-      </p:grpSpPr>
-      <p:sp>
-        <p:nvSpPr>
-          <p:cNvPr id="4" name="Titel 3"/>
-          <p:cNvSpPr>
-            <a:spLocks noGrp="1"/>
-          </p:cNvSpPr>
-          <p:nvPr>
-            <p:ph type="title"/>
-          </p:nvPr>
-        </p:nvSpPr>
-        <p:spPr/>
-        <p:txBody>
-          <a:bodyPr/>
-          <a:lstStyle/>
-          <a:p>
-            <a:r>
-              <a:rPr lang="de-DE" dirty="0" smtClean="0"/>
-              <a:t>References</a:t>
-            </a:r>
-            <a:endParaRPr lang="de-DE" dirty="0"/>
-          </a:p>
-        </p:txBody>
-      </p:sp>
-      <p:sp>
-        <p:nvSpPr>
-          <p:cNvPr id="5" name="Inhaltsplatzhalter 4"/>
-          <p:cNvSpPr>
-            <a:spLocks noGrp="1"/>
-          </p:cNvSpPr>
-          <p:nvPr>
-            <p:ph sz="quarter" idx="10"/>
-          </p:nvPr>
-        </p:nvSpPr>
-        <p:spPr/>
-        <p:txBody>
-          <a:bodyPr/>
-          <a:lstStyle/>
-          <a:p>
-            <a:endParaRPr lang="de-DE"/>
-          </a:p>
-        </p:txBody>
-      </p:sp>
-    </p:spTree>
-    <p:extLst>
-      <p:ext uri="{BB962C8B-B14F-4D97-AF65-F5344CB8AC3E}">
-        <p14:creationId xmlns:p14="http://schemas.microsoft.com/office/powerpoint/2010/main" val="993571247"/>
-      </p:ext>
-    </p:extLst>
-  </p:cSld>
-  <p:clrMapOvr>
-    <a:masterClrMapping/>
-  </p:clrMapOvr>
-</p:sld>
-</file>
-
-<file path=ppt/slides/slide4.xml><?xml version="1.0" encoding="utf-8"?>
+<file path=ppt/slides/slide5.xml><?xml version="1.0" encoding="utf-8"?>
 <p:sld xmlns:a="http://schemas.openxmlformats.org/drawingml/2006/main" xmlns:r="http://schemas.openxmlformats.org/officeDocument/2006/relationships" xmlns:p="http://schemas.openxmlformats.org/presentationml/2006/main">
   <p:cSld>
     <p:spTree>
@@ -29848,10 +31269,17 @@
   <p:clrMapOvr>
     <a:masterClrMapping/>
   </p:clrMapOvr>
+  <p:timing>
+    <p:tnLst>
+      <p:par>
+        <p:cTn id="1" dur="indefinite" restart="never" nodeType="tmRoot"/>
+      </p:par>
+    </p:tnLst>
+  </p:timing>
 </p:sld>
 </file>
 
-<file path=ppt/slides/slide5.xml><?xml version="1.0" encoding="utf-8"?>
+<file path=ppt/slides/slide6.xml><?xml version="1.0" encoding="utf-8"?>
 <p:sld xmlns:a="http://schemas.openxmlformats.org/drawingml/2006/main" xmlns:r="http://schemas.openxmlformats.org/officeDocument/2006/relationships" xmlns:p="http://schemas.openxmlformats.org/presentationml/2006/main">
   <p:cSld>
     <p:spTree>
@@ -30410,590 +31838,13 @@
   <p:clrMapOvr>
     <a:masterClrMapping/>
   </p:clrMapOvr>
-</p:sld>
-</file>
-
-<file path=ppt/slides/slide6.xml><?xml version="1.0" encoding="utf-8"?>
-<p:sld xmlns:a="http://schemas.openxmlformats.org/drawingml/2006/main" xmlns:r="http://schemas.openxmlformats.org/officeDocument/2006/relationships" xmlns:p="http://schemas.openxmlformats.org/presentationml/2006/main">
-  <p:cSld>
-    <p:spTree>
-      <p:nvGrpSpPr>
-        <p:cNvPr id="1" name=""/>
-        <p:cNvGrpSpPr/>
-        <p:nvPr/>
-      </p:nvGrpSpPr>
-      <p:grpSpPr>
-        <a:xfrm>
-          <a:off x="0" y="0"/>
-          <a:ext cx="0" cy="0"/>
-          <a:chOff x="0" y="0"/>
-          <a:chExt cx="0" cy="0"/>
-        </a:xfrm>
-      </p:grpSpPr>
-      <p:sp>
-        <p:nvSpPr>
-          <p:cNvPr id="2" name="Titel 1"/>
-          <p:cNvSpPr>
-            <a:spLocks noGrp="1"/>
-          </p:cNvSpPr>
-          <p:nvPr>
-            <p:ph type="title"/>
-          </p:nvPr>
-        </p:nvSpPr>
-        <p:spPr/>
-        <p:txBody>
-          <a:bodyPr/>
-          <a:lstStyle/>
-          <a:p>
-            <a:r>
-              <a:rPr lang="de-DE" dirty="0" smtClean="0"/>
-              <a:t>A </a:t>
-            </a:r>
-            <a:r>
-              <a:rPr lang="de-DE" dirty="0" err="1" smtClean="0"/>
-              <a:t>very</a:t>
-            </a:r>
-            <a:r>
-              <a:rPr lang="de-DE" dirty="0" smtClean="0"/>
-              <a:t> </a:t>
-            </a:r>
-            <a:r>
-              <a:rPr lang="de-DE" dirty="0" err="1" smtClean="0"/>
-              <a:t>brief</a:t>
-            </a:r>
-            <a:r>
-              <a:rPr lang="de-DE" dirty="0" smtClean="0"/>
-              <a:t> </a:t>
-            </a:r>
-            <a:r>
-              <a:rPr lang="de-DE" dirty="0" err="1" smtClean="0"/>
-              <a:t>introduction</a:t>
-            </a:r>
-            <a:r>
-              <a:rPr lang="de-DE" dirty="0" smtClean="0"/>
-              <a:t> </a:t>
-            </a:r>
-            <a:r>
-              <a:rPr lang="de-DE" dirty="0" err="1" smtClean="0"/>
-              <a:t>to</a:t>
-            </a:r>
-            <a:r>
-              <a:rPr lang="de-DE" dirty="0" smtClean="0"/>
-              <a:t> Python</a:t>
-            </a:r>
-            <a:endParaRPr lang="de-DE" dirty="0"/>
-          </a:p>
-        </p:txBody>
-      </p:sp>
-      <p:sp>
-        <p:nvSpPr>
-          <p:cNvPr id="3" name="Inhaltsplatzhalter 2"/>
-          <p:cNvSpPr>
-            <a:spLocks noGrp="1"/>
-          </p:cNvSpPr>
-          <p:nvPr>
-            <p:ph sz="quarter" idx="10"/>
-          </p:nvPr>
-        </p:nvSpPr>
-        <p:spPr/>
-        <p:txBody>
-          <a:bodyPr/>
-          <a:lstStyle/>
-          <a:p>
-            <a:pPr marL="285750" indent="-285750">
-              <a:buFont typeface="Arial" panose="020B0604020202020204" pitchFamily="34" charset="0"/>
-              <a:buChar char="•"/>
-            </a:pPr>
-            <a:r>
-              <a:rPr lang="de-DE" dirty="0" smtClean="0"/>
-              <a:t>This </a:t>
-            </a:r>
-            <a:r>
-              <a:rPr lang="de-DE" dirty="0" err="1" smtClean="0"/>
-              <a:t>workshop</a:t>
-            </a:r>
-            <a:r>
-              <a:rPr lang="de-DE" dirty="0" smtClean="0"/>
-              <a:t> </a:t>
-            </a:r>
-            <a:r>
-              <a:rPr lang="de-DE" dirty="0" err="1" smtClean="0"/>
-              <a:t>requires</a:t>
-            </a:r>
-            <a:r>
-              <a:rPr lang="de-DE" dirty="0" smtClean="0"/>
-              <a:t> </a:t>
-            </a:r>
-            <a:r>
-              <a:rPr lang="de-DE" dirty="0" err="1" smtClean="0"/>
-              <a:t>some</a:t>
-            </a:r>
-            <a:r>
-              <a:rPr lang="de-DE" dirty="0" smtClean="0"/>
-              <a:t> </a:t>
-            </a:r>
-            <a:r>
-              <a:rPr lang="de-DE" dirty="0" err="1" smtClean="0"/>
-              <a:t>basic</a:t>
-            </a:r>
-            <a:r>
-              <a:rPr lang="de-DE" dirty="0" smtClean="0"/>
-              <a:t> </a:t>
-            </a:r>
-            <a:r>
-              <a:rPr lang="de-DE" dirty="0" err="1" smtClean="0"/>
-              <a:t>knowledge</a:t>
-            </a:r>
-            <a:r>
-              <a:rPr lang="de-DE" dirty="0" smtClean="0"/>
-              <a:t> </a:t>
-            </a:r>
-            <a:r>
-              <a:rPr lang="de-DE" dirty="0" err="1" smtClean="0"/>
-              <a:t>about</a:t>
-            </a:r>
-            <a:r>
-              <a:rPr lang="de-DE" dirty="0" smtClean="0"/>
-              <a:t> Python</a:t>
-            </a:r>
-          </a:p>
-          <a:p>
-            <a:pPr marL="285750" indent="-285750">
-              <a:buFont typeface="Arial" panose="020B0604020202020204" pitchFamily="34" charset="0"/>
-              <a:buChar char="•"/>
-            </a:pPr>
-            <a:r>
-              <a:rPr lang="de-DE" dirty="0" err="1" smtClean="0"/>
-              <a:t>It</a:t>
-            </a:r>
-            <a:r>
-              <a:rPr lang="de-DE" dirty="0" smtClean="0"/>
-              <a:t> </a:t>
-            </a:r>
-            <a:r>
-              <a:rPr lang="de-DE" dirty="0" err="1" smtClean="0"/>
-              <a:t>is</a:t>
-            </a:r>
-            <a:r>
-              <a:rPr lang="de-DE" dirty="0" smtClean="0"/>
-              <a:t> </a:t>
-            </a:r>
-            <a:r>
-              <a:rPr lang="de-DE" dirty="0" err="1" smtClean="0"/>
-              <a:t>particularly</a:t>
-            </a:r>
-            <a:r>
-              <a:rPr lang="de-DE" dirty="0" smtClean="0"/>
-              <a:t> </a:t>
-            </a:r>
-            <a:r>
-              <a:rPr lang="de-DE" dirty="0" err="1" smtClean="0"/>
-              <a:t>useful</a:t>
-            </a:r>
-            <a:r>
-              <a:rPr lang="de-DE" dirty="0" smtClean="0"/>
-              <a:t> </a:t>
-            </a:r>
-            <a:r>
-              <a:rPr lang="de-DE" dirty="0" err="1" smtClean="0"/>
-              <a:t>to</a:t>
-            </a:r>
-            <a:r>
-              <a:rPr lang="de-DE" dirty="0" smtClean="0"/>
-              <a:t> </a:t>
-            </a:r>
-            <a:r>
-              <a:rPr lang="de-DE" dirty="0" err="1" smtClean="0"/>
-              <a:t>know</a:t>
-            </a:r>
-            <a:endParaRPr lang="de-DE" dirty="0" smtClean="0"/>
-          </a:p>
-          <a:p>
-            <a:pPr marL="537750" lvl="2" indent="-285750">
-              <a:buFont typeface="Arial" panose="020B0604020202020204" pitchFamily="34" charset="0"/>
-              <a:buChar char="•"/>
-            </a:pPr>
-            <a:r>
-              <a:rPr lang="de-DE" dirty="0" err="1" smtClean="0"/>
-              <a:t>Mathematical</a:t>
-            </a:r>
-            <a:r>
-              <a:rPr lang="de-DE" dirty="0" smtClean="0"/>
-              <a:t> </a:t>
-            </a:r>
-            <a:r>
-              <a:rPr lang="de-DE" dirty="0" err="1" smtClean="0"/>
-              <a:t>operations</a:t>
-            </a:r>
-            <a:endParaRPr lang="de-DE" dirty="0" smtClean="0"/>
-          </a:p>
-          <a:p>
-            <a:pPr marL="537750" lvl="2" indent="-285750">
-              <a:buFont typeface="Arial" panose="020B0604020202020204" pitchFamily="34" charset="0"/>
-              <a:buChar char="•"/>
-            </a:pPr>
-            <a:r>
-              <a:rPr lang="de-DE" dirty="0" err="1" smtClean="0"/>
-              <a:t>How</a:t>
-            </a:r>
-            <a:r>
-              <a:rPr lang="de-DE" dirty="0" smtClean="0"/>
-              <a:t> </a:t>
-            </a:r>
-            <a:r>
-              <a:rPr lang="de-DE" dirty="0" err="1" smtClean="0"/>
-              <a:t>to</a:t>
-            </a:r>
-            <a:r>
-              <a:rPr lang="de-DE" dirty="0" smtClean="0"/>
-              <a:t> </a:t>
-            </a:r>
-            <a:r>
-              <a:rPr lang="de-DE" dirty="0" err="1" smtClean="0"/>
-              <a:t>load</a:t>
-            </a:r>
-            <a:r>
-              <a:rPr lang="de-DE" dirty="0" smtClean="0"/>
-              <a:t> </a:t>
-            </a:r>
-            <a:r>
-              <a:rPr lang="de-DE" dirty="0" err="1" smtClean="0"/>
-              <a:t>packages</a:t>
-            </a:r>
-            <a:r>
-              <a:rPr lang="de-DE" dirty="0" smtClean="0"/>
-              <a:t> and </a:t>
-            </a:r>
-            <a:r>
-              <a:rPr lang="de-DE" dirty="0" err="1" smtClean="0"/>
-              <a:t>instantiate</a:t>
-            </a:r>
-            <a:r>
-              <a:rPr lang="de-DE" dirty="0" smtClean="0"/>
-              <a:t> </a:t>
-            </a:r>
-            <a:r>
-              <a:rPr lang="de-DE" dirty="0" err="1" smtClean="0"/>
-              <a:t>objects</a:t>
-            </a:r>
-            <a:endParaRPr lang="de-DE" dirty="0" smtClean="0"/>
-          </a:p>
-          <a:p>
-            <a:pPr marL="285750" indent="-285750">
-              <a:buFont typeface="Arial" panose="020B0604020202020204" pitchFamily="34" charset="0"/>
-              <a:buChar char="•"/>
-            </a:pPr>
-            <a:endParaRPr lang="de-DE" dirty="0"/>
-          </a:p>
-          <a:p>
-            <a:pPr marL="285750" indent="-285750">
-              <a:buFont typeface="Arial" panose="020B0604020202020204" pitchFamily="34" charset="0"/>
-              <a:buChar char="•"/>
-            </a:pPr>
-            <a:r>
-              <a:rPr lang="de-DE" dirty="0" err="1" smtClean="0"/>
-              <a:t>Important</a:t>
-            </a:r>
-            <a:r>
-              <a:rPr lang="de-DE" dirty="0" smtClean="0"/>
-              <a:t> Python </a:t>
-            </a:r>
-            <a:r>
-              <a:rPr lang="de-DE" dirty="0" err="1" smtClean="0"/>
-              <a:t>packages</a:t>
-            </a:r>
-            <a:r>
-              <a:rPr lang="de-DE" dirty="0" smtClean="0"/>
-              <a:t>:</a:t>
-            </a:r>
-          </a:p>
-          <a:p>
-            <a:pPr marL="537750" lvl="2" indent="-285750">
-              <a:buFont typeface="Arial" panose="020B0604020202020204" pitchFamily="34" charset="0"/>
-              <a:buChar char="•"/>
-            </a:pPr>
-            <a:r>
-              <a:rPr lang="de-DE" dirty="0" err="1" smtClean="0"/>
-              <a:t>Numpy</a:t>
-            </a:r>
-            <a:r>
-              <a:rPr lang="de-DE" dirty="0" smtClean="0"/>
-              <a:t> </a:t>
-            </a:r>
-            <a:r>
-              <a:rPr lang="de-DE" dirty="0" err="1" smtClean="0"/>
-              <a:t>for</a:t>
-            </a:r>
-            <a:r>
-              <a:rPr lang="de-DE" dirty="0" smtClean="0"/>
-              <a:t> </a:t>
-            </a:r>
-            <a:r>
-              <a:rPr lang="de-DE" dirty="0" err="1" smtClean="0"/>
-              <a:t>efficient</a:t>
-            </a:r>
-            <a:r>
-              <a:rPr lang="de-DE" dirty="0" smtClean="0"/>
-              <a:t> </a:t>
-            </a:r>
-            <a:r>
-              <a:rPr lang="de-DE" dirty="0" err="1" smtClean="0"/>
-              <a:t>matrix</a:t>
-            </a:r>
-            <a:r>
-              <a:rPr lang="de-DE" dirty="0" smtClean="0"/>
-              <a:t> </a:t>
-            </a:r>
-            <a:r>
-              <a:rPr lang="de-DE" dirty="0" err="1" smtClean="0"/>
-              <a:t>handling</a:t>
-            </a:r>
-            <a:r>
-              <a:rPr lang="de-DE" dirty="0" smtClean="0"/>
-              <a:t> and linear </a:t>
-            </a:r>
-            <a:r>
-              <a:rPr lang="de-DE" dirty="0" err="1" smtClean="0"/>
-              <a:t>algebra</a:t>
-            </a:r>
-            <a:endParaRPr lang="de-DE" dirty="0" smtClean="0"/>
-          </a:p>
-          <a:p>
-            <a:pPr marL="537750" lvl="2" indent="-285750">
-              <a:buFont typeface="Arial" panose="020B0604020202020204" pitchFamily="34" charset="0"/>
-              <a:buChar char="•"/>
-            </a:pPr>
-            <a:r>
-              <a:rPr lang="de-DE" dirty="0" smtClean="0"/>
-              <a:t>Pandas </a:t>
-            </a:r>
-            <a:r>
-              <a:rPr lang="de-DE" dirty="0" err="1" smtClean="0"/>
-              <a:t>for</a:t>
-            </a:r>
-            <a:r>
-              <a:rPr lang="de-DE" dirty="0" smtClean="0"/>
-              <a:t> </a:t>
-            </a:r>
-            <a:r>
-              <a:rPr lang="de-DE" dirty="0" err="1" smtClean="0"/>
-              <a:t>efficient</a:t>
-            </a:r>
-            <a:r>
-              <a:rPr lang="de-DE" dirty="0" smtClean="0"/>
-              <a:t> </a:t>
-            </a:r>
-            <a:r>
-              <a:rPr lang="de-DE" dirty="0" err="1" smtClean="0"/>
-              <a:t>tabular</a:t>
-            </a:r>
-            <a:r>
-              <a:rPr lang="de-DE" dirty="0" smtClean="0"/>
-              <a:t> </a:t>
-            </a:r>
-            <a:r>
-              <a:rPr lang="de-DE" dirty="0" err="1" smtClean="0"/>
-              <a:t>dataset</a:t>
-            </a:r>
-            <a:r>
-              <a:rPr lang="de-DE" dirty="0" smtClean="0"/>
-              <a:t> </a:t>
-            </a:r>
-            <a:r>
-              <a:rPr lang="de-DE" dirty="0" err="1" smtClean="0"/>
-              <a:t>handling</a:t>
-            </a:r>
-            <a:endParaRPr lang="de-DE" dirty="0" smtClean="0"/>
-          </a:p>
-          <a:p>
-            <a:pPr marL="537750" lvl="2" indent="-285750">
-              <a:buFont typeface="Arial" panose="020B0604020202020204" pitchFamily="34" charset="0"/>
-              <a:buChar char="•"/>
-            </a:pPr>
-            <a:r>
-              <a:rPr lang="de-DE" dirty="0" err="1" smtClean="0"/>
-              <a:t>Scikit-learn</a:t>
-            </a:r>
-            <a:r>
-              <a:rPr lang="de-DE" dirty="0" smtClean="0"/>
-              <a:t> </a:t>
-            </a:r>
-            <a:r>
-              <a:rPr lang="de-DE" dirty="0" err="1" smtClean="0"/>
-              <a:t>for</a:t>
-            </a:r>
-            <a:r>
-              <a:rPr lang="de-DE" dirty="0" smtClean="0"/>
-              <a:t> </a:t>
-            </a:r>
-            <a:r>
-              <a:rPr lang="de-DE" dirty="0" err="1" smtClean="0"/>
-              <a:t>developing</a:t>
-            </a:r>
-            <a:r>
-              <a:rPr lang="de-DE" dirty="0" smtClean="0"/>
-              <a:t> simple </a:t>
-            </a:r>
-            <a:r>
-              <a:rPr lang="de-DE" dirty="0" err="1" smtClean="0"/>
-              <a:t>machine</a:t>
-            </a:r>
-            <a:r>
-              <a:rPr lang="de-DE" dirty="0" smtClean="0"/>
-              <a:t> </a:t>
-            </a:r>
-            <a:r>
-              <a:rPr lang="de-DE" dirty="0" err="1" smtClean="0"/>
-              <a:t>learning</a:t>
-            </a:r>
-            <a:r>
-              <a:rPr lang="de-DE" dirty="0" smtClean="0"/>
-              <a:t> </a:t>
-            </a:r>
-            <a:r>
-              <a:rPr lang="de-DE" dirty="0" err="1" smtClean="0"/>
-              <a:t>models</a:t>
-            </a:r>
-            <a:endParaRPr lang="de-DE" dirty="0" smtClean="0"/>
-          </a:p>
-          <a:p>
-            <a:pPr marL="537750" lvl="2" indent="-285750">
-              <a:buFont typeface="Arial" panose="020B0604020202020204" pitchFamily="34" charset="0"/>
-              <a:buChar char="•"/>
-            </a:pPr>
-            <a:r>
-              <a:rPr lang="de-DE" dirty="0" err="1" smtClean="0"/>
-              <a:t>PyTorch</a:t>
-            </a:r>
-            <a:r>
-              <a:rPr lang="de-DE" dirty="0" smtClean="0"/>
-              <a:t>/</a:t>
-            </a:r>
-            <a:r>
-              <a:rPr lang="de-DE" dirty="0" err="1" smtClean="0"/>
-              <a:t>Tensorflow</a:t>
-            </a:r>
-            <a:r>
-              <a:rPr lang="de-DE" dirty="0" smtClean="0"/>
-              <a:t> </a:t>
-            </a:r>
-            <a:r>
-              <a:rPr lang="de-DE" dirty="0" err="1" smtClean="0"/>
-              <a:t>for</a:t>
-            </a:r>
-            <a:r>
-              <a:rPr lang="de-DE" dirty="0" smtClean="0"/>
-              <a:t> </a:t>
-            </a:r>
-            <a:r>
-              <a:rPr lang="de-DE" dirty="0" err="1" smtClean="0"/>
-              <a:t>more</a:t>
-            </a:r>
-            <a:r>
-              <a:rPr lang="de-DE" dirty="0" smtClean="0"/>
-              <a:t> </a:t>
-            </a:r>
-            <a:r>
-              <a:rPr lang="de-DE" dirty="0" err="1" smtClean="0"/>
-              <a:t>complex</a:t>
-            </a:r>
-            <a:r>
-              <a:rPr lang="de-DE" dirty="0" smtClean="0"/>
-              <a:t> </a:t>
-            </a:r>
-            <a:r>
-              <a:rPr lang="de-DE" dirty="0" err="1" smtClean="0"/>
-              <a:t>machine</a:t>
-            </a:r>
-            <a:r>
-              <a:rPr lang="de-DE" dirty="0" smtClean="0"/>
-              <a:t> </a:t>
-            </a:r>
-            <a:r>
-              <a:rPr lang="de-DE" dirty="0" err="1" smtClean="0"/>
-              <a:t>learning</a:t>
-            </a:r>
-            <a:r>
-              <a:rPr lang="de-DE" dirty="0" smtClean="0"/>
-              <a:t> and </a:t>
-            </a:r>
-            <a:r>
-              <a:rPr lang="de-DE" dirty="0" err="1" smtClean="0"/>
-              <a:t>deep</a:t>
-            </a:r>
-            <a:r>
-              <a:rPr lang="de-DE" dirty="0" smtClean="0"/>
-              <a:t> </a:t>
-            </a:r>
-            <a:r>
-              <a:rPr lang="de-DE" dirty="0" err="1" smtClean="0"/>
-              <a:t>learning</a:t>
-            </a:r>
-            <a:r>
-              <a:rPr lang="de-DE" dirty="0" smtClean="0"/>
-              <a:t> </a:t>
-            </a:r>
-            <a:r>
-              <a:rPr lang="de-DE" dirty="0" err="1" smtClean="0"/>
-              <a:t>models</a:t>
-            </a:r>
-            <a:endParaRPr lang="de-DE" dirty="0" smtClean="0"/>
-          </a:p>
-          <a:p>
-            <a:pPr marL="537750" lvl="2" indent="-285750">
-              <a:buFont typeface="Arial" panose="020B0604020202020204" pitchFamily="34" charset="0"/>
-              <a:buChar char="•"/>
-            </a:pPr>
-            <a:r>
-              <a:rPr lang="de-DE" dirty="0" err="1" smtClean="0"/>
-              <a:t>Seaborn</a:t>
-            </a:r>
-            <a:r>
-              <a:rPr lang="de-DE" dirty="0" smtClean="0"/>
-              <a:t> </a:t>
-            </a:r>
-            <a:r>
-              <a:rPr lang="de-DE" dirty="0" err="1" smtClean="0"/>
-              <a:t>for</a:t>
-            </a:r>
-            <a:r>
-              <a:rPr lang="de-DE" dirty="0" smtClean="0"/>
-              <a:t> </a:t>
-            </a:r>
-            <a:r>
-              <a:rPr lang="de-DE" dirty="0" err="1" smtClean="0"/>
-              <a:t>statistical</a:t>
-            </a:r>
-            <a:r>
-              <a:rPr lang="de-DE" dirty="0" smtClean="0"/>
-              <a:t> </a:t>
-            </a:r>
-            <a:r>
-              <a:rPr lang="de-DE" dirty="0" err="1" smtClean="0"/>
-              <a:t>data</a:t>
-            </a:r>
-            <a:r>
-              <a:rPr lang="de-DE" dirty="0" smtClean="0"/>
-              <a:t> </a:t>
-            </a:r>
-            <a:r>
-              <a:rPr lang="de-DE" dirty="0" err="1" smtClean="0"/>
-              <a:t>visualization</a:t>
-            </a:r>
-            <a:endParaRPr lang="de-DE" dirty="0" smtClean="0"/>
-          </a:p>
-        </p:txBody>
-      </p:sp>
-    </p:spTree>
-    <p:extLst>
-      <p:ext uri="{BB962C8B-B14F-4D97-AF65-F5344CB8AC3E}">
-        <p14:creationId xmlns:p14="http://schemas.microsoft.com/office/powerpoint/2010/main" val="1440739897"/>
-      </p:ext>
-    </p:extLst>
-  </p:cSld>
-  <p:clrMapOvr>
-    <a:masterClrMapping/>
-  </p:clrMapOvr>
+  <p:timing>
+    <p:tnLst>
+      <p:par>
+        <p:cTn id="1" dur="indefinite" restart="never" nodeType="tmRoot"/>
+      </p:par>
+    </p:tnLst>
+  </p:timing>
 </p:sld>
 </file>
 
@@ -31299,6 +32150,13 @@
   <p:clrMapOvr>
     <a:masterClrMapping/>
   </p:clrMapOvr>
+  <p:timing>
+    <p:tnLst>
+      <p:par>
+        <p:cTn id="1" dur="indefinite" restart="never" nodeType="tmRoot"/>
+      </p:par>
+    </p:tnLst>
+  </p:timing>
 </p:sld>
 </file>
 
@@ -32037,6 +32895,13 @@
   <p:clrMapOvr>
     <a:masterClrMapping/>
   </p:clrMapOvr>
+  <p:timing>
+    <p:tnLst>
+      <p:par>
+        <p:cTn id="1" dur="indefinite" restart="never" nodeType="tmRoot"/>
+      </p:par>
+    </p:tnLst>
+  </p:timing>
 </p:sld>
 </file>
 
